--- a/CSCE206/src/Lab Introduction.pptx
+++ b/CSCE206/src/Lab Introduction.pptx
@@ -2,7 +2,7 @@
 <file path=ppt/presentation.xml><?xml version="1.0" encoding="utf-8"?>
 <p:presentation xmlns:a="http://schemas.openxmlformats.org/drawingml/2006/main" xmlns:r="http://schemas.openxmlformats.org/officeDocument/2006/relationships" xmlns:p="http://schemas.openxmlformats.org/presentationml/2006/main" saveSubsetFonts="1" autoCompressPictures="0">
   <p:sldMasterIdLst>
-    <p:sldMasterId id="2147483855" r:id="rId1"/>
+    <p:sldMasterId id="2147483867" r:id="rId1"/>
   </p:sldMasterIdLst>
   <p:sldIdLst>
     <p:sldId id="256" r:id="rId2"/>
@@ -13,6 +13,7 @@
     <p:sldId id="261" r:id="rId7"/>
     <p:sldId id="262" r:id="rId8"/>
     <p:sldId id="263" r:id="rId9"/>
+    <p:sldId id="264" r:id="rId10"/>
   </p:sldIdLst>
   <p:sldSz cx="12192000" cy="6858000"/>
   <p:notesSz cx="6858000" cy="9144000"/>
@@ -20,7 +21,7 @@
     <a:defPPr>
       <a:defRPr lang="en-US"/>
     </a:defPPr>
-    <a:lvl1pPr marL="0" algn="l" defTabSz="457200" rtl="0" eaLnBrk="1" latinLnBrk="0" hangingPunct="1">
+    <a:lvl1pPr marL="0" algn="l" defTabSz="914400" rtl="0" eaLnBrk="1" latinLnBrk="0" hangingPunct="1">
       <a:defRPr sz="1800" kern="1200">
         <a:solidFill>
           <a:schemeClr val="tx1"/>
@@ -30,7 +31,7 @@
         <a:cs typeface="+mn-cs"/>
       </a:defRPr>
     </a:lvl1pPr>
-    <a:lvl2pPr marL="457200" algn="l" defTabSz="457200" rtl="0" eaLnBrk="1" latinLnBrk="0" hangingPunct="1">
+    <a:lvl2pPr marL="457200" algn="l" defTabSz="914400" rtl="0" eaLnBrk="1" latinLnBrk="0" hangingPunct="1">
       <a:defRPr sz="1800" kern="1200">
         <a:solidFill>
           <a:schemeClr val="tx1"/>
@@ -40,7 +41,7 @@
         <a:cs typeface="+mn-cs"/>
       </a:defRPr>
     </a:lvl2pPr>
-    <a:lvl3pPr marL="914400" algn="l" defTabSz="457200" rtl="0" eaLnBrk="1" latinLnBrk="0" hangingPunct="1">
+    <a:lvl3pPr marL="914400" algn="l" defTabSz="914400" rtl="0" eaLnBrk="1" latinLnBrk="0" hangingPunct="1">
       <a:defRPr sz="1800" kern="1200">
         <a:solidFill>
           <a:schemeClr val="tx1"/>
@@ -50,7 +51,7 @@
         <a:cs typeface="+mn-cs"/>
       </a:defRPr>
     </a:lvl3pPr>
-    <a:lvl4pPr marL="1371600" algn="l" defTabSz="457200" rtl="0" eaLnBrk="1" latinLnBrk="0" hangingPunct="1">
+    <a:lvl4pPr marL="1371600" algn="l" defTabSz="914400" rtl="0" eaLnBrk="1" latinLnBrk="0" hangingPunct="1">
       <a:defRPr sz="1800" kern="1200">
         <a:solidFill>
           <a:schemeClr val="tx1"/>
@@ -60,7 +61,7 @@
         <a:cs typeface="+mn-cs"/>
       </a:defRPr>
     </a:lvl4pPr>
-    <a:lvl5pPr marL="1828800" algn="l" defTabSz="457200" rtl="0" eaLnBrk="1" latinLnBrk="0" hangingPunct="1">
+    <a:lvl5pPr marL="1828800" algn="l" defTabSz="914400" rtl="0" eaLnBrk="1" latinLnBrk="0" hangingPunct="1">
       <a:defRPr sz="1800" kern="1200">
         <a:solidFill>
           <a:schemeClr val="tx1"/>
@@ -70,7 +71,7 @@
         <a:cs typeface="+mn-cs"/>
       </a:defRPr>
     </a:lvl5pPr>
-    <a:lvl6pPr marL="2286000" algn="l" defTabSz="457200" rtl="0" eaLnBrk="1" latinLnBrk="0" hangingPunct="1">
+    <a:lvl6pPr marL="2286000" algn="l" defTabSz="914400" rtl="0" eaLnBrk="1" latinLnBrk="0" hangingPunct="1">
       <a:defRPr sz="1800" kern="1200">
         <a:solidFill>
           <a:schemeClr val="tx1"/>
@@ -80,7 +81,7 @@
         <a:cs typeface="+mn-cs"/>
       </a:defRPr>
     </a:lvl6pPr>
-    <a:lvl7pPr marL="2743200" algn="l" defTabSz="457200" rtl="0" eaLnBrk="1" latinLnBrk="0" hangingPunct="1">
+    <a:lvl7pPr marL="2743200" algn="l" defTabSz="914400" rtl="0" eaLnBrk="1" latinLnBrk="0" hangingPunct="1">
       <a:defRPr sz="1800" kern="1200">
         <a:solidFill>
           <a:schemeClr val="tx1"/>
@@ -90,7 +91,7 @@
         <a:cs typeface="+mn-cs"/>
       </a:defRPr>
     </a:lvl7pPr>
-    <a:lvl8pPr marL="3200400" algn="l" defTabSz="457200" rtl="0" eaLnBrk="1" latinLnBrk="0" hangingPunct="1">
+    <a:lvl8pPr marL="3200400" algn="l" defTabSz="914400" rtl="0" eaLnBrk="1" latinLnBrk="0" hangingPunct="1">
       <a:defRPr sz="1800" kern="1200">
         <a:solidFill>
           <a:schemeClr val="tx1"/>
@@ -100,7 +101,7 @@
         <a:cs typeface="+mn-cs"/>
       </a:defRPr>
     </a:lvl8pPr>
-    <a:lvl9pPr marL="3657600" algn="l" defTabSz="457200" rtl="0" eaLnBrk="1" latinLnBrk="0" hangingPunct="1">
+    <a:lvl9pPr marL="3657600" algn="l" defTabSz="914400" rtl="0" eaLnBrk="1" latinLnBrk="0" hangingPunct="1">
       <a:defRPr sz="1800" kern="1200">
         <a:solidFill>
           <a:schemeClr val="tx1"/>
@@ -111,6 +112,11 @@
       </a:defRPr>
     </a:lvl9pPr>
   </p:defaultTextStyle>
+  <p:extLst>
+    <p:ext uri="{EFAFB233-063F-42B5-8137-9DF3F51BA10A}">
+      <p15:sldGuideLst xmlns:p15="http://schemas.microsoft.com/office/powerpoint/2012/main"/>
+    </p:ext>
+  </p:extLst>
 </p:presentation>
 </file>
 
@@ -133,7 +139,13 @@
       </p:grpSpPr>
       <p:sp>
         <p:nvSpPr>
-          <p:cNvPr id="2" name="Title 1"/>
+          <p:cNvPr id="2" name="Title 1">
+            <a:extLst>
+              <a:ext uri="{FF2B5EF4-FFF2-40B4-BE49-F238E27FC236}">
+                <a16:creationId xmlns:a16="http://schemas.microsoft.com/office/drawing/2014/main" id="{1B11F926-90A4-3D4E-9F4E-D9CB0E134D2E}"/>
+              </a:ext>
+            </a:extLst>
+          </p:cNvPr>
           <p:cNvSpPr>
             <a:spLocks noGrp="1"/>
           </p:cNvSpPr>
@@ -143,17 +155,15 @@
         </p:nvSpPr>
         <p:spPr>
           <a:xfrm>
-            <a:off x="2417779" y="802298"/>
-            <a:ext cx="8637073" cy="2541431"/>
-          </a:xfrm>
-        </p:spPr>
-        <p:txBody>
-          <a:bodyPr bIns="0" anchor="b">
-            <a:normAutofit/>
-          </a:bodyPr>
+            <a:off x="1524000" y="1122363"/>
+            <a:ext cx="9144000" cy="2387600"/>
+          </a:xfrm>
+        </p:spPr>
+        <p:txBody>
+          <a:bodyPr anchor="b"/>
           <a:lstStyle>
-            <a:lvl1pPr algn="l">
-              <a:defRPr sz="6600"/>
+            <a:lvl1pPr algn="ctr">
+              <a:defRPr sz="6000"/>
             </a:lvl1pPr>
           </a:lstStyle>
           <a:p>
@@ -161,13 +171,18 @@
               <a:rPr lang="en-US"/>
               <a:t>Click to edit Master title style</a:t>
             </a:r>
-            <a:endParaRPr lang="en-US" dirty="0"/>
-          </a:p>
-        </p:txBody>
-      </p:sp>
-      <p:sp>
-        <p:nvSpPr>
-          <p:cNvPr id="3" name="Subtitle 2"/>
+          </a:p>
+        </p:txBody>
+      </p:sp>
+      <p:sp>
+        <p:nvSpPr>
+          <p:cNvPr id="3" name="Subtitle 2">
+            <a:extLst>
+              <a:ext uri="{FF2B5EF4-FFF2-40B4-BE49-F238E27FC236}">
+                <a16:creationId xmlns:a16="http://schemas.microsoft.com/office/drawing/2014/main" id="{C4701076-ADDB-7D4E-8B7C-505A0B8DAE26}"/>
+              </a:ext>
+            </a:extLst>
+          </p:cNvPr>
           <p:cNvSpPr>
             <a:spLocks noGrp="1"/>
           </p:cNvSpPr>
@@ -177,26 +192,20 @@
         </p:nvSpPr>
         <p:spPr>
           <a:xfrm>
-            <a:off x="2417780" y="3531204"/>
-            <a:ext cx="8637072" cy="977621"/>
-          </a:xfrm>
-        </p:spPr>
-        <p:txBody>
-          <a:bodyPr tIns="91440" bIns="91440">
-            <a:normAutofit/>
-          </a:bodyPr>
+            <a:off x="1524000" y="3602038"/>
+            <a:ext cx="9144000" cy="1655762"/>
+          </a:xfrm>
+        </p:spPr>
+        <p:txBody>
+          <a:bodyPr/>
           <a:lstStyle>
-            <a:lvl1pPr marL="0" indent="0" algn="l">
+            <a:lvl1pPr marL="0" indent="0" algn="ctr">
               <a:buNone/>
-              <a:defRPr sz="1800" b="0" cap="all" baseline="0">
-                <a:solidFill>
-                  <a:schemeClr val="tx1"/>
-                </a:solidFill>
-              </a:defRPr>
+              <a:defRPr sz="2400"/>
             </a:lvl1pPr>
             <a:lvl2pPr marL="457200" indent="0" algn="ctr">
               <a:buNone/>
-              <a:defRPr sz="1800"/>
+              <a:defRPr sz="2000"/>
             </a:lvl2pPr>
             <a:lvl3pPr marL="914400" indent="0" algn="ctr">
               <a:buNone/>
@@ -232,13 +241,18 @@
               <a:rPr lang="en-US"/>
               <a:t>Click to edit Master subtitle style</a:t>
             </a:r>
-            <a:endParaRPr lang="en-US" dirty="0"/>
-          </a:p>
-        </p:txBody>
-      </p:sp>
-      <p:sp>
-        <p:nvSpPr>
-          <p:cNvPr id="4" name="Date Placeholder 3"/>
+          </a:p>
+        </p:txBody>
+      </p:sp>
+      <p:sp>
+        <p:nvSpPr>
+          <p:cNvPr id="4" name="Date Placeholder 3">
+            <a:extLst>
+              <a:ext uri="{FF2B5EF4-FFF2-40B4-BE49-F238E27FC236}">
+                <a16:creationId xmlns:a16="http://schemas.microsoft.com/office/drawing/2014/main" id="{D9481C04-D13E-5F40-8044-A217A31790AE}"/>
+              </a:ext>
+            </a:extLst>
+          </p:cNvPr>
           <p:cNvSpPr>
             <a:spLocks noGrp="1"/>
           </p:cNvSpPr>
@@ -261,7 +275,13 @@
       </p:sp>
       <p:sp>
         <p:nvSpPr>
-          <p:cNvPr id="5" name="Footer Placeholder 4"/>
+          <p:cNvPr id="5" name="Footer Placeholder 4">
+            <a:extLst>
+              <a:ext uri="{FF2B5EF4-FFF2-40B4-BE49-F238E27FC236}">
+                <a16:creationId xmlns:a16="http://schemas.microsoft.com/office/drawing/2014/main" id="{7E653F31-2206-EA49-905F-40795E291717}"/>
+              </a:ext>
+            </a:extLst>
+          </p:cNvPr>
           <p:cNvSpPr>
             <a:spLocks noGrp="1"/>
           </p:cNvSpPr>
@@ -269,12 +289,7 @@
             <p:ph type="ftr" sz="quarter" idx="11"/>
           </p:nvPr>
         </p:nvSpPr>
-        <p:spPr>
-          <a:xfrm>
-            <a:off x="2416500" y="329307"/>
-            <a:ext cx="4973915" cy="309201"/>
-          </a:xfrm>
-        </p:spPr>
+        <p:spPr/>
         <p:txBody>
           <a:bodyPr/>
           <a:lstStyle/>
@@ -285,7 +300,13 @@
       </p:sp>
       <p:sp>
         <p:nvSpPr>
-          <p:cNvPr id="6" name="Slide Number Placeholder 5"/>
+          <p:cNvPr id="6" name="Slide Number Placeholder 5">
+            <a:extLst>
+              <a:ext uri="{FF2B5EF4-FFF2-40B4-BE49-F238E27FC236}">
+                <a16:creationId xmlns:a16="http://schemas.microsoft.com/office/drawing/2014/main" id="{0F73936E-C968-E94B-8AEB-6831C8F65C6C}"/>
+              </a:ext>
+            </a:extLst>
+          </p:cNvPr>
           <p:cNvSpPr>
             <a:spLocks noGrp="1"/>
           </p:cNvSpPr>
@@ -293,12 +314,7 @@
             <p:ph type="sldNum" sz="quarter" idx="12"/>
           </p:nvPr>
         </p:nvSpPr>
-        <p:spPr>
-          <a:xfrm>
-            <a:off x="1437664" y="798973"/>
-            <a:ext cx="811019" cy="503578"/>
-          </a:xfrm>
-        </p:spPr>
+        <p:spPr/>
         <p:txBody>
           <a:bodyPr/>
           <a:lstStyle/>
@@ -311,41 +327,10 @@
           </a:p>
         </p:txBody>
       </p:sp>
-      <p:cxnSp>
-        <p:nvCxnSpPr>
-          <p:cNvPr id="15" name="Straight Connector 14"/>
-          <p:cNvCxnSpPr/>
-          <p:nvPr/>
-        </p:nvCxnSpPr>
-        <p:spPr>
-          <a:xfrm>
-            <a:off x="2417780" y="3528542"/>
-            <a:ext cx="8637072" cy="0"/>
-          </a:xfrm>
-          <a:prstGeom prst="line">
-            <a:avLst/>
-          </a:prstGeom>
-          <a:ln w="31750"/>
-        </p:spPr>
-        <p:style>
-          <a:lnRef idx="3">
-            <a:schemeClr val="accent1"/>
-          </a:lnRef>
-          <a:fillRef idx="0">
-            <a:schemeClr val="accent1"/>
-          </a:fillRef>
-          <a:effectRef idx="2">
-            <a:schemeClr val="accent1"/>
-          </a:effectRef>
-          <a:fontRef idx="minor">
-            <a:schemeClr val="tx1"/>
-          </a:fontRef>
-        </p:style>
-      </p:cxnSp>
     </p:spTree>
     <p:extLst>
       <p:ext uri="{BB962C8B-B14F-4D97-AF65-F5344CB8AC3E}">
-        <p14:creationId xmlns:p14="http://schemas.microsoft.com/office/powerpoint/2010/main" val="3256798876"/>
+        <p14:creationId xmlns:p14="http://schemas.microsoft.com/office/powerpoint/2010/main" val="1553677135"/>
       </p:ext>
     </p:extLst>
   </p:cSld>
@@ -374,7 +359,13 @@
       </p:grpSpPr>
       <p:sp>
         <p:nvSpPr>
-          <p:cNvPr id="2" name="Title 1"/>
+          <p:cNvPr id="2" name="Title 1">
+            <a:extLst>
+              <a:ext uri="{FF2B5EF4-FFF2-40B4-BE49-F238E27FC236}">
+                <a16:creationId xmlns:a16="http://schemas.microsoft.com/office/drawing/2014/main" id="{8A43842E-0716-1F41-B5E6-4BDD9C8C5208}"/>
+              </a:ext>
+            </a:extLst>
+          </p:cNvPr>
           <p:cNvSpPr>
             <a:spLocks noGrp="1"/>
           </p:cNvSpPr>
@@ -391,13 +382,18 @@
               <a:rPr lang="en-US"/>
               <a:t>Click to edit Master title style</a:t>
             </a:r>
-            <a:endParaRPr lang="en-US" dirty="0"/>
-          </a:p>
-        </p:txBody>
-      </p:sp>
-      <p:sp>
-        <p:nvSpPr>
-          <p:cNvPr id="3" name="Vertical Text Placeholder 2"/>
+          </a:p>
+        </p:txBody>
+      </p:sp>
+      <p:sp>
+        <p:nvSpPr>
+          <p:cNvPr id="3" name="Vertical Text Placeholder 2">
+            <a:extLst>
+              <a:ext uri="{FF2B5EF4-FFF2-40B4-BE49-F238E27FC236}">
+                <a16:creationId xmlns:a16="http://schemas.microsoft.com/office/drawing/2014/main" id="{5AF465CD-A0C1-FA4A-BC1B-AF57BEC34172}"/>
+              </a:ext>
+            </a:extLst>
+          </p:cNvPr>
           <p:cNvSpPr>
             <a:spLocks noGrp="1"/>
           </p:cNvSpPr>
@@ -443,13 +439,18 @@
               <a:rPr lang="en-US"/>
               <a:t>Fifth level</a:t>
             </a:r>
-            <a:endParaRPr lang="en-US" dirty="0"/>
-          </a:p>
-        </p:txBody>
-      </p:sp>
-      <p:sp>
-        <p:nvSpPr>
-          <p:cNvPr id="4" name="Date Placeholder 3"/>
+          </a:p>
+        </p:txBody>
+      </p:sp>
+      <p:sp>
+        <p:nvSpPr>
+          <p:cNvPr id="4" name="Date Placeholder 3">
+            <a:extLst>
+              <a:ext uri="{FF2B5EF4-FFF2-40B4-BE49-F238E27FC236}">
+                <a16:creationId xmlns:a16="http://schemas.microsoft.com/office/drawing/2014/main" id="{299382B2-5AB2-A74A-91C3-50514984AAA5}"/>
+              </a:ext>
+            </a:extLst>
+          </p:cNvPr>
           <p:cNvSpPr>
             <a:spLocks noGrp="1"/>
           </p:cNvSpPr>
@@ -472,7 +473,13 @@
       </p:sp>
       <p:sp>
         <p:nvSpPr>
-          <p:cNvPr id="5" name="Footer Placeholder 4"/>
+          <p:cNvPr id="5" name="Footer Placeholder 4">
+            <a:extLst>
+              <a:ext uri="{FF2B5EF4-FFF2-40B4-BE49-F238E27FC236}">
+                <a16:creationId xmlns:a16="http://schemas.microsoft.com/office/drawing/2014/main" id="{C4E015C5-DADE-D742-B063-54D366609A39}"/>
+              </a:ext>
+            </a:extLst>
+          </p:cNvPr>
           <p:cNvSpPr>
             <a:spLocks noGrp="1"/>
           </p:cNvSpPr>
@@ -491,7 +498,13 @@
       </p:sp>
       <p:sp>
         <p:nvSpPr>
-          <p:cNvPr id="6" name="Slide Number Placeholder 5"/>
+          <p:cNvPr id="6" name="Slide Number Placeholder 5">
+            <a:extLst>
+              <a:ext uri="{FF2B5EF4-FFF2-40B4-BE49-F238E27FC236}">
+                <a16:creationId xmlns:a16="http://schemas.microsoft.com/office/drawing/2014/main" id="{16AEC481-5829-D147-85AC-DB4C68803D65}"/>
+              </a:ext>
+            </a:extLst>
+          </p:cNvPr>
           <p:cNvSpPr>
             <a:spLocks noGrp="1"/>
           </p:cNvSpPr>
@@ -512,41 +525,10 @@
           </a:p>
         </p:txBody>
       </p:sp>
-      <p:cxnSp>
-        <p:nvCxnSpPr>
-          <p:cNvPr id="26" name="Straight Connector 25"/>
-          <p:cNvCxnSpPr/>
-          <p:nvPr/>
-        </p:nvCxnSpPr>
-        <p:spPr>
-          <a:xfrm>
-            <a:off x="1453896" y="1847088"/>
-            <a:ext cx="9607522" cy="0"/>
-          </a:xfrm>
-          <a:prstGeom prst="line">
-            <a:avLst/>
-          </a:prstGeom>
-          <a:ln w="31750"/>
-        </p:spPr>
-        <p:style>
-          <a:lnRef idx="3">
-            <a:schemeClr val="accent1"/>
-          </a:lnRef>
-          <a:fillRef idx="0">
-            <a:schemeClr val="accent1"/>
-          </a:fillRef>
-          <a:effectRef idx="2">
-            <a:schemeClr val="accent1"/>
-          </a:effectRef>
-          <a:fontRef idx="minor">
-            <a:schemeClr val="tx1"/>
-          </a:fontRef>
-        </p:style>
-      </p:cxnSp>
     </p:spTree>
     <p:extLst>
       <p:ext uri="{BB962C8B-B14F-4D97-AF65-F5344CB8AC3E}">
-        <p14:creationId xmlns:p14="http://schemas.microsoft.com/office/powerpoint/2010/main" val="254816191"/>
+        <p14:creationId xmlns:p14="http://schemas.microsoft.com/office/powerpoint/2010/main" val="524831540"/>
       </p:ext>
     </p:extLst>
   </p:cSld>
@@ -575,7 +557,13 @@
       </p:grpSpPr>
       <p:sp>
         <p:nvSpPr>
-          <p:cNvPr id="2" name="Vertical Title 1"/>
+          <p:cNvPr id="2" name="Vertical Title 1">
+            <a:extLst>
+              <a:ext uri="{FF2B5EF4-FFF2-40B4-BE49-F238E27FC236}">
+                <a16:creationId xmlns:a16="http://schemas.microsoft.com/office/drawing/2014/main" id="{3576B1D2-6C0C-6B42-A394-989EBB1B7511}"/>
+              </a:ext>
+            </a:extLst>
+          </p:cNvPr>
           <p:cNvSpPr>
             <a:spLocks noGrp="1"/>
           </p:cNvSpPr>
@@ -585,29 +573,30 @@
         </p:nvSpPr>
         <p:spPr>
           <a:xfrm>
-            <a:off x="9439111" y="798973"/>
-            <a:ext cx="1615742" cy="4659889"/>
+            <a:off x="8724900" y="365125"/>
+            <a:ext cx="2628900" cy="5811838"/>
           </a:xfrm>
         </p:spPr>
         <p:txBody>
           <a:bodyPr vert="eaVert"/>
-          <a:lstStyle>
-            <a:lvl1pPr algn="l">
-              <a:defRPr/>
-            </a:lvl1pPr>
-          </a:lstStyle>
+          <a:lstStyle/>
           <a:p>
             <a:r>
               <a:rPr lang="en-US"/>
               <a:t>Click to edit Master title style</a:t>
             </a:r>
-            <a:endParaRPr lang="en-US" dirty="0"/>
-          </a:p>
-        </p:txBody>
-      </p:sp>
-      <p:sp>
-        <p:nvSpPr>
-          <p:cNvPr id="3" name="Vertical Text Placeholder 2"/>
+          </a:p>
+        </p:txBody>
+      </p:sp>
+      <p:sp>
+        <p:nvSpPr>
+          <p:cNvPr id="3" name="Vertical Text Placeholder 2">
+            <a:extLst>
+              <a:ext uri="{FF2B5EF4-FFF2-40B4-BE49-F238E27FC236}">
+                <a16:creationId xmlns:a16="http://schemas.microsoft.com/office/drawing/2014/main" id="{CC179998-8787-C04C-827D-7B3CB4EE9467}"/>
+              </a:ext>
+            </a:extLst>
+          </p:cNvPr>
           <p:cNvSpPr>
             <a:spLocks noGrp="1"/>
           </p:cNvSpPr>
@@ -617,8 +606,8 @@
         </p:nvSpPr>
         <p:spPr>
           <a:xfrm>
-            <a:off x="1444672" y="798973"/>
-            <a:ext cx="7828830" cy="4659889"/>
+            <a:off x="838200" y="365125"/>
+            <a:ext cx="7734300" cy="5811838"/>
           </a:xfrm>
         </p:spPr>
         <p:txBody>
@@ -658,13 +647,18 @@
               <a:rPr lang="en-US"/>
               <a:t>Fifth level</a:t>
             </a:r>
-            <a:endParaRPr lang="en-US" dirty="0"/>
-          </a:p>
-        </p:txBody>
-      </p:sp>
-      <p:sp>
-        <p:nvSpPr>
-          <p:cNvPr id="4" name="Date Placeholder 3"/>
+          </a:p>
+        </p:txBody>
+      </p:sp>
+      <p:sp>
+        <p:nvSpPr>
+          <p:cNvPr id="4" name="Date Placeholder 3">
+            <a:extLst>
+              <a:ext uri="{FF2B5EF4-FFF2-40B4-BE49-F238E27FC236}">
+                <a16:creationId xmlns:a16="http://schemas.microsoft.com/office/drawing/2014/main" id="{F522CD44-6003-BA46-A0E8-9BAD1AC22A5D}"/>
+              </a:ext>
+            </a:extLst>
+          </p:cNvPr>
           <p:cNvSpPr>
             <a:spLocks noGrp="1"/>
           </p:cNvSpPr>
@@ -687,7 +681,13 @@
       </p:sp>
       <p:sp>
         <p:nvSpPr>
-          <p:cNvPr id="5" name="Footer Placeholder 4"/>
+          <p:cNvPr id="5" name="Footer Placeholder 4">
+            <a:extLst>
+              <a:ext uri="{FF2B5EF4-FFF2-40B4-BE49-F238E27FC236}">
+                <a16:creationId xmlns:a16="http://schemas.microsoft.com/office/drawing/2014/main" id="{18FA4901-E0FE-5A42-908E-7D2B2A0E52A0}"/>
+              </a:ext>
+            </a:extLst>
+          </p:cNvPr>
           <p:cNvSpPr>
             <a:spLocks noGrp="1"/>
           </p:cNvSpPr>
@@ -706,7 +706,13 @@
       </p:sp>
       <p:sp>
         <p:nvSpPr>
-          <p:cNvPr id="6" name="Slide Number Placeholder 5"/>
+          <p:cNvPr id="6" name="Slide Number Placeholder 5">
+            <a:extLst>
+              <a:ext uri="{FF2B5EF4-FFF2-40B4-BE49-F238E27FC236}">
+                <a16:creationId xmlns:a16="http://schemas.microsoft.com/office/drawing/2014/main" id="{9BBA6AFE-E93D-8F4E-9D5B-0408A328048E}"/>
+              </a:ext>
+            </a:extLst>
+          </p:cNvPr>
           <p:cNvSpPr>
             <a:spLocks noGrp="1"/>
           </p:cNvSpPr>
@@ -727,41 +733,10 @@
           </a:p>
         </p:txBody>
       </p:sp>
-      <p:cxnSp>
-        <p:nvCxnSpPr>
-          <p:cNvPr id="15" name="Straight Connector 14"/>
-          <p:cNvCxnSpPr/>
-          <p:nvPr/>
-        </p:nvCxnSpPr>
-        <p:spPr>
-          <a:xfrm>
-            <a:off x="9439111" y="798973"/>
-            <a:ext cx="0" cy="4659889"/>
-          </a:xfrm>
-          <a:prstGeom prst="line">
-            <a:avLst/>
-          </a:prstGeom>
-          <a:ln w="31750"/>
-        </p:spPr>
-        <p:style>
-          <a:lnRef idx="3">
-            <a:schemeClr val="accent1"/>
-          </a:lnRef>
-          <a:fillRef idx="0">
-            <a:schemeClr val="accent1"/>
-          </a:fillRef>
-          <a:effectRef idx="2">
-            <a:schemeClr val="accent1"/>
-          </a:effectRef>
-          <a:fontRef idx="minor">
-            <a:schemeClr val="tx1"/>
-          </a:fontRef>
-        </p:style>
-      </p:cxnSp>
     </p:spTree>
     <p:extLst>
       <p:ext uri="{BB962C8B-B14F-4D97-AF65-F5344CB8AC3E}">
-        <p14:creationId xmlns:p14="http://schemas.microsoft.com/office/powerpoint/2010/main" val="1390497459"/>
+        <p14:creationId xmlns:p14="http://schemas.microsoft.com/office/powerpoint/2010/main" val="698210135"/>
       </p:ext>
     </p:extLst>
   </p:cSld>
@@ -790,7 +765,13 @@
       </p:grpSpPr>
       <p:sp>
         <p:nvSpPr>
-          <p:cNvPr id="2" name="Title 1"/>
+          <p:cNvPr id="2" name="Title 1">
+            <a:extLst>
+              <a:ext uri="{FF2B5EF4-FFF2-40B4-BE49-F238E27FC236}">
+                <a16:creationId xmlns:a16="http://schemas.microsoft.com/office/drawing/2014/main" id="{57B4F240-0EDD-FB41-A478-4E32874D0D81}"/>
+              </a:ext>
+            </a:extLst>
+          </p:cNvPr>
           <p:cNvSpPr>
             <a:spLocks noGrp="1"/>
           </p:cNvSpPr>
@@ -807,13 +788,18 @@
               <a:rPr lang="en-US"/>
               <a:t>Click to edit Master title style</a:t>
             </a:r>
-            <a:endParaRPr lang="en-US" dirty="0"/>
-          </a:p>
-        </p:txBody>
-      </p:sp>
-      <p:sp>
-        <p:nvSpPr>
-          <p:cNvPr id="3" name="Content Placeholder 2"/>
+          </a:p>
+        </p:txBody>
+      </p:sp>
+      <p:sp>
+        <p:nvSpPr>
+          <p:cNvPr id="3" name="Content Placeholder 2">
+            <a:extLst>
+              <a:ext uri="{FF2B5EF4-FFF2-40B4-BE49-F238E27FC236}">
+                <a16:creationId xmlns:a16="http://schemas.microsoft.com/office/drawing/2014/main" id="{3C5FD5FF-F1EC-1F40-88F2-B8F67BB021CD}"/>
+              </a:ext>
+            </a:extLst>
+          </p:cNvPr>
           <p:cNvSpPr>
             <a:spLocks noGrp="1"/>
           </p:cNvSpPr>
@@ -823,7 +809,7 @@
         </p:nvSpPr>
         <p:spPr/>
         <p:txBody>
-          <a:bodyPr anchor="t"/>
+          <a:bodyPr/>
           <a:lstStyle/>
           <a:p>
             <a:pPr lvl="0"/>
@@ -859,13 +845,18 @@
               <a:rPr lang="en-US"/>
               <a:t>Fifth level</a:t>
             </a:r>
-            <a:endParaRPr lang="en-US" dirty="0"/>
-          </a:p>
-        </p:txBody>
-      </p:sp>
-      <p:sp>
-        <p:nvSpPr>
-          <p:cNvPr id="4" name="Date Placeholder 3"/>
+          </a:p>
+        </p:txBody>
+      </p:sp>
+      <p:sp>
+        <p:nvSpPr>
+          <p:cNvPr id="4" name="Date Placeholder 3">
+            <a:extLst>
+              <a:ext uri="{FF2B5EF4-FFF2-40B4-BE49-F238E27FC236}">
+                <a16:creationId xmlns:a16="http://schemas.microsoft.com/office/drawing/2014/main" id="{4B5EA381-F2E4-0348-9158-0F0AD895D35A}"/>
+              </a:ext>
+            </a:extLst>
+          </p:cNvPr>
           <p:cNvSpPr>
             <a:spLocks noGrp="1"/>
           </p:cNvSpPr>
@@ -888,7 +879,13 @@
       </p:sp>
       <p:sp>
         <p:nvSpPr>
-          <p:cNvPr id="5" name="Footer Placeholder 4"/>
+          <p:cNvPr id="5" name="Footer Placeholder 4">
+            <a:extLst>
+              <a:ext uri="{FF2B5EF4-FFF2-40B4-BE49-F238E27FC236}">
+                <a16:creationId xmlns:a16="http://schemas.microsoft.com/office/drawing/2014/main" id="{2CFD09E1-BB46-B341-AE81-9E0C855A351E}"/>
+              </a:ext>
+            </a:extLst>
+          </p:cNvPr>
           <p:cNvSpPr>
             <a:spLocks noGrp="1"/>
           </p:cNvSpPr>
@@ -907,7 +904,13 @@
       </p:sp>
       <p:sp>
         <p:nvSpPr>
-          <p:cNvPr id="6" name="Slide Number Placeholder 5"/>
+          <p:cNvPr id="6" name="Slide Number Placeholder 5">
+            <a:extLst>
+              <a:ext uri="{FF2B5EF4-FFF2-40B4-BE49-F238E27FC236}">
+                <a16:creationId xmlns:a16="http://schemas.microsoft.com/office/drawing/2014/main" id="{FAD1A68C-A101-F74E-985C-503CDEFD5B2D}"/>
+              </a:ext>
+            </a:extLst>
+          </p:cNvPr>
           <p:cNvSpPr>
             <a:spLocks noGrp="1"/>
           </p:cNvSpPr>
@@ -928,41 +931,10 @@
           </a:p>
         </p:txBody>
       </p:sp>
-      <p:cxnSp>
-        <p:nvCxnSpPr>
-          <p:cNvPr id="33" name="Straight Connector 32"/>
-          <p:cNvCxnSpPr/>
-          <p:nvPr/>
-        </p:nvCxnSpPr>
-        <p:spPr>
-          <a:xfrm>
-            <a:off x="1453896" y="1847088"/>
-            <a:ext cx="9607522" cy="0"/>
-          </a:xfrm>
-          <a:prstGeom prst="line">
-            <a:avLst/>
-          </a:prstGeom>
-          <a:ln w="31750"/>
-        </p:spPr>
-        <p:style>
-          <a:lnRef idx="3">
-            <a:schemeClr val="accent1"/>
-          </a:lnRef>
-          <a:fillRef idx="0">
-            <a:schemeClr val="accent1"/>
-          </a:fillRef>
-          <a:effectRef idx="2">
-            <a:schemeClr val="accent1"/>
-          </a:effectRef>
-          <a:fontRef idx="minor">
-            <a:schemeClr val="tx1"/>
-          </a:fontRef>
-        </p:style>
-      </p:cxnSp>
     </p:spTree>
     <p:extLst>
       <p:ext uri="{BB962C8B-B14F-4D97-AF65-F5344CB8AC3E}">
-        <p14:creationId xmlns:p14="http://schemas.microsoft.com/office/powerpoint/2010/main" val="129840863"/>
+        <p14:creationId xmlns:p14="http://schemas.microsoft.com/office/powerpoint/2010/main" val="1419157578"/>
       </p:ext>
     </p:extLst>
   </p:cSld>
@@ -991,7 +963,13 @@
       </p:grpSpPr>
       <p:sp>
         <p:nvSpPr>
-          <p:cNvPr id="2" name="Title 1"/>
+          <p:cNvPr id="2" name="Title 1">
+            <a:extLst>
+              <a:ext uri="{FF2B5EF4-FFF2-40B4-BE49-F238E27FC236}">
+                <a16:creationId xmlns:a16="http://schemas.microsoft.com/office/drawing/2014/main" id="{5AF99803-1AED-DD41-9519-5C0D69436FF6}"/>
+              </a:ext>
+            </a:extLst>
+          </p:cNvPr>
           <p:cNvSpPr>
             <a:spLocks noGrp="1"/>
           </p:cNvSpPr>
@@ -1001,17 +979,15 @@
         </p:nvSpPr>
         <p:spPr>
           <a:xfrm>
-            <a:off x="1454239" y="1756130"/>
-            <a:ext cx="8643154" cy="1887950"/>
-          </a:xfrm>
-        </p:spPr>
-        <p:txBody>
-          <a:bodyPr anchor="b">
-            <a:normAutofit/>
-          </a:bodyPr>
+            <a:off x="831850" y="1709738"/>
+            <a:ext cx="10515600" cy="2852737"/>
+          </a:xfrm>
+        </p:spPr>
+        <p:txBody>
+          <a:bodyPr anchor="b"/>
           <a:lstStyle>
-            <a:lvl1pPr algn="l">
-              <a:defRPr sz="3600"/>
+            <a:lvl1pPr>
+              <a:defRPr sz="6000"/>
             </a:lvl1pPr>
           </a:lstStyle>
           <a:p>
@@ -1019,13 +995,18 @@
               <a:rPr lang="en-US"/>
               <a:t>Click to edit Master title style</a:t>
             </a:r>
-            <a:endParaRPr lang="en-US" dirty="0"/>
-          </a:p>
-        </p:txBody>
-      </p:sp>
-      <p:sp>
-        <p:nvSpPr>
-          <p:cNvPr id="3" name="Text Placeholder 2"/>
+          </a:p>
+        </p:txBody>
+      </p:sp>
+      <p:sp>
+        <p:nvSpPr>
+          <p:cNvPr id="3" name="Text Placeholder 2">
+            <a:extLst>
+              <a:ext uri="{FF2B5EF4-FFF2-40B4-BE49-F238E27FC236}">
+                <a16:creationId xmlns:a16="http://schemas.microsoft.com/office/drawing/2014/main" id="{B0F1DCEA-1DCA-D848-A9DC-96214051447E}"/>
+              </a:ext>
+            </a:extLst>
+          </p:cNvPr>
           <p:cNvSpPr>
             <a:spLocks noGrp="1"/>
           </p:cNvSpPr>
@@ -1035,26 +1016,26 @@
         </p:nvSpPr>
         <p:spPr>
           <a:xfrm>
-            <a:off x="1454239" y="3806195"/>
-            <a:ext cx="8630446" cy="1012929"/>
-          </a:xfrm>
-        </p:spPr>
-        <p:txBody>
-          <a:bodyPr tIns="91440">
-            <a:normAutofit/>
-          </a:bodyPr>
+            <a:off x="831850" y="4589463"/>
+            <a:ext cx="10515600" cy="1500187"/>
+          </a:xfrm>
+        </p:spPr>
+        <p:txBody>
+          <a:bodyPr/>
           <a:lstStyle>
-            <a:lvl1pPr marL="0" indent="0" algn="l">
+            <a:lvl1pPr marL="0" indent="0">
               <a:buNone/>
-              <a:defRPr sz="1800">
+              <a:defRPr sz="2400">
                 <a:solidFill>
-                  <a:schemeClr val="tx1"/>
+                  <a:schemeClr val="tx1">
+                    <a:tint val="75000"/>
+                  </a:schemeClr>
                 </a:solidFill>
               </a:defRPr>
             </a:lvl1pPr>
             <a:lvl2pPr marL="457200" indent="0">
               <a:buNone/>
-              <a:defRPr sz="1800">
+              <a:defRPr sz="2000">
                 <a:solidFill>
                   <a:schemeClr val="tx1">
                     <a:tint val="75000"/>
@@ -1144,7 +1125,13 @@
       </p:sp>
       <p:sp>
         <p:nvSpPr>
-          <p:cNvPr id="4" name="Date Placeholder 3"/>
+          <p:cNvPr id="4" name="Date Placeholder 3">
+            <a:extLst>
+              <a:ext uri="{FF2B5EF4-FFF2-40B4-BE49-F238E27FC236}">
+                <a16:creationId xmlns:a16="http://schemas.microsoft.com/office/drawing/2014/main" id="{6326C9AF-7811-514D-B082-D87A1797C7A6}"/>
+              </a:ext>
+            </a:extLst>
+          </p:cNvPr>
           <p:cNvSpPr>
             <a:spLocks noGrp="1"/>
           </p:cNvSpPr>
@@ -1167,7 +1154,13 @@
       </p:sp>
       <p:sp>
         <p:nvSpPr>
-          <p:cNvPr id="5" name="Footer Placeholder 4"/>
+          <p:cNvPr id="5" name="Footer Placeholder 4">
+            <a:extLst>
+              <a:ext uri="{FF2B5EF4-FFF2-40B4-BE49-F238E27FC236}">
+                <a16:creationId xmlns:a16="http://schemas.microsoft.com/office/drawing/2014/main" id="{665520F4-289D-CD46-85E6-60F86D3CAD97}"/>
+              </a:ext>
+            </a:extLst>
+          </p:cNvPr>
           <p:cNvSpPr>
             <a:spLocks noGrp="1"/>
           </p:cNvSpPr>
@@ -1186,7 +1179,13 @@
       </p:sp>
       <p:sp>
         <p:nvSpPr>
-          <p:cNvPr id="6" name="Slide Number Placeholder 5"/>
+          <p:cNvPr id="6" name="Slide Number Placeholder 5">
+            <a:extLst>
+              <a:ext uri="{FF2B5EF4-FFF2-40B4-BE49-F238E27FC236}">
+                <a16:creationId xmlns:a16="http://schemas.microsoft.com/office/drawing/2014/main" id="{8DE3B7F3-4464-8D43-9B43-2A01C3E42D2B}"/>
+              </a:ext>
+            </a:extLst>
+          </p:cNvPr>
           <p:cNvSpPr>
             <a:spLocks noGrp="1"/>
           </p:cNvSpPr>
@@ -1207,41 +1206,10 @@
           </a:p>
         </p:txBody>
       </p:sp>
-      <p:cxnSp>
-        <p:nvCxnSpPr>
-          <p:cNvPr id="15" name="Straight Connector 14"/>
-          <p:cNvCxnSpPr/>
-          <p:nvPr/>
-        </p:nvCxnSpPr>
-        <p:spPr>
-          <a:xfrm>
-            <a:off x="1454239" y="3804985"/>
-            <a:ext cx="8630446" cy="0"/>
-          </a:xfrm>
-          <a:prstGeom prst="line">
-            <a:avLst/>
-          </a:prstGeom>
-          <a:ln w="31750"/>
-        </p:spPr>
-        <p:style>
-          <a:lnRef idx="3">
-            <a:schemeClr val="accent1"/>
-          </a:lnRef>
-          <a:fillRef idx="0">
-            <a:schemeClr val="accent1"/>
-          </a:fillRef>
-          <a:effectRef idx="2">
-            <a:schemeClr val="accent1"/>
-          </a:effectRef>
-          <a:fontRef idx="minor">
-            <a:schemeClr val="tx1"/>
-          </a:fontRef>
-        </p:style>
-      </p:cxnSp>
     </p:spTree>
     <p:extLst>
       <p:ext uri="{BB962C8B-B14F-4D97-AF65-F5344CB8AC3E}">
-        <p14:creationId xmlns:p14="http://schemas.microsoft.com/office/powerpoint/2010/main" val="486640772"/>
+        <p14:creationId xmlns:p14="http://schemas.microsoft.com/office/powerpoint/2010/main" val="1621646585"/>
       </p:ext>
     </p:extLst>
   </p:cSld>
@@ -1270,7 +1238,13 @@
       </p:grpSpPr>
       <p:sp>
         <p:nvSpPr>
-          <p:cNvPr id="2" name="Title 1"/>
+          <p:cNvPr id="2" name="Title 1">
+            <a:extLst>
+              <a:ext uri="{FF2B5EF4-FFF2-40B4-BE49-F238E27FC236}">
+                <a16:creationId xmlns:a16="http://schemas.microsoft.com/office/drawing/2014/main" id="{EB0B27A1-021B-D349-81F1-3051B6491C2A}"/>
+              </a:ext>
+            </a:extLst>
+          </p:cNvPr>
           <p:cNvSpPr>
             <a:spLocks noGrp="1"/>
           </p:cNvSpPr>
@@ -1278,12 +1252,7 @@
             <p:ph type="title"/>
           </p:nvPr>
         </p:nvSpPr>
-        <p:spPr>
-          <a:xfrm>
-            <a:off x="1449217" y="804889"/>
-            <a:ext cx="9605635" cy="1059305"/>
-          </a:xfrm>
-        </p:spPr>
+        <p:spPr/>
         <p:txBody>
           <a:bodyPr/>
           <a:lstStyle/>
@@ -1292,13 +1261,18 @@
               <a:rPr lang="en-US"/>
               <a:t>Click to edit Master title style</a:t>
             </a:r>
-            <a:endParaRPr lang="en-US" dirty="0"/>
-          </a:p>
-        </p:txBody>
-      </p:sp>
-      <p:sp>
-        <p:nvSpPr>
-          <p:cNvPr id="3" name="Content Placeholder 2"/>
+          </a:p>
+        </p:txBody>
+      </p:sp>
+      <p:sp>
+        <p:nvSpPr>
+          <p:cNvPr id="3" name="Content Placeholder 2">
+            <a:extLst>
+              <a:ext uri="{FF2B5EF4-FFF2-40B4-BE49-F238E27FC236}">
+                <a16:creationId xmlns:a16="http://schemas.microsoft.com/office/drawing/2014/main" id="{AE185277-F853-6B44-8647-3918269BA126}"/>
+              </a:ext>
+            </a:extLst>
+          </p:cNvPr>
           <p:cNvSpPr>
             <a:spLocks noGrp="1"/>
           </p:cNvSpPr>
@@ -1308,8 +1282,8 @@
         </p:nvSpPr>
         <p:spPr>
           <a:xfrm>
-            <a:off x="1447331" y="2010878"/>
-            <a:ext cx="4645152" cy="3448595"/>
+            <a:off x="838200" y="1825625"/>
+            <a:ext cx="5181600" cy="4351338"/>
           </a:xfrm>
         </p:spPr>
         <p:txBody>
@@ -1349,13 +1323,18 @@
               <a:rPr lang="en-US"/>
               <a:t>Fifth level</a:t>
             </a:r>
-            <a:endParaRPr lang="en-US" dirty="0"/>
-          </a:p>
-        </p:txBody>
-      </p:sp>
-      <p:sp>
-        <p:nvSpPr>
-          <p:cNvPr id="4" name="Content Placeholder 3"/>
+          </a:p>
+        </p:txBody>
+      </p:sp>
+      <p:sp>
+        <p:nvSpPr>
+          <p:cNvPr id="4" name="Content Placeholder 3">
+            <a:extLst>
+              <a:ext uri="{FF2B5EF4-FFF2-40B4-BE49-F238E27FC236}">
+                <a16:creationId xmlns:a16="http://schemas.microsoft.com/office/drawing/2014/main" id="{0E184FD2-4E1B-164C-A689-BF11CFB97BA1}"/>
+              </a:ext>
+            </a:extLst>
+          </p:cNvPr>
           <p:cNvSpPr>
             <a:spLocks noGrp="1"/>
           </p:cNvSpPr>
@@ -1365,8 +1344,8 @@
         </p:nvSpPr>
         <p:spPr>
           <a:xfrm>
-            <a:off x="6413771" y="2017343"/>
-            <a:ext cx="4645152" cy="3441520"/>
+            <a:off x="6172200" y="1825625"/>
+            <a:ext cx="5181600" cy="4351338"/>
           </a:xfrm>
         </p:spPr>
         <p:txBody>
@@ -1406,13 +1385,18 @@
               <a:rPr lang="en-US"/>
               <a:t>Fifth level</a:t>
             </a:r>
-            <a:endParaRPr lang="en-US" dirty="0"/>
-          </a:p>
-        </p:txBody>
-      </p:sp>
-      <p:sp>
-        <p:nvSpPr>
-          <p:cNvPr id="5" name="Date Placeholder 4"/>
+          </a:p>
+        </p:txBody>
+      </p:sp>
+      <p:sp>
+        <p:nvSpPr>
+          <p:cNvPr id="5" name="Date Placeholder 4">
+            <a:extLst>
+              <a:ext uri="{FF2B5EF4-FFF2-40B4-BE49-F238E27FC236}">
+                <a16:creationId xmlns:a16="http://schemas.microsoft.com/office/drawing/2014/main" id="{04FCF751-8EA6-804E-AEE6-3437E24AFBA2}"/>
+              </a:ext>
+            </a:extLst>
+          </p:cNvPr>
           <p:cNvSpPr>
             <a:spLocks noGrp="1"/>
           </p:cNvSpPr>
@@ -1435,7 +1419,13 @@
       </p:sp>
       <p:sp>
         <p:nvSpPr>
-          <p:cNvPr id="6" name="Footer Placeholder 5"/>
+          <p:cNvPr id="6" name="Footer Placeholder 5">
+            <a:extLst>
+              <a:ext uri="{FF2B5EF4-FFF2-40B4-BE49-F238E27FC236}">
+                <a16:creationId xmlns:a16="http://schemas.microsoft.com/office/drawing/2014/main" id="{B0F7DFDA-81DB-0444-BF09-D52374DE18B9}"/>
+              </a:ext>
+            </a:extLst>
+          </p:cNvPr>
           <p:cNvSpPr>
             <a:spLocks noGrp="1"/>
           </p:cNvSpPr>
@@ -1454,7 +1444,13 @@
       </p:sp>
       <p:sp>
         <p:nvSpPr>
-          <p:cNvPr id="7" name="Slide Number Placeholder 6"/>
+          <p:cNvPr id="7" name="Slide Number Placeholder 6">
+            <a:extLst>
+              <a:ext uri="{FF2B5EF4-FFF2-40B4-BE49-F238E27FC236}">
+                <a16:creationId xmlns:a16="http://schemas.microsoft.com/office/drawing/2014/main" id="{9DD3D03F-490F-214F-91E1-0D4498A2E09A}"/>
+              </a:ext>
+            </a:extLst>
+          </p:cNvPr>
           <p:cNvSpPr>
             <a:spLocks noGrp="1"/>
           </p:cNvSpPr>
@@ -1475,41 +1471,10 @@
           </a:p>
         </p:txBody>
       </p:sp>
-      <p:cxnSp>
-        <p:nvCxnSpPr>
-          <p:cNvPr id="35" name="Straight Connector 34"/>
-          <p:cNvCxnSpPr/>
-          <p:nvPr/>
-        </p:nvCxnSpPr>
-        <p:spPr>
-          <a:xfrm>
-            <a:off x="1453896" y="1847088"/>
-            <a:ext cx="9607522" cy="0"/>
-          </a:xfrm>
-          <a:prstGeom prst="line">
-            <a:avLst/>
-          </a:prstGeom>
-          <a:ln w="31750"/>
-        </p:spPr>
-        <p:style>
-          <a:lnRef idx="3">
-            <a:schemeClr val="accent1"/>
-          </a:lnRef>
-          <a:fillRef idx="0">
-            <a:schemeClr val="accent1"/>
-          </a:fillRef>
-          <a:effectRef idx="2">
-            <a:schemeClr val="accent1"/>
-          </a:effectRef>
-          <a:fontRef idx="minor">
-            <a:schemeClr val="tx1"/>
-          </a:fontRef>
-        </p:style>
-      </p:cxnSp>
     </p:spTree>
     <p:extLst>
       <p:ext uri="{BB962C8B-B14F-4D97-AF65-F5344CB8AC3E}">
-        <p14:creationId xmlns:p14="http://schemas.microsoft.com/office/powerpoint/2010/main" val="2510738620"/>
+        <p14:creationId xmlns:p14="http://schemas.microsoft.com/office/powerpoint/2010/main" val="3837402651"/>
       </p:ext>
     </p:extLst>
   </p:cSld>
@@ -1538,7 +1503,13 @@
       </p:grpSpPr>
       <p:sp>
         <p:nvSpPr>
-          <p:cNvPr id="2" name="Title 1"/>
+          <p:cNvPr id="2" name="Title 1">
+            <a:extLst>
+              <a:ext uri="{FF2B5EF4-FFF2-40B4-BE49-F238E27FC236}">
+                <a16:creationId xmlns:a16="http://schemas.microsoft.com/office/drawing/2014/main" id="{771BAF24-34E3-184A-9455-B89750093218}"/>
+              </a:ext>
+            </a:extLst>
+          </p:cNvPr>
           <p:cNvSpPr>
             <a:spLocks noGrp="1"/>
           </p:cNvSpPr>
@@ -1548,8 +1519,8 @@
         </p:nvSpPr>
         <p:spPr>
           <a:xfrm>
-            <a:off x="1447191" y="804163"/>
-            <a:ext cx="9607661" cy="1056319"/>
+            <a:off x="839788" y="365125"/>
+            <a:ext cx="10515600" cy="1325563"/>
           </a:xfrm>
         </p:spPr>
         <p:txBody>
@@ -1560,13 +1531,18 @@
               <a:rPr lang="en-US"/>
               <a:t>Click to edit Master title style</a:t>
             </a:r>
-            <a:endParaRPr lang="en-US" dirty="0"/>
-          </a:p>
-        </p:txBody>
-      </p:sp>
-      <p:sp>
-        <p:nvSpPr>
-          <p:cNvPr id="3" name="Text Placeholder 2"/>
+          </a:p>
+        </p:txBody>
+      </p:sp>
+      <p:sp>
+        <p:nvSpPr>
+          <p:cNvPr id="3" name="Text Placeholder 2">
+            <a:extLst>
+              <a:ext uri="{FF2B5EF4-FFF2-40B4-BE49-F238E27FC236}">
+                <a16:creationId xmlns:a16="http://schemas.microsoft.com/office/drawing/2014/main" id="{862CE2DF-F389-3B40-A551-A2E45A357F4B}"/>
+              </a:ext>
+            </a:extLst>
+          </p:cNvPr>
           <p:cNvSpPr>
             <a:spLocks noGrp="1"/>
           </p:cNvSpPr>
@@ -1576,25 +1552,16 @@
         </p:nvSpPr>
         <p:spPr>
           <a:xfrm>
-            <a:off x="1447191" y="2019549"/>
-            <a:ext cx="4645152" cy="801943"/>
-          </a:xfrm>
-        </p:spPr>
-        <p:txBody>
-          <a:bodyPr anchor="b">
-            <a:normAutofit/>
-          </a:bodyPr>
+            <a:off x="839788" y="1681163"/>
+            <a:ext cx="5157787" cy="823912"/>
+          </a:xfrm>
+        </p:spPr>
+        <p:txBody>
+          <a:bodyPr anchor="b"/>
           <a:lstStyle>
             <a:lvl1pPr marL="0" indent="0">
-              <a:lnSpc>
-                <a:spcPct val="100000"/>
-              </a:lnSpc>
               <a:buNone/>
-              <a:defRPr sz="2200" b="0" cap="all" baseline="0">
-                <a:solidFill>
-                  <a:schemeClr val="accent1"/>
-                </a:solidFill>
-              </a:defRPr>
+              <a:defRPr sz="2400" b="1"/>
             </a:lvl1pPr>
             <a:lvl2pPr marL="457200" indent="0">
               <a:buNone/>
@@ -1640,7 +1607,13 @@
       </p:sp>
       <p:sp>
         <p:nvSpPr>
-          <p:cNvPr id="4" name="Content Placeholder 3"/>
+          <p:cNvPr id="4" name="Content Placeholder 3">
+            <a:extLst>
+              <a:ext uri="{FF2B5EF4-FFF2-40B4-BE49-F238E27FC236}">
+                <a16:creationId xmlns:a16="http://schemas.microsoft.com/office/drawing/2014/main" id="{6D47C16E-788F-094F-BAE3-FEE0B4ECC0CE}"/>
+              </a:ext>
+            </a:extLst>
+          </p:cNvPr>
           <p:cNvSpPr>
             <a:spLocks noGrp="1"/>
           </p:cNvSpPr>
@@ -1650,8 +1623,8 @@
         </p:nvSpPr>
         <p:spPr>
           <a:xfrm>
-            <a:off x="1447191" y="2824269"/>
-            <a:ext cx="4645152" cy="2644457"/>
+            <a:off x="839788" y="2505075"/>
+            <a:ext cx="5157787" cy="3684588"/>
           </a:xfrm>
         </p:spPr>
         <p:txBody>
@@ -1691,13 +1664,18 @@
               <a:rPr lang="en-US"/>
               <a:t>Fifth level</a:t>
             </a:r>
-            <a:endParaRPr lang="en-US" dirty="0"/>
-          </a:p>
-        </p:txBody>
-      </p:sp>
-      <p:sp>
-        <p:nvSpPr>
-          <p:cNvPr id="5" name="Text Placeholder 4"/>
+          </a:p>
+        </p:txBody>
+      </p:sp>
+      <p:sp>
+        <p:nvSpPr>
+          <p:cNvPr id="5" name="Text Placeholder 4">
+            <a:extLst>
+              <a:ext uri="{FF2B5EF4-FFF2-40B4-BE49-F238E27FC236}">
+                <a16:creationId xmlns:a16="http://schemas.microsoft.com/office/drawing/2014/main" id="{A078202E-ADB7-9C46-AC82-A0B9B39D7F12}"/>
+              </a:ext>
+            </a:extLst>
+          </p:cNvPr>
           <p:cNvSpPr>
             <a:spLocks noGrp="1"/>
           </p:cNvSpPr>
@@ -1707,25 +1685,16 @@
         </p:nvSpPr>
         <p:spPr>
           <a:xfrm>
-            <a:off x="6412362" y="2023003"/>
-            <a:ext cx="4645152" cy="802237"/>
-          </a:xfrm>
-        </p:spPr>
-        <p:txBody>
-          <a:bodyPr anchor="b">
-            <a:normAutofit/>
-          </a:bodyPr>
+            <a:off x="6172200" y="1681163"/>
+            <a:ext cx="5183188" cy="823912"/>
+          </a:xfrm>
+        </p:spPr>
+        <p:txBody>
+          <a:bodyPr anchor="b"/>
           <a:lstStyle>
             <a:lvl1pPr marL="0" indent="0">
-              <a:lnSpc>
-                <a:spcPct val="100000"/>
-              </a:lnSpc>
               <a:buNone/>
-              <a:defRPr sz="2200" b="0" cap="all" baseline="0">
-                <a:solidFill>
-                  <a:schemeClr val="accent1"/>
-                </a:solidFill>
-              </a:defRPr>
+              <a:defRPr sz="2400" b="1"/>
             </a:lvl1pPr>
             <a:lvl2pPr marL="457200" indent="0">
               <a:buNone/>
@@ -1771,7 +1740,13 @@
       </p:sp>
       <p:sp>
         <p:nvSpPr>
-          <p:cNvPr id="6" name="Content Placeholder 5"/>
+          <p:cNvPr id="6" name="Content Placeholder 5">
+            <a:extLst>
+              <a:ext uri="{FF2B5EF4-FFF2-40B4-BE49-F238E27FC236}">
+                <a16:creationId xmlns:a16="http://schemas.microsoft.com/office/drawing/2014/main" id="{FC8978A8-7801-9045-84F1-E2D36398F84F}"/>
+              </a:ext>
+            </a:extLst>
+          </p:cNvPr>
           <p:cNvSpPr>
             <a:spLocks noGrp="1"/>
           </p:cNvSpPr>
@@ -1781,8 +1756,8 @@
         </p:nvSpPr>
         <p:spPr>
           <a:xfrm>
-            <a:off x="6412362" y="2821491"/>
-            <a:ext cx="4645152" cy="2637371"/>
+            <a:off x="6172200" y="2505075"/>
+            <a:ext cx="5183188" cy="3684588"/>
           </a:xfrm>
         </p:spPr>
         <p:txBody>
@@ -1822,13 +1797,18 @@
               <a:rPr lang="en-US"/>
               <a:t>Fifth level</a:t>
             </a:r>
-            <a:endParaRPr lang="en-US" dirty="0"/>
-          </a:p>
-        </p:txBody>
-      </p:sp>
-      <p:sp>
-        <p:nvSpPr>
-          <p:cNvPr id="7" name="Date Placeholder 6"/>
+          </a:p>
+        </p:txBody>
+      </p:sp>
+      <p:sp>
+        <p:nvSpPr>
+          <p:cNvPr id="7" name="Date Placeholder 6">
+            <a:extLst>
+              <a:ext uri="{FF2B5EF4-FFF2-40B4-BE49-F238E27FC236}">
+                <a16:creationId xmlns:a16="http://schemas.microsoft.com/office/drawing/2014/main" id="{5B9F345D-2206-3947-88FA-DF2566296571}"/>
+              </a:ext>
+            </a:extLst>
+          </p:cNvPr>
           <p:cNvSpPr>
             <a:spLocks noGrp="1"/>
           </p:cNvSpPr>
@@ -1851,7 +1831,13 @@
       </p:sp>
       <p:sp>
         <p:nvSpPr>
-          <p:cNvPr id="8" name="Footer Placeholder 7"/>
+          <p:cNvPr id="8" name="Footer Placeholder 7">
+            <a:extLst>
+              <a:ext uri="{FF2B5EF4-FFF2-40B4-BE49-F238E27FC236}">
+                <a16:creationId xmlns:a16="http://schemas.microsoft.com/office/drawing/2014/main" id="{44F29D4E-3C9F-B14F-8848-D72C78E7B497}"/>
+              </a:ext>
+            </a:extLst>
+          </p:cNvPr>
           <p:cNvSpPr>
             <a:spLocks noGrp="1"/>
           </p:cNvSpPr>
@@ -1870,7 +1856,13 @@
       </p:sp>
       <p:sp>
         <p:nvSpPr>
-          <p:cNvPr id="9" name="Slide Number Placeholder 8"/>
+          <p:cNvPr id="9" name="Slide Number Placeholder 8">
+            <a:extLst>
+              <a:ext uri="{FF2B5EF4-FFF2-40B4-BE49-F238E27FC236}">
+                <a16:creationId xmlns:a16="http://schemas.microsoft.com/office/drawing/2014/main" id="{8F54D05D-23A8-5949-A190-AA039C83EFD3}"/>
+              </a:ext>
+            </a:extLst>
+          </p:cNvPr>
           <p:cNvSpPr>
             <a:spLocks noGrp="1"/>
           </p:cNvSpPr>
@@ -1891,41 +1883,10 @@
           </a:p>
         </p:txBody>
       </p:sp>
-      <p:cxnSp>
-        <p:nvCxnSpPr>
-          <p:cNvPr id="29" name="Straight Connector 28"/>
-          <p:cNvCxnSpPr/>
-          <p:nvPr/>
-        </p:nvCxnSpPr>
-        <p:spPr>
-          <a:xfrm>
-            <a:off x="1453896" y="1847088"/>
-            <a:ext cx="9607522" cy="0"/>
-          </a:xfrm>
-          <a:prstGeom prst="line">
-            <a:avLst/>
-          </a:prstGeom>
-          <a:ln w="31750"/>
-        </p:spPr>
-        <p:style>
-          <a:lnRef idx="3">
-            <a:schemeClr val="accent1"/>
-          </a:lnRef>
-          <a:fillRef idx="0">
-            <a:schemeClr val="accent1"/>
-          </a:fillRef>
-          <a:effectRef idx="2">
-            <a:schemeClr val="accent1"/>
-          </a:effectRef>
-          <a:fontRef idx="minor">
-            <a:schemeClr val="tx1"/>
-          </a:fontRef>
-        </p:style>
-      </p:cxnSp>
     </p:spTree>
     <p:extLst>
       <p:ext uri="{BB962C8B-B14F-4D97-AF65-F5344CB8AC3E}">
-        <p14:creationId xmlns:p14="http://schemas.microsoft.com/office/powerpoint/2010/main" val="1584561575"/>
+        <p14:creationId xmlns:p14="http://schemas.microsoft.com/office/powerpoint/2010/main" val="529767715"/>
       </p:ext>
     </p:extLst>
   </p:cSld>
@@ -1954,7 +1915,13 @@
       </p:grpSpPr>
       <p:sp>
         <p:nvSpPr>
-          <p:cNvPr id="2" name="Title 1"/>
+          <p:cNvPr id="2" name="Title 1">
+            <a:extLst>
+              <a:ext uri="{FF2B5EF4-FFF2-40B4-BE49-F238E27FC236}">
+                <a16:creationId xmlns:a16="http://schemas.microsoft.com/office/drawing/2014/main" id="{97947414-448F-524A-9BD5-D1A2A0508E04}"/>
+              </a:ext>
+            </a:extLst>
+          </p:cNvPr>
           <p:cNvSpPr>
             <a:spLocks noGrp="1"/>
           </p:cNvSpPr>
@@ -1971,13 +1938,18 @@
               <a:rPr lang="en-US"/>
               <a:t>Click to edit Master title style</a:t>
             </a:r>
-            <a:endParaRPr lang="en-US" dirty="0"/>
-          </a:p>
-        </p:txBody>
-      </p:sp>
-      <p:sp>
-        <p:nvSpPr>
-          <p:cNvPr id="3" name="Date Placeholder 2"/>
+          </a:p>
+        </p:txBody>
+      </p:sp>
+      <p:sp>
+        <p:nvSpPr>
+          <p:cNvPr id="3" name="Date Placeholder 2">
+            <a:extLst>
+              <a:ext uri="{FF2B5EF4-FFF2-40B4-BE49-F238E27FC236}">
+                <a16:creationId xmlns:a16="http://schemas.microsoft.com/office/drawing/2014/main" id="{B8F4BAFA-150C-A84A-B092-D91BFDD1675E}"/>
+              </a:ext>
+            </a:extLst>
+          </p:cNvPr>
           <p:cNvSpPr>
             <a:spLocks noGrp="1"/>
           </p:cNvSpPr>
@@ -2000,7 +1972,13 @@
       </p:sp>
       <p:sp>
         <p:nvSpPr>
-          <p:cNvPr id="4" name="Footer Placeholder 3"/>
+          <p:cNvPr id="4" name="Footer Placeholder 3">
+            <a:extLst>
+              <a:ext uri="{FF2B5EF4-FFF2-40B4-BE49-F238E27FC236}">
+                <a16:creationId xmlns:a16="http://schemas.microsoft.com/office/drawing/2014/main" id="{3C8D2D14-32D8-3C45-A055-69C87EDE3ACE}"/>
+              </a:ext>
+            </a:extLst>
+          </p:cNvPr>
           <p:cNvSpPr>
             <a:spLocks noGrp="1"/>
           </p:cNvSpPr>
@@ -2019,7 +1997,13 @@
       </p:sp>
       <p:sp>
         <p:nvSpPr>
-          <p:cNvPr id="5" name="Slide Number Placeholder 4"/>
+          <p:cNvPr id="5" name="Slide Number Placeholder 4">
+            <a:extLst>
+              <a:ext uri="{FF2B5EF4-FFF2-40B4-BE49-F238E27FC236}">
+                <a16:creationId xmlns:a16="http://schemas.microsoft.com/office/drawing/2014/main" id="{20F64040-2DA9-D04D-AAF3-EB338E55BADB}"/>
+              </a:ext>
+            </a:extLst>
+          </p:cNvPr>
           <p:cNvSpPr>
             <a:spLocks noGrp="1"/>
           </p:cNvSpPr>
@@ -2040,41 +2024,10 @@
           </a:p>
         </p:txBody>
       </p:sp>
-      <p:cxnSp>
-        <p:nvCxnSpPr>
-          <p:cNvPr id="25" name="Straight Connector 24"/>
-          <p:cNvCxnSpPr/>
-          <p:nvPr/>
-        </p:nvCxnSpPr>
-        <p:spPr>
-          <a:xfrm>
-            <a:off x="1453896" y="1847088"/>
-            <a:ext cx="9607522" cy="0"/>
-          </a:xfrm>
-          <a:prstGeom prst="line">
-            <a:avLst/>
-          </a:prstGeom>
-          <a:ln w="31750"/>
-        </p:spPr>
-        <p:style>
-          <a:lnRef idx="3">
-            <a:schemeClr val="accent1"/>
-          </a:lnRef>
-          <a:fillRef idx="0">
-            <a:schemeClr val="accent1"/>
-          </a:fillRef>
-          <a:effectRef idx="2">
-            <a:schemeClr val="accent1"/>
-          </a:effectRef>
-          <a:fontRef idx="minor">
-            <a:schemeClr val="tx1"/>
-          </a:fontRef>
-        </p:style>
-      </p:cxnSp>
     </p:spTree>
     <p:extLst>
       <p:ext uri="{BB962C8B-B14F-4D97-AF65-F5344CB8AC3E}">
-        <p14:creationId xmlns:p14="http://schemas.microsoft.com/office/powerpoint/2010/main" val="4256007150"/>
+        <p14:creationId xmlns:p14="http://schemas.microsoft.com/office/powerpoint/2010/main" val="2668599340"/>
       </p:ext>
     </p:extLst>
   </p:cSld>
@@ -2103,7 +2056,13 @@
       </p:grpSpPr>
       <p:sp>
         <p:nvSpPr>
-          <p:cNvPr id="2" name="Date Placeholder 1"/>
+          <p:cNvPr id="2" name="Date Placeholder 1">
+            <a:extLst>
+              <a:ext uri="{FF2B5EF4-FFF2-40B4-BE49-F238E27FC236}">
+                <a16:creationId xmlns:a16="http://schemas.microsoft.com/office/drawing/2014/main" id="{3C4400C3-361A-2F48-AA24-709AD5026250}"/>
+              </a:ext>
+            </a:extLst>
+          </p:cNvPr>
           <p:cNvSpPr>
             <a:spLocks noGrp="1"/>
           </p:cNvSpPr>
@@ -2126,7 +2085,13 @@
       </p:sp>
       <p:sp>
         <p:nvSpPr>
-          <p:cNvPr id="3" name="Footer Placeholder 2"/>
+          <p:cNvPr id="3" name="Footer Placeholder 2">
+            <a:extLst>
+              <a:ext uri="{FF2B5EF4-FFF2-40B4-BE49-F238E27FC236}">
+                <a16:creationId xmlns:a16="http://schemas.microsoft.com/office/drawing/2014/main" id="{B209D55C-1C33-1F48-802D-A30DBEEC0468}"/>
+              </a:ext>
+            </a:extLst>
+          </p:cNvPr>
           <p:cNvSpPr>
             <a:spLocks noGrp="1"/>
           </p:cNvSpPr>
@@ -2145,7 +2110,13 @@
       </p:sp>
       <p:sp>
         <p:nvSpPr>
-          <p:cNvPr id="4" name="Slide Number Placeholder 3"/>
+          <p:cNvPr id="4" name="Slide Number Placeholder 3">
+            <a:extLst>
+              <a:ext uri="{FF2B5EF4-FFF2-40B4-BE49-F238E27FC236}">
+                <a16:creationId xmlns:a16="http://schemas.microsoft.com/office/drawing/2014/main" id="{8F6BC401-ADB7-BD4B-A599-9797A6F8E275}"/>
+              </a:ext>
+            </a:extLst>
+          </p:cNvPr>
           <p:cNvSpPr>
             <a:spLocks noGrp="1"/>
           </p:cNvSpPr>
@@ -2169,7 +2140,7 @@
     </p:spTree>
     <p:extLst>
       <p:ext uri="{BB962C8B-B14F-4D97-AF65-F5344CB8AC3E}">
-        <p14:creationId xmlns:p14="http://schemas.microsoft.com/office/powerpoint/2010/main" val="99233537"/>
+        <p14:creationId xmlns:p14="http://schemas.microsoft.com/office/powerpoint/2010/main" val="1809870462"/>
       </p:ext>
     </p:extLst>
   </p:cSld>
@@ -2198,7 +2169,13 @@
       </p:grpSpPr>
       <p:sp>
         <p:nvSpPr>
-          <p:cNvPr id="2" name="Title 1"/>
+          <p:cNvPr id="2" name="Title 1">
+            <a:extLst>
+              <a:ext uri="{FF2B5EF4-FFF2-40B4-BE49-F238E27FC236}">
+                <a16:creationId xmlns:a16="http://schemas.microsoft.com/office/drawing/2014/main" id="{A647572D-1319-024A-AD33-029F1D2CF9C8}"/>
+              </a:ext>
+            </a:extLst>
+          </p:cNvPr>
           <p:cNvSpPr>
             <a:spLocks noGrp="1"/>
           </p:cNvSpPr>
@@ -2208,17 +2185,15 @@
         </p:nvSpPr>
         <p:spPr>
           <a:xfrm>
-            <a:off x="1444671" y="798973"/>
-            <a:ext cx="3273099" cy="2247117"/>
-          </a:xfrm>
-        </p:spPr>
-        <p:txBody>
-          <a:bodyPr anchor="b">
-            <a:normAutofit/>
-          </a:bodyPr>
+            <a:off x="839788" y="457200"/>
+            <a:ext cx="3932237" cy="1600200"/>
+          </a:xfrm>
+        </p:spPr>
+        <p:txBody>
+          <a:bodyPr anchor="b"/>
           <a:lstStyle>
-            <a:lvl1pPr algn="l">
-              <a:defRPr sz="2400"/>
+            <a:lvl1pPr>
+              <a:defRPr sz="3200"/>
             </a:lvl1pPr>
           </a:lstStyle>
           <a:p>
@@ -2226,13 +2201,18 @@
               <a:rPr lang="en-US"/>
               <a:t>Click to edit Master title style</a:t>
             </a:r>
-            <a:endParaRPr lang="en-US" dirty="0"/>
-          </a:p>
-        </p:txBody>
-      </p:sp>
-      <p:sp>
-        <p:nvSpPr>
-          <p:cNvPr id="3" name="Content Placeholder 2"/>
+          </a:p>
+        </p:txBody>
+      </p:sp>
+      <p:sp>
+        <p:nvSpPr>
+          <p:cNvPr id="3" name="Content Placeholder 2">
+            <a:extLst>
+              <a:ext uri="{FF2B5EF4-FFF2-40B4-BE49-F238E27FC236}">
+                <a16:creationId xmlns:a16="http://schemas.microsoft.com/office/drawing/2014/main" id="{75D5FBB5-5309-E245-A8AE-0392621A7778}"/>
+              </a:ext>
+            </a:extLst>
+          </p:cNvPr>
           <p:cNvSpPr>
             <a:spLocks noGrp="1"/>
           </p:cNvSpPr>
@@ -2242,13 +2222,41 @@
         </p:nvSpPr>
         <p:spPr>
           <a:xfrm>
-            <a:off x="5043714" y="798974"/>
-            <a:ext cx="6012470" cy="4658826"/>
-          </a:xfrm>
-        </p:spPr>
-        <p:txBody>
-          <a:bodyPr anchor="ctr"/>
-          <a:lstStyle/>
+            <a:off x="5183188" y="987425"/>
+            <a:ext cx="6172200" cy="4873625"/>
+          </a:xfrm>
+        </p:spPr>
+        <p:txBody>
+          <a:bodyPr/>
+          <a:lstStyle>
+            <a:lvl1pPr>
+              <a:defRPr sz="3200"/>
+            </a:lvl1pPr>
+            <a:lvl2pPr>
+              <a:defRPr sz="2800"/>
+            </a:lvl2pPr>
+            <a:lvl3pPr>
+              <a:defRPr sz="2400"/>
+            </a:lvl3pPr>
+            <a:lvl4pPr>
+              <a:defRPr sz="2000"/>
+            </a:lvl4pPr>
+            <a:lvl5pPr>
+              <a:defRPr sz="2000"/>
+            </a:lvl5pPr>
+            <a:lvl6pPr>
+              <a:defRPr sz="2000"/>
+            </a:lvl6pPr>
+            <a:lvl7pPr>
+              <a:defRPr sz="2000"/>
+            </a:lvl7pPr>
+            <a:lvl8pPr>
+              <a:defRPr sz="2000"/>
+            </a:lvl8pPr>
+            <a:lvl9pPr>
+              <a:defRPr sz="2000"/>
+            </a:lvl9pPr>
+          </a:lstStyle>
           <a:p>
             <a:pPr lvl="0"/>
             <a:r>
@@ -2283,13 +2291,18 @@
               <a:rPr lang="en-US"/>
               <a:t>Fifth level</a:t>
             </a:r>
-            <a:endParaRPr lang="en-US" dirty="0"/>
-          </a:p>
-        </p:txBody>
-      </p:sp>
-      <p:sp>
-        <p:nvSpPr>
-          <p:cNvPr id="4" name="Text Placeholder 3"/>
+          </a:p>
+        </p:txBody>
+      </p:sp>
+      <p:sp>
+        <p:nvSpPr>
+          <p:cNvPr id="4" name="Text Placeholder 3">
+            <a:extLst>
+              <a:ext uri="{FF2B5EF4-FFF2-40B4-BE49-F238E27FC236}">
+                <a16:creationId xmlns:a16="http://schemas.microsoft.com/office/drawing/2014/main" id="{4BDC5357-B55F-6F46-B3F7-C2E7FE5C953B}"/>
+              </a:ext>
+            </a:extLst>
+          </p:cNvPr>
           <p:cNvSpPr>
             <a:spLocks noGrp="1"/>
           </p:cNvSpPr>
@@ -2299,14 +2312,14 @@
         </p:nvSpPr>
         <p:spPr>
           <a:xfrm>
-            <a:off x="1444671" y="3205491"/>
-            <a:ext cx="3275013" cy="2248181"/>
+            <a:off x="839788" y="2057400"/>
+            <a:ext cx="3932237" cy="3811588"/>
           </a:xfrm>
         </p:spPr>
         <p:txBody>
           <a:bodyPr/>
           <a:lstStyle>
-            <a:lvl1pPr marL="0" indent="0" algn="l">
+            <a:lvl1pPr marL="0" indent="0">
               <a:buNone/>
               <a:defRPr sz="1600"/>
             </a:lvl1pPr>
@@ -2354,7 +2367,13 @@
       </p:sp>
       <p:sp>
         <p:nvSpPr>
-          <p:cNvPr id="5" name="Date Placeholder 4"/>
+          <p:cNvPr id="5" name="Date Placeholder 4">
+            <a:extLst>
+              <a:ext uri="{FF2B5EF4-FFF2-40B4-BE49-F238E27FC236}">
+                <a16:creationId xmlns:a16="http://schemas.microsoft.com/office/drawing/2014/main" id="{A53C6462-9007-0948-A7AC-E1FAAF3F5676}"/>
+              </a:ext>
+            </a:extLst>
+          </p:cNvPr>
           <p:cNvSpPr>
             <a:spLocks noGrp="1"/>
           </p:cNvSpPr>
@@ -2377,7 +2396,13 @@
       </p:sp>
       <p:sp>
         <p:nvSpPr>
-          <p:cNvPr id="6" name="Footer Placeholder 5"/>
+          <p:cNvPr id="6" name="Footer Placeholder 5">
+            <a:extLst>
+              <a:ext uri="{FF2B5EF4-FFF2-40B4-BE49-F238E27FC236}">
+                <a16:creationId xmlns:a16="http://schemas.microsoft.com/office/drawing/2014/main" id="{CF243FDC-7AAD-3642-A6A9-67CF0FB0A122}"/>
+              </a:ext>
+            </a:extLst>
+          </p:cNvPr>
           <p:cNvSpPr>
             <a:spLocks noGrp="1"/>
           </p:cNvSpPr>
@@ -2396,7 +2421,13 @@
       </p:sp>
       <p:sp>
         <p:nvSpPr>
-          <p:cNvPr id="7" name="Slide Number Placeholder 6"/>
+          <p:cNvPr id="7" name="Slide Number Placeholder 6">
+            <a:extLst>
+              <a:ext uri="{FF2B5EF4-FFF2-40B4-BE49-F238E27FC236}">
+                <a16:creationId xmlns:a16="http://schemas.microsoft.com/office/drawing/2014/main" id="{0412B16C-E87A-5646-A8A8-606911254952}"/>
+              </a:ext>
+            </a:extLst>
+          </p:cNvPr>
           <p:cNvSpPr>
             <a:spLocks noGrp="1"/>
           </p:cNvSpPr>
@@ -2417,41 +2448,10 @@
           </a:p>
         </p:txBody>
       </p:sp>
-      <p:cxnSp>
-        <p:nvCxnSpPr>
-          <p:cNvPr id="17" name="Straight Connector 16"/>
-          <p:cNvCxnSpPr/>
-          <p:nvPr/>
-        </p:nvCxnSpPr>
-        <p:spPr>
-          <a:xfrm>
-            <a:off x="1448280" y="3205491"/>
-            <a:ext cx="3269490" cy="0"/>
-          </a:xfrm>
-          <a:prstGeom prst="line">
-            <a:avLst/>
-          </a:prstGeom>
-          <a:ln w="31750"/>
-        </p:spPr>
-        <p:style>
-          <a:lnRef idx="3">
-            <a:schemeClr val="accent1"/>
-          </a:lnRef>
-          <a:fillRef idx="0">
-            <a:schemeClr val="accent1"/>
-          </a:fillRef>
-          <a:effectRef idx="2">
-            <a:schemeClr val="accent1"/>
-          </a:effectRef>
-          <a:fontRef idx="minor">
-            <a:schemeClr val="tx1"/>
-          </a:fontRef>
-        </p:style>
-      </p:cxnSp>
     </p:spTree>
     <p:extLst>
       <p:ext uri="{BB962C8B-B14F-4D97-AF65-F5344CB8AC3E}">
-        <p14:creationId xmlns:p14="http://schemas.microsoft.com/office/powerpoint/2010/main" val="413906963"/>
+        <p14:creationId xmlns:p14="http://schemas.microsoft.com/office/powerpoint/2010/main" val="196453474"/>
       </p:ext>
     </p:extLst>
   </p:cSld>
@@ -2478,160 +2478,30 @@
           <a:chExt cx="0" cy="0"/>
         </a:xfrm>
       </p:grpSpPr>
-      <p:grpSp>
-        <p:nvGrpSpPr>
-          <p:cNvPr id="8" name="Group 7"/>
-          <p:cNvGrpSpPr/>
-          <p:nvPr/>
-        </p:nvGrpSpPr>
-        <p:grpSpPr>
+      <p:sp>
+        <p:nvSpPr>
+          <p:cNvPr id="2" name="Title 1">
+            <a:extLst>
+              <a:ext uri="{FF2B5EF4-FFF2-40B4-BE49-F238E27FC236}">
+                <a16:creationId xmlns:a16="http://schemas.microsoft.com/office/drawing/2014/main" id="{997CF4DB-4374-9642-8162-768C10B26FBE}"/>
+              </a:ext>
+            </a:extLst>
+          </p:cNvPr>
+          <p:cNvSpPr>
+            <a:spLocks noGrp="1"/>
+          </p:cNvSpPr>
+          <p:nvPr>
+            <p:ph type="title"/>
+          </p:nvPr>
+        </p:nvSpPr>
+        <p:spPr>
           <a:xfrm>
-            <a:off x="7477387" y="482170"/>
-            <a:ext cx="4074533" cy="5149101"/>
-            <a:chOff x="7477387" y="482170"/>
-            <a:chExt cx="4074533" cy="5149101"/>
-          </a:xfrm>
-        </p:grpSpPr>
-        <p:sp>
-          <p:nvSpPr>
-            <p:cNvPr id="18" name="Rectangle 17"/>
-            <p:cNvSpPr/>
-            <p:nvPr/>
-          </p:nvSpPr>
-          <p:spPr bwMode="black">
-            <a:xfrm>
-              <a:off x="7477387" y="482170"/>
-              <a:ext cx="4074533" cy="5149101"/>
-            </a:xfrm>
-            <a:prstGeom prst="rect">
-              <a:avLst/>
-            </a:prstGeom>
-            <a:gradFill>
-              <a:gsLst>
-                <a:gs pos="0">
-                  <a:srgbClr val="000001"/>
-                </a:gs>
-                <a:gs pos="100000">
-                  <a:srgbClr val="191919"/>
-                </a:gs>
-              </a:gsLst>
-            </a:gradFill>
-            <a:ln w="76200" cmpd="sng">
-              <a:noFill/>
-              <a:miter lim="800000"/>
-            </a:ln>
-            <a:effectLst>
-              <a:outerShdw blurRad="127000" dist="228600" dir="4740000" sx="98000" sy="98000" algn="tl" rotWithShape="0">
-                <a:srgbClr val="000000">
-                  <a:alpha val="34000"/>
-                </a:srgbClr>
-              </a:outerShdw>
-            </a:effectLst>
-            <a:scene3d>
-              <a:camera prst="orthographicFront"/>
-              <a:lightRig rig="threePt" dir="t"/>
-            </a:scene3d>
-            <a:sp3d>
-              <a:bevelT w="152400" h="50800" prst="softRound"/>
-            </a:sp3d>
-          </p:spPr>
-          <p:style>
-            <a:lnRef idx="1">
-              <a:schemeClr val="accent1"/>
-            </a:lnRef>
-            <a:fillRef idx="3">
-              <a:schemeClr val="accent1"/>
-            </a:fillRef>
-            <a:effectRef idx="2">
-              <a:schemeClr val="accent1"/>
-            </a:effectRef>
-            <a:fontRef idx="minor">
-              <a:schemeClr val="lt1"/>
-            </a:fontRef>
-          </p:style>
-        </p:sp>
-        <p:sp>
-          <p:nvSpPr>
-            <p:cNvPr id="19" name="Rectangle 18"/>
-            <p:cNvSpPr/>
-            <p:nvPr/>
-          </p:nvSpPr>
-          <p:spPr bwMode="blackWhite">
-            <a:xfrm>
-              <a:off x="7790446" y="812506"/>
-              <a:ext cx="3450289" cy="4466452"/>
-            </a:xfrm>
-            <a:prstGeom prst="rect">
-              <a:avLst/>
-            </a:prstGeom>
-            <a:gradFill>
-              <a:gsLst>
-                <a:gs pos="0">
-                  <a:srgbClr val="DADADA"/>
-                </a:gs>
-                <a:gs pos="100000">
-                  <a:srgbClr val="FFFFFE"/>
-                </a:gs>
-              </a:gsLst>
-              <a:lin ang="16200000" scaled="0"/>
-            </a:gradFill>
-            <a:ln w="50800" cmpd="sng">
-              <a:solidFill>
-                <a:srgbClr val="191919"/>
-              </a:solidFill>
-              <a:miter lim="800000"/>
-            </a:ln>
-            <a:effectLst>
-              <a:innerShdw blurRad="63500" dist="88900" dir="14100000">
-                <a:srgbClr val="000000">
-                  <a:alpha val="30000"/>
-                </a:srgbClr>
-              </a:innerShdw>
-            </a:effectLst>
-            <a:scene3d>
-              <a:camera prst="orthographicFront"/>
-              <a:lightRig rig="threePt" dir="t"/>
-            </a:scene3d>
-            <a:sp3d>
-              <a:bevelT prst="relaxedInset"/>
-            </a:sp3d>
-          </p:spPr>
-          <p:style>
-            <a:lnRef idx="1">
-              <a:schemeClr val="accent1"/>
-            </a:lnRef>
-            <a:fillRef idx="3">
-              <a:schemeClr val="accent1"/>
-            </a:fillRef>
-            <a:effectRef idx="2">
-              <a:schemeClr val="accent1"/>
-            </a:effectRef>
-            <a:fontRef idx="minor">
-              <a:schemeClr val="lt1"/>
-            </a:fontRef>
-          </p:style>
-        </p:sp>
-      </p:grpSp>
-      <p:sp>
-        <p:nvSpPr>
-          <p:cNvPr id="2" name="Title 1"/>
-          <p:cNvSpPr>
-            <a:spLocks noGrp="1"/>
-          </p:cNvSpPr>
-          <p:nvPr>
-            <p:ph type="title"/>
-          </p:nvPr>
-        </p:nvSpPr>
-        <p:spPr>
-          <a:xfrm>
-            <a:off x="1451206" y="1129513"/>
-            <a:ext cx="5532328" cy="1830584"/>
-          </a:xfrm>
-        </p:spPr>
-        <p:txBody>
-          <a:bodyPr anchor="b">
-            <a:normAutofit/>
-          </a:bodyPr>
+            <a:off x="839788" y="457200"/>
+            <a:ext cx="3932237" cy="1600200"/>
+          </a:xfrm>
+        </p:spPr>
+        <p:txBody>
+          <a:bodyPr anchor="b"/>
           <a:lstStyle>
             <a:lvl1pPr>
               <a:defRPr sz="3200"/>
@@ -2642,15 +2512,20 @@
               <a:rPr lang="en-US"/>
               <a:t>Click to edit Master title style</a:t>
             </a:r>
-            <a:endParaRPr lang="en-US" dirty="0"/>
-          </a:p>
-        </p:txBody>
-      </p:sp>
-      <p:sp>
-        <p:nvSpPr>
-          <p:cNvPr id="3" name="Picture Placeholder 2"/>
-          <p:cNvSpPr>
-            <a:spLocks noGrp="1" noChangeAspect="1"/>
+          </a:p>
+        </p:txBody>
+      </p:sp>
+      <p:sp>
+        <p:nvSpPr>
+          <p:cNvPr id="3" name="Picture Placeholder 2">
+            <a:extLst>
+              <a:ext uri="{FF2B5EF4-FFF2-40B4-BE49-F238E27FC236}">
+                <a16:creationId xmlns:a16="http://schemas.microsoft.com/office/drawing/2014/main" id="{D404D198-0A7C-E24C-9F7F-E1A5D7579F5A}"/>
+              </a:ext>
+            </a:extLst>
+          </p:cNvPr>
+          <p:cNvSpPr>
+            <a:spLocks noGrp="1"/>
           </p:cNvSpPr>
           <p:nvPr>
             <p:ph type="pic" idx="1"/>
@@ -2658,24 +2533,14 @@
         </p:nvSpPr>
         <p:spPr>
           <a:xfrm>
-            <a:off x="8124389" y="1122542"/>
-            <a:ext cx="2791171" cy="3866327"/>
-          </a:xfrm>
-          <a:solidFill>
-            <a:schemeClr val="bg1">
-              <a:lumMod val="85000"/>
-            </a:schemeClr>
-          </a:solidFill>
-          <a:ln w="9525" cap="sq">
-            <a:noFill/>
-            <a:miter lim="800000"/>
-          </a:ln>
-          <a:effectLst/>
-        </p:spPr>
-        <p:txBody>
-          <a:bodyPr anchor="t"/>
+            <a:off x="5183188" y="987425"/>
+            <a:ext cx="6172200" cy="4873625"/>
+          </a:xfrm>
+        </p:spPr>
+        <p:txBody>
+          <a:bodyPr/>
           <a:lstStyle>
-            <a:lvl1pPr marL="0" indent="0" algn="ctr">
+            <a:lvl1pPr marL="0" indent="0">
               <a:buNone/>
               <a:defRPr sz="3200"/>
             </a:lvl1pPr>
@@ -2713,17 +2578,19 @@
             </a:lvl9pPr>
           </a:lstStyle>
           <a:p>
-            <a:r>
-              <a:rPr lang="en-US"/>
-              <a:t>Click icon to add picture</a:t>
-            </a:r>
-            <a:endParaRPr lang="en-US" dirty="0"/>
-          </a:p>
-        </p:txBody>
-      </p:sp>
-      <p:sp>
-        <p:nvSpPr>
-          <p:cNvPr id="4" name="Text Placeholder 3"/>
+            <a:endParaRPr lang="en-US"/>
+          </a:p>
+        </p:txBody>
+      </p:sp>
+      <p:sp>
+        <p:nvSpPr>
+          <p:cNvPr id="4" name="Text Placeholder 3">
+            <a:extLst>
+              <a:ext uri="{FF2B5EF4-FFF2-40B4-BE49-F238E27FC236}">
+                <a16:creationId xmlns:a16="http://schemas.microsoft.com/office/drawing/2014/main" id="{C5501524-901E-7F4D-AB79-E5AB34A375E7}"/>
+              </a:ext>
+            </a:extLst>
+          </p:cNvPr>
           <p:cNvSpPr>
             <a:spLocks noGrp="1"/>
           </p:cNvSpPr>
@@ -2733,18 +2600,16 @@
         </p:nvSpPr>
         <p:spPr>
           <a:xfrm>
-            <a:off x="1450329" y="3145992"/>
-            <a:ext cx="5524404" cy="2003742"/>
-          </a:xfrm>
-        </p:spPr>
-        <p:txBody>
-          <a:bodyPr>
-            <a:normAutofit/>
-          </a:bodyPr>
+            <a:off x="839788" y="2057400"/>
+            <a:ext cx="3932237" cy="3811588"/>
+          </a:xfrm>
+        </p:spPr>
+        <p:txBody>
+          <a:bodyPr/>
           <a:lstStyle>
-            <a:lvl1pPr marL="0" indent="0" algn="l">
+            <a:lvl1pPr marL="0" indent="0">
               <a:buNone/>
-              <a:defRPr sz="1800"/>
+              <a:defRPr sz="1600"/>
             </a:lvl1pPr>
             <a:lvl2pPr marL="457200" indent="0">
               <a:buNone/>
@@ -2790,7 +2655,13 @@
       </p:sp>
       <p:sp>
         <p:nvSpPr>
-          <p:cNvPr id="5" name="Date Placeholder 4"/>
+          <p:cNvPr id="5" name="Date Placeholder 4">
+            <a:extLst>
+              <a:ext uri="{FF2B5EF4-FFF2-40B4-BE49-F238E27FC236}">
+                <a16:creationId xmlns:a16="http://schemas.microsoft.com/office/drawing/2014/main" id="{A2443474-F583-EC42-A627-89EA30740557}"/>
+              </a:ext>
+            </a:extLst>
+          </p:cNvPr>
           <p:cNvSpPr>
             <a:spLocks noGrp="1"/>
           </p:cNvSpPr>
@@ -2798,19 +2669,10 @@
             <p:ph type="dt" sz="half" idx="10"/>
           </p:nvPr>
         </p:nvSpPr>
-        <p:spPr>
-          <a:xfrm>
-            <a:off x="1447382" y="5469856"/>
-            <a:ext cx="5527351" cy="320123"/>
-          </a:xfrm>
-        </p:spPr>
+        <p:spPr/>
         <p:txBody>
           <a:bodyPr/>
-          <a:lstStyle>
-            <a:lvl1pPr algn="l">
-              <a:defRPr/>
-            </a:lvl1pPr>
-          </a:lstStyle>
+          <a:lstStyle/>
           <a:p>
             <a:fld id="{932A2970-94C3-014F-B116-D430E9A92F27}" type="datetimeFigureOut">
               <a:rPr lang="en-US" smtClean="0"/>
@@ -2822,7 +2684,13 @@
       </p:sp>
       <p:sp>
         <p:nvSpPr>
-          <p:cNvPr id="6" name="Footer Placeholder 5"/>
+          <p:cNvPr id="6" name="Footer Placeholder 5">
+            <a:extLst>
+              <a:ext uri="{FF2B5EF4-FFF2-40B4-BE49-F238E27FC236}">
+                <a16:creationId xmlns:a16="http://schemas.microsoft.com/office/drawing/2014/main" id="{2D0CB075-A338-4547-B8B7-AA97E919D5D8}"/>
+              </a:ext>
+            </a:extLst>
+          </p:cNvPr>
           <p:cNvSpPr>
             <a:spLocks noGrp="1"/>
           </p:cNvSpPr>
@@ -2830,12 +2698,7 @@
             <p:ph type="ftr" sz="quarter" idx="11"/>
           </p:nvPr>
         </p:nvSpPr>
-        <p:spPr>
-          <a:xfrm>
-            <a:off x="1447382" y="318640"/>
-            <a:ext cx="5541004" cy="320931"/>
-          </a:xfrm>
-        </p:spPr>
+        <p:spPr/>
         <p:txBody>
           <a:bodyPr/>
           <a:lstStyle/>
@@ -2846,7 +2709,13 @@
       </p:sp>
       <p:sp>
         <p:nvSpPr>
-          <p:cNvPr id="7" name="Slide Number Placeholder 6"/>
+          <p:cNvPr id="7" name="Slide Number Placeholder 6">
+            <a:extLst>
+              <a:ext uri="{FF2B5EF4-FFF2-40B4-BE49-F238E27FC236}">
+                <a16:creationId xmlns:a16="http://schemas.microsoft.com/office/drawing/2014/main" id="{0398430B-0E69-C344-AFBB-CFFA9A35B3C1}"/>
+              </a:ext>
+            </a:extLst>
+          </p:cNvPr>
           <p:cNvSpPr>
             <a:spLocks noGrp="1"/>
           </p:cNvSpPr>
@@ -2867,41 +2736,10 @@
           </a:p>
         </p:txBody>
       </p:sp>
-      <p:cxnSp>
-        <p:nvCxnSpPr>
-          <p:cNvPr id="31" name="Straight Connector 30"/>
-          <p:cNvCxnSpPr/>
-          <p:nvPr/>
-        </p:nvCxnSpPr>
-        <p:spPr>
-          <a:xfrm>
-            <a:off x="1447382" y="3143605"/>
-            <a:ext cx="5527351" cy="0"/>
-          </a:xfrm>
-          <a:prstGeom prst="line">
-            <a:avLst/>
-          </a:prstGeom>
-          <a:ln w="31750"/>
-        </p:spPr>
-        <p:style>
-          <a:lnRef idx="3">
-            <a:schemeClr val="accent1"/>
-          </a:lnRef>
-          <a:fillRef idx="0">
-            <a:schemeClr val="accent1"/>
-          </a:fillRef>
-          <a:effectRef idx="2">
-            <a:schemeClr val="accent1"/>
-          </a:effectRef>
-          <a:fontRef idx="minor">
-            <a:schemeClr val="tx1"/>
-          </a:fontRef>
-        </p:style>
-      </p:cxnSp>
     </p:spTree>
     <p:extLst>
       <p:ext uri="{BB962C8B-B14F-4D97-AF65-F5344CB8AC3E}">
-        <p14:creationId xmlns:p14="http://schemas.microsoft.com/office/powerpoint/2010/main" val="3954299154"/>
+        <p14:creationId xmlns:p14="http://schemas.microsoft.com/office/powerpoint/2010/main" val="137989122"/>
       </p:ext>
     </p:extLst>
   </p:cSld>
@@ -2915,8 +2753,8 @@
 <p:sldMaster xmlns:a="http://schemas.openxmlformats.org/drawingml/2006/main" xmlns:r="http://schemas.openxmlformats.org/officeDocument/2006/relationships" xmlns:p="http://schemas.openxmlformats.org/presentationml/2006/main">
   <p:cSld>
     <p:bg>
-      <p:bgRef idx="1003">
-        <a:schemeClr val="bg2"/>
+      <p:bgRef idx="1001">
+        <a:schemeClr val="bg1"/>
       </p:bgRef>
     </p:bg>
     <p:spTree>
@@ -2935,201 +2773,139 @@
       </p:grpSpPr>
       <p:sp>
         <p:nvSpPr>
-          <p:cNvPr id="8" name="Rectangle 7"/>
-          <p:cNvSpPr/>
-          <p:nvPr/>
+          <p:cNvPr id="2" name="Title Placeholder 1">
+            <a:extLst>
+              <a:ext uri="{FF2B5EF4-FFF2-40B4-BE49-F238E27FC236}">
+                <a16:creationId xmlns:a16="http://schemas.microsoft.com/office/drawing/2014/main" id="{DC4E51DC-4122-C247-9AB6-39D0E935F881}"/>
+              </a:ext>
+            </a:extLst>
+          </p:cNvPr>
+          <p:cNvSpPr>
+            <a:spLocks noGrp="1"/>
+          </p:cNvSpPr>
+          <p:nvPr>
+            <p:ph type="title"/>
+          </p:nvPr>
         </p:nvSpPr>
         <p:spPr>
           <a:xfrm>
-            <a:off x="0" y="2019476"/>
-            <a:ext cx="12192000" cy="4105941"/>
+            <a:off x="838200" y="365125"/>
+            <a:ext cx="10515600" cy="1325563"/>
           </a:xfrm>
           <a:prstGeom prst="rect">
             <a:avLst/>
           </a:prstGeom>
-          <a:gradFill flip="none" rotWithShape="1">
-            <a:gsLst>
-              <a:gs pos="0">
-                <a:schemeClr val="bg2">
-                  <a:alpha val="0"/>
-                </a:schemeClr>
-              </a:gs>
-              <a:gs pos="100000">
-                <a:schemeClr val="bg2"/>
-              </a:gs>
-            </a:gsLst>
-            <a:lin ang="5400000" scaled="0"/>
-            <a:tileRect/>
-          </a:gradFill>
-          <a:ln>
-            <a:noFill/>
-          </a:ln>
-        </p:spPr>
-        <p:style>
-          <a:lnRef idx="2">
-            <a:schemeClr val="accent1">
-              <a:shade val="50000"/>
-            </a:schemeClr>
-          </a:lnRef>
-          <a:fillRef idx="1">
-            <a:schemeClr val="accent1"/>
-          </a:fillRef>
-          <a:effectRef idx="0">
-            <a:schemeClr val="accent1"/>
-          </a:effectRef>
-          <a:fontRef idx="minor">
-            <a:schemeClr val="lt1"/>
-          </a:fontRef>
-        </p:style>
-      </p:sp>
-      <p:pic>
-        <p:nvPicPr>
-          <p:cNvPr id="7" name="Picture 6"/>
-          <p:cNvPicPr>
-            <a:picLocks noChangeAspect="1"/>
-          </p:cNvPicPr>
-          <p:nvPr/>
-        </p:nvPicPr>
-        <p:blipFill rotWithShape="1">
-          <a:blip r:embed="rId13">
-            <a:extLst>
-              <a:ext uri="{28A0092B-C50C-407E-A947-70E740481C1C}">
-                <a14:useLocalDpi xmlns:a14="http://schemas.microsoft.com/office/drawing/2010/main" val="0"/>
-              </a:ext>
-            </a:extLst>
-          </a:blip>
-          <a:srcRect t="1538" b="-1538"/>
-          <a:stretch/>
-        </p:blipFill>
-        <p:spPr bwMode="black">
+        </p:spPr>
+        <p:txBody>
+          <a:bodyPr vert="horz" lIns="91440" tIns="45720" rIns="91440" bIns="45720" rtlCol="0" anchor="ctr">
+            <a:normAutofit/>
+          </a:bodyPr>
+          <a:lstStyle/>
+          <a:p>
+            <a:r>
+              <a:rPr lang="en-US"/>
+              <a:t>Click to edit Master title style</a:t>
+            </a:r>
+          </a:p>
+        </p:txBody>
+      </p:sp>
+      <p:sp>
+        <p:nvSpPr>
+          <p:cNvPr id="3" name="Text Placeholder 2">
+            <a:extLst>
+              <a:ext uri="{FF2B5EF4-FFF2-40B4-BE49-F238E27FC236}">
+                <a16:creationId xmlns:a16="http://schemas.microsoft.com/office/drawing/2014/main" id="{4AE7BEBC-391D-114F-9959-2BFC6F57A075}"/>
+              </a:ext>
+            </a:extLst>
+          </p:cNvPr>
+          <p:cNvSpPr>
+            <a:spLocks noGrp="1"/>
+          </p:cNvSpPr>
+          <p:nvPr>
+            <p:ph type="body" idx="1"/>
+          </p:nvPr>
+        </p:nvSpPr>
+        <p:spPr>
           <a:xfrm>
-            <a:off x="0" y="6126480"/>
-            <a:ext cx="12192000" cy="742950"/>
+            <a:off x="838200" y="1825625"/>
+            <a:ext cx="10515600" cy="4351338"/>
           </a:xfrm>
           <a:prstGeom prst="rect">
             <a:avLst/>
           </a:prstGeom>
         </p:spPr>
-      </p:pic>
-      <p:sp>
-        <p:nvSpPr>
-          <p:cNvPr id="2" name="Title Placeholder 1"/>
+        <p:txBody>
+          <a:bodyPr vert="horz" lIns="91440" tIns="45720" rIns="91440" bIns="45720" rtlCol="0">
+            <a:normAutofit/>
+          </a:bodyPr>
+          <a:lstStyle/>
+          <a:p>
+            <a:pPr lvl="0"/>
+            <a:r>
+              <a:rPr lang="en-US"/>
+              <a:t>Click to edit Master text styles</a:t>
+            </a:r>
+          </a:p>
+          <a:p>
+            <a:pPr lvl="1"/>
+            <a:r>
+              <a:rPr lang="en-US"/>
+              <a:t>Second level</a:t>
+            </a:r>
+          </a:p>
+          <a:p>
+            <a:pPr lvl="2"/>
+            <a:r>
+              <a:rPr lang="en-US"/>
+              <a:t>Third level</a:t>
+            </a:r>
+          </a:p>
+          <a:p>
+            <a:pPr lvl="3"/>
+            <a:r>
+              <a:rPr lang="en-US"/>
+              <a:t>Fourth level</a:t>
+            </a:r>
+          </a:p>
+          <a:p>
+            <a:pPr lvl="4"/>
+            <a:r>
+              <a:rPr lang="en-US"/>
+              <a:t>Fifth level</a:t>
+            </a:r>
+          </a:p>
+        </p:txBody>
+      </p:sp>
+      <p:sp>
+        <p:nvSpPr>
+          <p:cNvPr id="4" name="Date Placeholder 3">
+            <a:extLst>
+              <a:ext uri="{FF2B5EF4-FFF2-40B4-BE49-F238E27FC236}">
+                <a16:creationId xmlns:a16="http://schemas.microsoft.com/office/drawing/2014/main" id="{4D7A8268-D49A-EF46-B399-4B598F072424}"/>
+              </a:ext>
+            </a:extLst>
+          </p:cNvPr>
           <p:cNvSpPr>
             <a:spLocks noGrp="1"/>
           </p:cNvSpPr>
           <p:nvPr>
-            <p:ph type="title"/>
+            <p:ph type="dt" sz="half" idx="2"/>
           </p:nvPr>
         </p:nvSpPr>
         <p:spPr>
           <a:xfrm>
-            <a:off x="1451579" y="804519"/>
-            <a:ext cx="9603275" cy="1049235"/>
+            <a:off x="838200" y="6356350"/>
+            <a:ext cx="2743200" cy="365125"/>
           </a:xfrm>
           <a:prstGeom prst="rect">
             <a:avLst/>
           </a:prstGeom>
         </p:spPr>
         <p:txBody>
-          <a:bodyPr vert="horz" lIns="91440" tIns="45720" rIns="91440" bIns="45720" rtlCol="0" anchor="t">
-            <a:normAutofit/>
-          </a:bodyPr>
-          <a:lstStyle/>
-          <a:p>
-            <a:r>
-              <a:rPr lang="en-US"/>
-              <a:t>Click to edit Master title style</a:t>
-            </a:r>
-            <a:endParaRPr lang="en-US" dirty="0"/>
-          </a:p>
-        </p:txBody>
-      </p:sp>
-      <p:sp>
-        <p:nvSpPr>
-          <p:cNvPr id="3" name="Text Placeholder 2"/>
-          <p:cNvSpPr>
-            <a:spLocks noGrp="1"/>
-          </p:cNvSpPr>
-          <p:nvPr>
-            <p:ph type="body" idx="1"/>
-          </p:nvPr>
-        </p:nvSpPr>
-        <p:spPr>
-          <a:xfrm>
-            <a:off x="1451579" y="2015732"/>
-            <a:ext cx="9603275" cy="3450613"/>
-          </a:xfrm>
-          <a:prstGeom prst="rect">
-            <a:avLst/>
-          </a:prstGeom>
-        </p:spPr>
-        <p:txBody>
-          <a:bodyPr vert="horz" lIns="91440" tIns="45720" rIns="91440" bIns="45720" rtlCol="0">
-            <a:normAutofit/>
-          </a:bodyPr>
-          <a:lstStyle/>
-          <a:p>
-            <a:pPr lvl="0"/>
-            <a:r>
-              <a:rPr lang="en-US"/>
-              <a:t>Click to edit Master text styles</a:t>
-            </a:r>
-          </a:p>
-          <a:p>
-            <a:pPr lvl="1"/>
-            <a:r>
-              <a:rPr lang="en-US"/>
-              <a:t>Second level</a:t>
-            </a:r>
-          </a:p>
-          <a:p>
-            <a:pPr lvl="2"/>
-            <a:r>
-              <a:rPr lang="en-US"/>
-              <a:t>Third level</a:t>
-            </a:r>
-          </a:p>
-          <a:p>
-            <a:pPr lvl="3"/>
-            <a:r>
-              <a:rPr lang="en-US"/>
-              <a:t>Fourth level</a:t>
-            </a:r>
-          </a:p>
-          <a:p>
-            <a:pPr lvl="4"/>
-            <a:r>
-              <a:rPr lang="en-US"/>
-              <a:t>Fifth level</a:t>
-            </a:r>
-            <a:endParaRPr lang="en-US" dirty="0"/>
-          </a:p>
-        </p:txBody>
-      </p:sp>
-      <p:sp>
-        <p:nvSpPr>
-          <p:cNvPr id="4" name="Date Placeholder 3"/>
-          <p:cNvSpPr>
-            <a:spLocks noGrp="1"/>
-          </p:cNvSpPr>
-          <p:nvPr>
-            <p:ph type="dt" sz="half" idx="2"/>
-          </p:nvPr>
-        </p:nvSpPr>
-        <p:spPr>
-          <a:xfrm>
-            <a:off x="7554138" y="330370"/>
-            <a:ext cx="3500715" cy="309201"/>
-          </a:xfrm>
-          <a:prstGeom prst="rect">
-            <a:avLst/>
-          </a:prstGeom>
-        </p:spPr>
-        <p:txBody>
           <a:bodyPr vert="horz" lIns="91440" tIns="45720" rIns="91440" bIns="45720" rtlCol="0" anchor="ctr"/>
           <a:lstStyle>
-            <a:lvl1pPr algn="r">
-              <a:defRPr sz="1000">
+            <a:lvl1pPr algn="l">
+              <a:defRPr sz="1200">
                 <a:solidFill>
                   <a:schemeClr val="tx1">
                     <a:tint val="75000"/>
@@ -3149,7 +2925,13 @@
       </p:sp>
       <p:sp>
         <p:nvSpPr>
-          <p:cNvPr id="5" name="Footer Placeholder 4"/>
+          <p:cNvPr id="5" name="Footer Placeholder 4">
+            <a:extLst>
+              <a:ext uri="{FF2B5EF4-FFF2-40B4-BE49-F238E27FC236}">
+                <a16:creationId xmlns:a16="http://schemas.microsoft.com/office/drawing/2014/main" id="{D06FBDDD-F2BE-BF42-9263-8C9FE15C5B85}"/>
+              </a:ext>
+            </a:extLst>
+          </p:cNvPr>
           <p:cNvSpPr>
             <a:spLocks noGrp="1"/>
           </p:cNvSpPr>
@@ -3159,8 +2941,8 @@
         </p:nvSpPr>
         <p:spPr>
           <a:xfrm>
-            <a:off x="1451579" y="329307"/>
-            <a:ext cx="5938836" cy="309201"/>
+            <a:off x="4038600" y="6356350"/>
+            <a:ext cx="4114800" cy="365125"/>
           </a:xfrm>
           <a:prstGeom prst="rect">
             <a:avLst/>
@@ -3169,8 +2951,8 @@
         <p:txBody>
           <a:bodyPr vert="horz" lIns="91440" tIns="45720" rIns="91440" bIns="45720" rtlCol="0" anchor="ctr"/>
           <a:lstStyle>
-            <a:lvl1pPr algn="l">
-              <a:defRPr sz="1000">
+            <a:lvl1pPr algn="ctr">
+              <a:defRPr sz="1200">
                 <a:solidFill>
                   <a:schemeClr val="tx1">
                     <a:tint val="75000"/>
@@ -3186,7 +2968,13 @@
       </p:sp>
       <p:sp>
         <p:nvSpPr>
-          <p:cNvPr id="6" name="Slide Number Placeholder 5"/>
+          <p:cNvPr id="6" name="Slide Number Placeholder 5">
+            <a:extLst>
+              <a:ext uri="{FF2B5EF4-FFF2-40B4-BE49-F238E27FC236}">
+                <a16:creationId xmlns:a16="http://schemas.microsoft.com/office/drawing/2014/main" id="{C4B7A6D2-4371-AD42-B3C9-55817FBB6EE0}"/>
+              </a:ext>
+            </a:extLst>
+          </p:cNvPr>
           <p:cNvSpPr>
             <a:spLocks noGrp="1"/>
           </p:cNvSpPr>
@@ -3196,20 +2984,22 @@
         </p:nvSpPr>
         <p:spPr>
           <a:xfrm>
-            <a:off x="480060" y="798973"/>
-            <a:ext cx="811019" cy="503578"/>
+            <a:off x="8610600" y="6356350"/>
+            <a:ext cx="2743200" cy="365125"/>
           </a:xfrm>
           <a:prstGeom prst="rect">
             <a:avLst/>
           </a:prstGeom>
         </p:spPr>
         <p:txBody>
-          <a:bodyPr vert="horz" lIns="91440" tIns="45720" rIns="91440" bIns="45720" rtlCol="0" anchor="t"/>
+          <a:bodyPr vert="horz" lIns="91440" tIns="45720" rIns="91440" bIns="45720" rtlCol="0" anchor="ctr"/>
           <a:lstStyle>
             <a:lvl1pPr algn="r">
-              <a:defRPr sz="2800">
+              <a:defRPr sz="1200">
                 <a:solidFill>
-                  <a:schemeClr val="accent1"/>
+                  <a:schemeClr val="tx1">
+                    <a:tint val="75000"/>
+                  </a:schemeClr>
                 </a:solidFill>
               </a:defRPr>
             </a:lvl1pPr>
@@ -3223,63 +3013,26 @@
           </a:p>
         </p:txBody>
       </p:sp>
-      <p:cxnSp>
-        <p:nvCxnSpPr>
-          <p:cNvPr id="10" name="Straight Connector 9"/>
-          <p:cNvCxnSpPr/>
-          <p:nvPr/>
-        </p:nvCxnSpPr>
-        <p:spPr>
-          <a:xfrm>
-            <a:off x="0" y="6128413"/>
-            <a:ext cx="12192000" cy="0"/>
-          </a:xfrm>
-          <a:prstGeom prst="line">
-            <a:avLst/>
-          </a:prstGeom>
-          <a:ln w="12700">
-            <a:solidFill>
-              <a:srgbClr val="000001">
-                <a:alpha val="20000"/>
-              </a:srgbClr>
-            </a:solidFill>
-          </a:ln>
-        </p:spPr>
-        <p:style>
-          <a:lnRef idx="1">
-            <a:schemeClr val="accent1"/>
-          </a:lnRef>
-          <a:fillRef idx="0">
-            <a:schemeClr val="accent1"/>
-          </a:fillRef>
-          <a:effectRef idx="0">
-            <a:schemeClr val="accent1"/>
-          </a:effectRef>
-          <a:fontRef idx="minor">
-            <a:schemeClr val="tx1"/>
-          </a:fontRef>
-        </p:style>
-      </p:cxnSp>
     </p:spTree>
     <p:extLst>
       <p:ext uri="{BB962C8B-B14F-4D97-AF65-F5344CB8AC3E}">
-        <p14:creationId xmlns:p14="http://schemas.microsoft.com/office/powerpoint/2010/main" val="2255596543"/>
+        <p14:creationId xmlns:p14="http://schemas.microsoft.com/office/powerpoint/2010/main" val="3811901624"/>
       </p:ext>
     </p:extLst>
   </p:cSld>
   <p:clrMap bg1="lt1" tx1="dk1" bg2="lt2" tx2="dk2" accent1="accent1" accent2="accent2" accent3="accent3" accent4="accent4" accent5="accent5" accent6="accent6" hlink="hlink" folHlink="folHlink"/>
   <p:sldLayoutIdLst>
-    <p:sldLayoutId id="2147483856" r:id="rId1"/>
-    <p:sldLayoutId id="2147483857" r:id="rId2"/>
-    <p:sldLayoutId id="2147483858" r:id="rId3"/>
-    <p:sldLayoutId id="2147483859" r:id="rId4"/>
-    <p:sldLayoutId id="2147483860" r:id="rId5"/>
-    <p:sldLayoutId id="2147483861" r:id="rId6"/>
-    <p:sldLayoutId id="2147483862" r:id="rId7"/>
-    <p:sldLayoutId id="2147483863" r:id="rId8"/>
-    <p:sldLayoutId id="2147483864" r:id="rId9"/>
-    <p:sldLayoutId id="2147483865" r:id="rId10"/>
-    <p:sldLayoutId id="2147483866" r:id="rId11"/>
+    <p:sldLayoutId id="2147483868" r:id="rId1"/>
+    <p:sldLayoutId id="2147483869" r:id="rId2"/>
+    <p:sldLayoutId id="2147483870" r:id="rId3"/>
+    <p:sldLayoutId id="2147483871" r:id="rId4"/>
+    <p:sldLayoutId id="2147483872" r:id="rId5"/>
+    <p:sldLayoutId id="2147483873" r:id="rId6"/>
+    <p:sldLayoutId id="2147483874" r:id="rId7"/>
+    <p:sldLayoutId id="2147483875" r:id="rId8"/>
+    <p:sldLayoutId id="2147483876" r:id="rId9"/>
+    <p:sldLayoutId id="2147483877" r:id="rId10"/>
+    <p:sldLayoutId id="2147483878" r:id="rId11"/>
   </p:sldLayoutIdLst>
   <p:txStyles>
     <p:titleStyle>
@@ -3291,11 +3044,10 @@
           <a:spcPct val="0"/>
         </a:spcBef>
         <a:buNone/>
-        <a:defRPr sz="3200" b="0" i="0" kern="1200" cap="all">
+        <a:defRPr sz="4400" kern="1200">
           <a:solidFill>
             <a:schemeClr val="tx1"/>
           </a:solidFill>
-          <a:effectLst/>
           <a:latin typeface="+mj-lt"/>
           <a:ea typeface="+mj-ea"/>
           <a:cs typeface="+mj-cs"/>
@@ -3305,22 +3057,17 @@
     <p:bodyStyle>
       <a:lvl1pPr marL="228600" indent="-228600" algn="l" defTabSz="914400" rtl="0" eaLnBrk="1" latinLnBrk="0" hangingPunct="1">
         <a:lnSpc>
-          <a:spcPct val="120000"/>
+          <a:spcPct val="90000"/>
         </a:lnSpc>
         <a:spcBef>
           <a:spcPts val="1000"/>
         </a:spcBef>
-        <a:buClr>
-          <a:schemeClr val="accent1"/>
-        </a:buClr>
-        <a:buSzPct val="100000"/>
         <a:buFont typeface="Arial" panose="020B0604020202020204" pitchFamily="34" charset="0"/>
         <a:buChar char="•"/>
-        <a:defRPr sz="2000" kern="1200">
+        <a:defRPr sz="2800" kern="1200">
           <a:solidFill>
             <a:schemeClr val="tx1"/>
           </a:solidFill>
-          <a:effectLst/>
           <a:latin typeface="+mn-lt"/>
           <a:ea typeface="+mn-ea"/>
           <a:cs typeface="+mn-cs"/>
@@ -3328,22 +3075,17 @@
       </a:lvl1pPr>
       <a:lvl2pPr marL="685800" indent="-228600" algn="l" defTabSz="914400" rtl="0" eaLnBrk="1" latinLnBrk="0" hangingPunct="1">
         <a:lnSpc>
-          <a:spcPct val="120000"/>
+          <a:spcPct val="90000"/>
         </a:lnSpc>
         <a:spcBef>
           <a:spcPts val="500"/>
         </a:spcBef>
-        <a:buClr>
-          <a:schemeClr val="accent1"/>
-        </a:buClr>
-        <a:buSzPct val="100000"/>
         <a:buFont typeface="Arial" panose="020B0604020202020204" pitchFamily="34" charset="0"/>
         <a:buChar char="•"/>
-        <a:defRPr sz="1800" kern="1200" cap="none" baseline="0">
+        <a:defRPr sz="2400" kern="1200">
           <a:solidFill>
             <a:schemeClr val="tx1"/>
           </a:solidFill>
-          <a:effectLst/>
           <a:latin typeface="+mn-lt"/>
           <a:ea typeface="+mn-ea"/>
           <a:cs typeface="+mn-cs"/>
@@ -3351,22 +3093,17 @@
       </a:lvl2pPr>
       <a:lvl3pPr marL="1143000" indent="-228600" algn="l" defTabSz="914400" rtl="0" eaLnBrk="1" latinLnBrk="0" hangingPunct="1">
         <a:lnSpc>
-          <a:spcPct val="120000"/>
+          <a:spcPct val="90000"/>
         </a:lnSpc>
         <a:spcBef>
           <a:spcPts val="500"/>
         </a:spcBef>
-        <a:buClr>
-          <a:schemeClr val="accent1"/>
-        </a:buClr>
-        <a:buSzPct val="100000"/>
         <a:buFont typeface="Arial" panose="020B0604020202020204" pitchFamily="34" charset="0"/>
         <a:buChar char="•"/>
-        <a:defRPr sz="1600" kern="1200">
+        <a:defRPr sz="2000" kern="1200">
           <a:solidFill>
             <a:schemeClr val="tx1"/>
           </a:solidFill>
-          <a:effectLst/>
           <a:latin typeface="+mn-lt"/>
           <a:ea typeface="+mn-ea"/>
           <a:cs typeface="+mn-cs"/>
@@ -3374,22 +3111,17 @@
       </a:lvl3pPr>
       <a:lvl4pPr marL="1600200" indent="-228600" algn="l" defTabSz="914400" rtl="0" eaLnBrk="1" latinLnBrk="0" hangingPunct="1">
         <a:lnSpc>
-          <a:spcPct val="120000"/>
+          <a:spcPct val="90000"/>
         </a:lnSpc>
         <a:spcBef>
           <a:spcPts val="500"/>
         </a:spcBef>
-        <a:buClr>
-          <a:schemeClr val="accent1"/>
-        </a:buClr>
-        <a:buSzPct val="100000"/>
         <a:buFont typeface="Arial" panose="020B0604020202020204" pitchFamily="34" charset="0"/>
         <a:buChar char="•"/>
-        <a:defRPr sz="1400" kern="1200" cap="none" baseline="0">
+        <a:defRPr sz="1800" kern="1200">
           <a:solidFill>
             <a:schemeClr val="tx1"/>
           </a:solidFill>
-          <a:effectLst/>
           <a:latin typeface="+mn-lt"/>
           <a:ea typeface="+mn-ea"/>
           <a:cs typeface="+mn-cs"/>
@@ -3397,22 +3129,17 @@
       </a:lvl4pPr>
       <a:lvl5pPr marL="2057400" indent="-228600" algn="l" defTabSz="914400" rtl="0" eaLnBrk="1" latinLnBrk="0" hangingPunct="1">
         <a:lnSpc>
-          <a:spcPct val="120000"/>
+          <a:spcPct val="90000"/>
         </a:lnSpc>
         <a:spcBef>
           <a:spcPts val="500"/>
         </a:spcBef>
-        <a:buClr>
-          <a:schemeClr val="accent1"/>
-        </a:buClr>
-        <a:buSzPct val="100000"/>
         <a:buFont typeface="Arial" panose="020B0604020202020204" pitchFamily="34" charset="0"/>
         <a:buChar char="•"/>
-        <a:defRPr sz="1200" kern="1200">
+        <a:defRPr sz="1800" kern="1200">
           <a:solidFill>
             <a:schemeClr val="tx1"/>
           </a:solidFill>
-          <a:effectLst/>
           <a:latin typeface="+mn-lt"/>
           <a:ea typeface="+mn-ea"/>
           <a:cs typeface="+mn-cs"/>
@@ -3420,22 +3147,17 @@
       </a:lvl5pPr>
       <a:lvl6pPr marL="2514600" indent="-228600" algn="l" defTabSz="914400" rtl="0" eaLnBrk="1" latinLnBrk="0" hangingPunct="1">
         <a:lnSpc>
-          <a:spcPct val="120000"/>
+          <a:spcPct val="90000"/>
         </a:lnSpc>
         <a:spcBef>
           <a:spcPts val="500"/>
         </a:spcBef>
-        <a:buClr>
-          <a:schemeClr val="accent1"/>
-        </a:buClr>
-        <a:buSzPct val="100000"/>
         <a:buFont typeface="Arial" panose="020B0604020202020204" pitchFamily="34" charset="0"/>
         <a:buChar char="•"/>
-        <a:defRPr sz="1200" kern="1200">
+        <a:defRPr sz="1800" kern="1200">
           <a:solidFill>
             <a:schemeClr val="tx1"/>
           </a:solidFill>
-          <a:effectLst/>
           <a:latin typeface="+mn-lt"/>
           <a:ea typeface="+mn-ea"/>
           <a:cs typeface="+mn-cs"/>
@@ -3443,22 +3165,17 @@
       </a:lvl6pPr>
       <a:lvl7pPr marL="2971800" indent="-228600" algn="l" defTabSz="914400" rtl="0" eaLnBrk="1" latinLnBrk="0" hangingPunct="1">
         <a:lnSpc>
-          <a:spcPct val="120000"/>
+          <a:spcPct val="90000"/>
         </a:lnSpc>
         <a:spcBef>
           <a:spcPts val="500"/>
         </a:spcBef>
-        <a:buClr>
-          <a:schemeClr val="accent1"/>
-        </a:buClr>
-        <a:buSzPct val="100000"/>
         <a:buFont typeface="Arial" panose="020B0604020202020204" pitchFamily="34" charset="0"/>
         <a:buChar char="•"/>
-        <a:defRPr sz="1200" kern="1200">
+        <a:defRPr sz="1800" kern="1200">
           <a:solidFill>
             <a:schemeClr val="tx1"/>
           </a:solidFill>
-          <a:effectLst/>
           <a:latin typeface="+mn-lt"/>
           <a:ea typeface="+mn-ea"/>
           <a:cs typeface="+mn-cs"/>
@@ -3466,22 +3183,17 @@
       </a:lvl7pPr>
       <a:lvl8pPr marL="3429000" indent="-228600" algn="l" defTabSz="914400" rtl="0" eaLnBrk="1" latinLnBrk="0" hangingPunct="1">
         <a:lnSpc>
-          <a:spcPct val="120000"/>
+          <a:spcPct val="90000"/>
         </a:lnSpc>
         <a:spcBef>
           <a:spcPts val="500"/>
         </a:spcBef>
-        <a:buClr>
-          <a:schemeClr val="accent1"/>
-        </a:buClr>
-        <a:buSzPct val="100000"/>
         <a:buFont typeface="Arial" panose="020B0604020202020204" pitchFamily="34" charset="0"/>
         <a:buChar char="•"/>
-        <a:defRPr sz="1200" kern="1200" baseline="0">
+        <a:defRPr sz="1800" kern="1200">
           <a:solidFill>
             <a:schemeClr val="tx1"/>
           </a:solidFill>
-          <a:effectLst/>
           <a:latin typeface="+mn-lt"/>
           <a:ea typeface="+mn-ea"/>
           <a:cs typeface="+mn-cs"/>
@@ -3489,22 +3201,17 @@
       </a:lvl8pPr>
       <a:lvl9pPr marL="3886200" indent="-228600" algn="l" defTabSz="914400" rtl="0" eaLnBrk="1" latinLnBrk="0" hangingPunct="1">
         <a:lnSpc>
-          <a:spcPct val="120000"/>
+          <a:spcPct val="90000"/>
         </a:lnSpc>
         <a:spcBef>
           <a:spcPts val="500"/>
         </a:spcBef>
-        <a:buClr>
-          <a:schemeClr val="accent1"/>
-        </a:buClr>
-        <a:buSzPct val="100000"/>
         <a:buFont typeface="Arial" panose="020B0604020202020204" pitchFamily="34" charset="0"/>
         <a:buChar char="•"/>
-        <a:defRPr sz="1200" kern="1200" baseline="0">
+        <a:defRPr sz="1800" kern="1200">
           <a:solidFill>
             <a:schemeClr val="tx1"/>
           </a:solidFill>
-          <a:effectLst/>
           <a:latin typeface="+mn-lt"/>
           <a:ea typeface="+mn-ea"/>
           <a:cs typeface="+mn-cs"/>
@@ -3613,6 +3320,14 @@
 <file path=ppt/slides/slide1.xml><?xml version="1.0" encoding="utf-8"?>
 <p:sld xmlns:a="http://schemas.openxmlformats.org/drawingml/2006/main" xmlns:r="http://schemas.openxmlformats.org/officeDocument/2006/relationships" xmlns:p="http://schemas.openxmlformats.org/presentationml/2006/main">
   <p:cSld>
+    <p:bg>
+      <p:bgPr>
+        <a:solidFill>
+          <a:schemeClr val="bg1"/>
+        </a:solidFill>
+        <a:effectLst/>
+      </p:bgPr>
+    </p:bg>
     <p:spTree>
       <p:nvGrpSpPr>
         <p:cNvPr id="1" name=""/>
@@ -3629,6 +3344,939 @@
       </p:grpSpPr>
       <p:sp>
         <p:nvSpPr>
+          <p:cNvPr id="13" name="Rectangle 12">
+            <a:extLst>
+              <a:ext uri="{FF2B5EF4-FFF2-40B4-BE49-F238E27FC236}">
+                <a16:creationId xmlns:a16="http://schemas.microsoft.com/office/drawing/2014/main" id="{6027F030-58A9-44B8-ABF5-0372D2954EE6}"/>
+              </a:ext>
+              <a:ext uri="{C183D7F6-B498-43B3-948B-1728B52AA6E4}">
+                <adec:decorative xmlns:adec="http://schemas.microsoft.com/office/drawing/2017/decorative" val="1"/>
+              </a:ext>
+            </a:extLst>
+          </p:cNvPr>
+          <p:cNvSpPr>
+            <a:spLocks noGrp="1" noRot="1" noChangeAspect="1" noMove="1" noResize="1" noEditPoints="1" noAdjustHandles="1" noChangeArrowheads="1" noChangeShapeType="1" noTextEdit="1"/>
+          </p:cNvSpPr>
+          <p:nvPr>
+            <p:extLst>
+              <p:ext uri="{386F3935-93C4-4BCD-93E2-E3B085C9AB24}">
+                <p16:designElem xmlns:p16="http://schemas.microsoft.com/office/powerpoint/2015/main" val="1"/>
+              </p:ext>
+            </p:extLst>
+          </p:nvPr>
+        </p:nvSpPr>
+        <p:spPr>
+          <a:xfrm>
+            <a:off x="0" y="0"/>
+            <a:ext cx="12192000" cy="6858000"/>
+          </a:xfrm>
+          <a:prstGeom prst="rect">
+            <a:avLst/>
+          </a:prstGeom>
+          <a:solidFill>
+            <a:schemeClr val="bg2"/>
+          </a:solidFill>
+          <a:ln>
+            <a:noFill/>
+          </a:ln>
+        </p:spPr>
+        <p:style>
+          <a:lnRef idx="2">
+            <a:schemeClr val="accent1">
+              <a:shade val="50000"/>
+            </a:schemeClr>
+          </a:lnRef>
+          <a:fillRef idx="1">
+            <a:schemeClr val="accent1"/>
+          </a:fillRef>
+          <a:effectRef idx="0">
+            <a:schemeClr val="accent1"/>
+          </a:effectRef>
+          <a:fontRef idx="minor">
+            <a:schemeClr val="lt1"/>
+          </a:fontRef>
+        </p:style>
+        <p:txBody>
+          <a:bodyPr rtlCol="0" anchor="ctr"/>
+          <a:lstStyle/>
+          <a:p>
+            <a:pPr algn="ctr"/>
+            <a:endParaRPr lang="en-US" dirty="0"/>
+          </a:p>
+        </p:txBody>
+      </p:sp>
+      <p:sp>
+        <p:nvSpPr>
+          <p:cNvPr id="15" name="Freeform: Shape 14">
+            <a:extLst>
+              <a:ext uri="{FF2B5EF4-FFF2-40B4-BE49-F238E27FC236}">
+                <a16:creationId xmlns:a16="http://schemas.microsoft.com/office/drawing/2014/main" id="{A6328306-71F0-4C12-A2D9-7C857146B1D0}"/>
+              </a:ext>
+              <a:ext uri="{C183D7F6-B498-43B3-948B-1728B52AA6E4}">
+                <adec:decorative xmlns:adec="http://schemas.microsoft.com/office/drawing/2017/decorative" val="1"/>
+              </a:ext>
+            </a:extLst>
+          </p:cNvPr>
+          <p:cNvSpPr>
+            <a:spLocks noGrp="1" noRot="1" noChangeAspect="1" noMove="1" noResize="1" noEditPoints="1" noAdjustHandles="1" noChangeArrowheads="1" noChangeShapeType="1" noTextEdit="1"/>
+          </p:cNvSpPr>
+          <p:nvPr>
+            <p:extLst>
+              <p:ext uri="{386F3935-93C4-4BCD-93E2-E3B085C9AB24}">
+                <p16:designElem xmlns:p16="http://schemas.microsoft.com/office/powerpoint/2015/main" val="1"/>
+              </p:ext>
+            </p:extLst>
+          </p:nvPr>
+        </p:nvSpPr>
+        <p:spPr>
+          <a:xfrm rot="2700000">
+            <a:off x="181666" y="741294"/>
+            <a:ext cx="5422335" cy="5422335"/>
+          </a:xfrm>
+          <a:custGeom>
+            <a:avLst/>
+            <a:gdLst>
+              <a:gd name="connsiteX0" fmla="*/ 0 w 5422335"/>
+              <a:gd name="connsiteY0" fmla="*/ 539819 h 5422335"/>
+              <a:gd name="connsiteX1" fmla="*/ 539819 w 5422335"/>
+              <a:gd name="connsiteY1" fmla="*/ 0 h 5422335"/>
+              <a:gd name="connsiteX2" fmla="*/ 5422335 w 5422335"/>
+              <a:gd name="connsiteY2" fmla="*/ 0 h 5422335"/>
+              <a:gd name="connsiteX3" fmla="*/ 5422335 w 5422335"/>
+              <a:gd name="connsiteY3" fmla="*/ 4816159 h 5422335"/>
+              <a:gd name="connsiteX4" fmla="*/ 4816159 w 5422335"/>
+              <a:gd name="connsiteY4" fmla="*/ 5422335 h 5422335"/>
+              <a:gd name="connsiteX5" fmla="*/ 1331251 w 5422335"/>
+              <a:gd name="connsiteY5" fmla="*/ 5422335 h 5422335"/>
+              <a:gd name="connsiteX6" fmla="*/ 0 w 5422335"/>
+              <a:gd name="connsiteY6" fmla="*/ 4091084 h 5422335"/>
+            </a:gdLst>
+            <a:ahLst/>
+            <a:cxnLst>
+              <a:cxn ang="0">
+                <a:pos x="connsiteX0" y="connsiteY0"/>
+              </a:cxn>
+              <a:cxn ang="0">
+                <a:pos x="connsiteX1" y="connsiteY1"/>
+              </a:cxn>
+              <a:cxn ang="0">
+                <a:pos x="connsiteX2" y="connsiteY2"/>
+              </a:cxn>
+              <a:cxn ang="0">
+                <a:pos x="connsiteX3" y="connsiteY3"/>
+              </a:cxn>
+              <a:cxn ang="0">
+                <a:pos x="connsiteX4" y="connsiteY4"/>
+              </a:cxn>
+              <a:cxn ang="0">
+                <a:pos x="connsiteX5" y="connsiteY5"/>
+              </a:cxn>
+              <a:cxn ang="0">
+                <a:pos x="connsiteX6" y="connsiteY6"/>
+              </a:cxn>
+            </a:cxnLst>
+            <a:rect l="l" t="t" r="r" b="b"/>
+            <a:pathLst>
+              <a:path w="5422335" h="5422335">
+                <a:moveTo>
+                  <a:pt x="0" y="539819"/>
+                </a:moveTo>
+                <a:lnTo>
+                  <a:pt x="539819" y="0"/>
+                </a:lnTo>
+                <a:lnTo>
+                  <a:pt x="5422335" y="0"/>
+                </a:lnTo>
+                <a:lnTo>
+                  <a:pt x="5422335" y="4816159"/>
+                </a:lnTo>
+                <a:lnTo>
+                  <a:pt x="4816159" y="5422335"/>
+                </a:lnTo>
+                <a:lnTo>
+                  <a:pt x="1331251" y="5422335"/>
+                </a:lnTo>
+                <a:lnTo>
+                  <a:pt x="0" y="4091084"/>
+                </a:lnTo>
+                <a:close/>
+              </a:path>
+            </a:pathLst>
+          </a:custGeom>
+          <a:solidFill>
+            <a:schemeClr val="accent4">
+              <a:alpha val="30000"/>
+            </a:schemeClr>
+          </a:solidFill>
+          <a:ln>
+            <a:noFill/>
+          </a:ln>
+        </p:spPr>
+        <p:style>
+          <a:lnRef idx="2">
+            <a:schemeClr val="accent1">
+              <a:shade val="50000"/>
+            </a:schemeClr>
+          </a:lnRef>
+          <a:fillRef idx="1">
+            <a:schemeClr val="accent1"/>
+          </a:fillRef>
+          <a:effectRef idx="0">
+            <a:schemeClr val="accent1"/>
+          </a:effectRef>
+          <a:fontRef idx="minor">
+            <a:schemeClr val="lt1"/>
+          </a:fontRef>
+        </p:style>
+        <p:txBody>
+          <a:bodyPr wrap="square" rtlCol="0" anchor="ctr">
+            <a:noAutofit/>
+          </a:bodyPr>
+          <a:lstStyle/>
+          <a:p>
+            <a:pPr algn="ctr"/>
+            <a:endParaRPr lang="en-US" dirty="0"/>
+          </a:p>
+        </p:txBody>
+      </p:sp>
+      <p:sp>
+        <p:nvSpPr>
+          <p:cNvPr id="17" name="Freeform: Shape 16">
+            <a:extLst>
+              <a:ext uri="{FF2B5EF4-FFF2-40B4-BE49-F238E27FC236}">
+                <a16:creationId xmlns:a16="http://schemas.microsoft.com/office/drawing/2014/main" id="{64AB010C-C307-4A53-9D97-39C6AAB2E056}"/>
+              </a:ext>
+              <a:ext uri="{C183D7F6-B498-43B3-948B-1728B52AA6E4}">
+                <adec:decorative xmlns:adec="http://schemas.microsoft.com/office/drawing/2017/decorative" val="1"/>
+              </a:ext>
+            </a:extLst>
+          </p:cNvPr>
+          <p:cNvSpPr>
+            <a:spLocks noGrp="1" noRot="1" noChangeAspect="1" noMove="1" noResize="1" noEditPoints="1" noAdjustHandles="1" noChangeArrowheads="1" noChangeShapeType="1" noTextEdit="1"/>
+          </p:cNvSpPr>
+          <p:nvPr>
+            <p:extLst>
+              <p:ext uri="{386F3935-93C4-4BCD-93E2-E3B085C9AB24}">
+                <p16:designElem xmlns:p16="http://schemas.microsoft.com/office/powerpoint/2015/main" val="1"/>
+              </p:ext>
+            </p:extLst>
+          </p:nvPr>
+        </p:nvSpPr>
+        <p:spPr>
+          <a:xfrm rot="2700000">
+            <a:off x="8917505" y="-622183"/>
+            <a:ext cx="1508163" cy="1508163"/>
+          </a:xfrm>
+          <a:custGeom>
+            <a:avLst/>
+            <a:gdLst>
+              <a:gd name="connsiteX0" fmla="*/ 0 w 1508163"/>
+              <a:gd name="connsiteY0" fmla="*/ 1321630 h 1508163"/>
+              <a:gd name="connsiteX1" fmla="*/ 1321630 w 1508163"/>
+              <a:gd name="connsiteY1" fmla="*/ 0 h 1508163"/>
+              <a:gd name="connsiteX2" fmla="*/ 1508163 w 1508163"/>
+              <a:gd name="connsiteY2" fmla="*/ 0 h 1508163"/>
+              <a:gd name="connsiteX3" fmla="*/ 1508163 w 1508163"/>
+              <a:gd name="connsiteY3" fmla="*/ 1508163 h 1508163"/>
+              <a:gd name="connsiteX4" fmla="*/ 0 w 1508163"/>
+              <a:gd name="connsiteY4" fmla="*/ 1508163 h 1508163"/>
+            </a:gdLst>
+            <a:ahLst/>
+            <a:cxnLst>
+              <a:cxn ang="0">
+                <a:pos x="connsiteX0" y="connsiteY0"/>
+              </a:cxn>
+              <a:cxn ang="0">
+                <a:pos x="connsiteX1" y="connsiteY1"/>
+              </a:cxn>
+              <a:cxn ang="0">
+                <a:pos x="connsiteX2" y="connsiteY2"/>
+              </a:cxn>
+              <a:cxn ang="0">
+                <a:pos x="connsiteX3" y="connsiteY3"/>
+              </a:cxn>
+              <a:cxn ang="0">
+                <a:pos x="connsiteX4" y="connsiteY4"/>
+              </a:cxn>
+            </a:cxnLst>
+            <a:rect l="l" t="t" r="r" b="b"/>
+            <a:pathLst>
+              <a:path w="1508163" h="1508163">
+                <a:moveTo>
+                  <a:pt x="0" y="1321630"/>
+                </a:moveTo>
+                <a:lnTo>
+                  <a:pt x="1321630" y="0"/>
+                </a:lnTo>
+                <a:lnTo>
+                  <a:pt x="1508163" y="0"/>
+                </a:lnTo>
+                <a:lnTo>
+                  <a:pt x="1508163" y="1508163"/>
+                </a:lnTo>
+                <a:lnTo>
+                  <a:pt x="0" y="1508163"/>
+                </a:lnTo>
+                <a:close/>
+              </a:path>
+            </a:pathLst>
+          </a:custGeom>
+          <a:solidFill>
+            <a:schemeClr val="accent1">
+              <a:alpha val="30000"/>
+            </a:schemeClr>
+          </a:solidFill>
+          <a:ln>
+            <a:noFill/>
+          </a:ln>
+        </p:spPr>
+        <p:style>
+          <a:lnRef idx="2">
+            <a:schemeClr val="accent1">
+              <a:shade val="50000"/>
+            </a:schemeClr>
+          </a:lnRef>
+          <a:fillRef idx="1">
+            <a:schemeClr val="accent1"/>
+          </a:fillRef>
+          <a:effectRef idx="0">
+            <a:schemeClr val="accent1"/>
+          </a:effectRef>
+          <a:fontRef idx="minor">
+            <a:schemeClr val="lt1"/>
+          </a:fontRef>
+        </p:style>
+        <p:txBody>
+          <a:bodyPr wrap="square" rtlCol="0" anchor="ctr">
+            <a:noAutofit/>
+          </a:bodyPr>
+          <a:lstStyle/>
+          <a:p>
+            <a:pPr algn="ctr"/>
+            <a:endParaRPr lang="en-US" dirty="0"/>
+          </a:p>
+        </p:txBody>
+      </p:sp>
+      <p:sp>
+        <p:nvSpPr>
+          <p:cNvPr id="19" name="Rectangle 18">
+            <a:extLst>
+              <a:ext uri="{FF2B5EF4-FFF2-40B4-BE49-F238E27FC236}">
+                <a16:creationId xmlns:a16="http://schemas.microsoft.com/office/drawing/2014/main" id="{3252C512-4076-456E-AD89-50B0316453D0}"/>
+              </a:ext>
+              <a:ext uri="{C183D7F6-B498-43B3-948B-1728B52AA6E4}">
+                <adec:decorative xmlns:adec="http://schemas.microsoft.com/office/drawing/2017/decorative" val="1"/>
+              </a:ext>
+            </a:extLst>
+          </p:cNvPr>
+          <p:cNvSpPr>
+            <a:spLocks noGrp="1" noRot="1" noChangeAspect="1" noMove="1" noResize="1" noEditPoints="1" noAdjustHandles="1" noChangeArrowheads="1" noChangeShapeType="1" noTextEdit="1"/>
+          </p:cNvSpPr>
+          <p:nvPr>
+            <p:extLst>
+              <p:ext uri="{386F3935-93C4-4BCD-93E2-E3B085C9AB24}">
+                <p16:designElem xmlns:p16="http://schemas.microsoft.com/office/powerpoint/2015/main" val="1"/>
+              </p:ext>
+            </p:extLst>
+          </p:nvPr>
+        </p:nvSpPr>
+        <p:spPr>
+          <a:xfrm rot="2700000">
+            <a:off x="8853041" y="342543"/>
+            <a:ext cx="678106" cy="678106"/>
+          </a:xfrm>
+          <a:prstGeom prst="rect">
+            <a:avLst/>
+          </a:prstGeom>
+          <a:solidFill>
+            <a:schemeClr val="accent1">
+              <a:alpha val="30000"/>
+            </a:schemeClr>
+          </a:solidFill>
+          <a:ln>
+            <a:noFill/>
+          </a:ln>
+        </p:spPr>
+        <p:style>
+          <a:lnRef idx="2">
+            <a:schemeClr val="accent1">
+              <a:shade val="50000"/>
+            </a:schemeClr>
+          </a:lnRef>
+          <a:fillRef idx="1">
+            <a:schemeClr val="accent1"/>
+          </a:fillRef>
+          <a:effectRef idx="0">
+            <a:schemeClr val="accent1"/>
+          </a:effectRef>
+          <a:fontRef idx="minor">
+            <a:schemeClr val="lt1"/>
+          </a:fontRef>
+        </p:style>
+        <p:txBody>
+          <a:bodyPr wrap="square" rtlCol="0" anchor="ctr">
+            <a:noAutofit/>
+          </a:bodyPr>
+          <a:lstStyle/>
+          <a:p>
+            <a:pPr algn="ctr"/>
+            <a:endParaRPr lang="en-US"/>
+          </a:p>
+        </p:txBody>
+      </p:sp>
+      <p:sp>
+        <p:nvSpPr>
+          <p:cNvPr id="21" name="Rectangle 20">
+            <a:extLst>
+              <a:ext uri="{FF2B5EF4-FFF2-40B4-BE49-F238E27FC236}">
+                <a16:creationId xmlns:a16="http://schemas.microsoft.com/office/drawing/2014/main" id="{71C24C9E-C2F4-4FA4-947B-6CBAC7C3AE1D}"/>
+              </a:ext>
+              <a:ext uri="{C183D7F6-B498-43B3-948B-1728B52AA6E4}">
+                <adec:decorative xmlns:adec="http://schemas.microsoft.com/office/drawing/2017/decorative" val="1"/>
+              </a:ext>
+            </a:extLst>
+          </p:cNvPr>
+          <p:cNvSpPr>
+            <a:spLocks noGrp="1" noRot="1" noChangeAspect="1" noMove="1" noResize="1" noEditPoints="1" noAdjustHandles="1" noChangeArrowheads="1" noChangeShapeType="1" noTextEdit="1"/>
+          </p:cNvSpPr>
+          <p:nvPr>
+            <p:extLst>
+              <p:ext uri="{386F3935-93C4-4BCD-93E2-E3B085C9AB24}">
+                <p16:designElem xmlns:p16="http://schemas.microsoft.com/office/powerpoint/2015/main" val="1"/>
+              </p:ext>
+            </p:extLst>
+          </p:nvPr>
+        </p:nvSpPr>
+        <p:spPr>
+          <a:xfrm rot="2700000">
+            <a:off x="9550345" y="2526029"/>
+            <a:ext cx="1827638" cy="1827638"/>
+          </a:xfrm>
+          <a:prstGeom prst="rect">
+            <a:avLst/>
+          </a:prstGeom>
+          <a:solidFill>
+            <a:schemeClr val="accent4">
+              <a:alpha val="30000"/>
+            </a:schemeClr>
+          </a:solidFill>
+          <a:ln>
+            <a:noFill/>
+          </a:ln>
+        </p:spPr>
+        <p:style>
+          <a:lnRef idx="2">
+            <a:schemeClr val="accent1">
+              <a:shade val="50000"/>
+            </a:schemeClr>
+          </a:lnRef>
+          <a:fillRef idx="1">
+            <a:schemeClr val="accent1"/>
+          </a:fillRef>
+          <a:effectRef idx="0">
+            <a:schemeClr val="accent1"/>
+          </a:effectRef>
+          <a:fontRef idx="minor">
+            <a:schemeClr val="lt1"/>
+          </a:fontRef>
+        </p:style>
+        <p:txBody>
+          <a:bodyPr rtlCol="0" anchor="ctr"/>
+          <a:lstStyle/>
+          <a:p>
+            <a:pPr algn="ctr"/>
+            <a:endParaRPr lang="en-US" dirty="0"/>
+          </a:p>
+        </p:txBody>
+      </p:sp>
+      <p:sp>
+        <p:nvSpPr>
+          <p:cNvPr id="23" name="Rectangle 22">
+            <a:extLst>
+              <a:ext uri="{FF2B5EF4-FFF2-40B4-BE49-F238E27FC236}">
+                <a16:creationId xmlns:a16="http://schemas.microsoft.com/office/drawing/2014/main" id="{604B7750-FFCA-4912-AC2E-989EECC941B2}"/>
+              </a:ext>
+              <a:ext uri="{C183D7F6-B498-43B3-948B-1728B52AA6E4}">
+                <adec:decorative xmlns:adec="http://schemas.microsoft.com/office/drawing/2017/decorative" val="1"/>
+              </a:ext>
+            </a:extLst>
+          </p:cNvPr>
+          <p:cNvSpPr>
+            <a:spLocks noGrp="1" noRot="1" noChangeAspect="1" noMove="1" noResize="1" noEditPoints="1" noAdjustHandles="1" noChangeArrowheads="1" noChangeShapeType="1" noTextEdit="1"/>
+          </p:cNvSpPr>
+          <p:nvPr>
+            <p:extLst>
+              <p:ext uri="{386F3935-93C4-4BCD-93E2-E3B085C9AB24}">
+                <p16:designElem xmlns:p16="http://schemas.microsoft.com/office/powerpoint/2015/main" val="1"/>
+              </p:ext>
+            </p:extLst>
+          </p:nvPr>
+        </p:nvSpPr>
+        <p:spPr>
+          <a:xfrm rot="2700000">
+            <a:off x="10828903" y="2552919"/>
+            <a:ext cx="645368" cy="645368"/>
+          </a:xfrm>
+          <a:prstGeom prst="rect">
+            <a:avLst/>
+          </a:prstGeom>
+          <a:solidFill>
+            <a:schemeClr val="accent4">
+              <a:alpha val="30000"/>
+            </a:schemeClr>
+          </a:solidFill>
+          <a:ln>
+            <a:noFill/>
+          </a:ln>
+        </p:spPr>
+        <p:style>
+          <a:lnRef idx="2">
+            <a:schemeClr val="accent1">
+              <a:shade val="50000"/>
+            </a:schemeClr>
+          </a:lnRef>
+          <a:fillRef idx="1">
+            <a:schemeClr val="accent1"/>
+          </a:fillRef>
+          <a:effectRef idx="0">
+            <a:schemeClr val="accent1"/>
+          </a:effectRef>
+          <a:fontRef idx="minor">
+            <a:schemeClr val="lt1"/>
+          </a:fontRef>
+        </p:style>
+        <p:txBody>
+          <a:bodyPr rtlCol="0" anchor="ctr"/>
+          <a:lstStyle/>
+          <a:p>
+            <a:pPr algn="ctr"/>
+            <a:endParaRPr lang="en-US"/>
+          </a:p>
+        </p:txBody>
+      </p:sp>
+      <p:sp>
+        <p:nvSpPr>
+          <p:cNvPr id="25" name="Freeform: Shape 24">
+            <a:extLst>
+              <a:ext uri="{FF2B5EF4-FFF2-40B4-BE49-F238E27FC236}">
+                <a16:creationId xmlns:a16="http://schemas.microsoft.com/office/drawing/2014/main" id="{52494659-52DF-4053-975B-36F06255E2E8}"/>
+              </a:ext>
+              <a:ext uri="{C183D7F6-B498-43B3-948B-1728B52AA6E4}">
+                <adec:decorative xmlns:adec="http://schemas.microsoft.com/office/drawing/2017/decorative" val="1"/>
+              </a:ext>
+            </a:extLst>
+          </p:cNvPr>
+          <p:cNvSpPr>
+            <a:spLocks noGrp="1" noRot="1" noChangeAspect="1" noMove="1" noResize="1" noEditPoints="1" noAdjustHandles="1" noChangeArrowheads="1" noChangeShapeType="1" noTextEdit="1"/>
+          </p:cNvSpPr>
+          <p:nvPr>
+            <p:extLst>
+              <p:ext uri="{386F3935-93C4-4BCD-93E2-E3B085C9AB24}">
+                <p16:designElem xmlns:p16="http://schemas.microsoft.com/office/powerpoint/2015/main" val="1"/>
+              </p:ext>
+            </p:extLst>
+          </p:nvPr>
+        </p:nvSpPr>
+        <p:spPr>
+          <a:xfrm rot="2700000">
+            <a:off x="1463972" y="5565676"/>
+            <a:ext cx="1425687" cy="1425687"/>
+          </a:xfrm>
+          <a:custGeom>
+            <a:avLst/>
+            <a:gdLst>
+              <a:gd name="connsiteX0" fmla="*/ 0 w 1425687"/>
+              <a:gd name="connsiteY0" fmla="*/ 0 h 1425687"/>
+              <a:gd name="connsiteX1" fmla="*/ 1425687 w 1425687"/>
+              <a:gd name="connsiteY1" fmla="*/ 0 h 1425687"/>
+              <a:gd name="connsiteX2" fmla="*/ 1425687 w 1425687"/>
+              <a:gd name="connsiteY2" fmla="*/ 819509 h 1425687"/>
+              <a:gd name="connsiteX3" fmla="*/ 819509 w 1425687"/>
+              <a:gd name="connsiteY3" fmla="*/ 1425687 h 1425687"/>
+              <a:gd name="connsiteX4" fmla="*/ 0 w 1425687"/>
+              <a:gd name="connsiteY4" fmla="*/ 1425687 h 1425687"/>
+            </a:gdLst>
+            <a:ahLst/>
+            <a:cxnLst>
+              <a:cxn ang="0">
+                <a:pos x="connsiteX0" y="connsiteY0"/>
+              </a:cxn>
+              <a:cxn ang="0">
+                <a:pos x="connsiteX1" y="connsiteY1"/>
+              </a:cxn>
+              <a:cxn ang="0">
+                <a:pos x="connsiteX2" y="connsiteY2"/>
+              </a:cxn>
+              <a:cxn ang="0">
+                <a:pos x="connsiteX3" y="connsiteY3"/>
+              </a:cxn>
+              <a:cxn ang="0">
+                <a:pos x="connsiteX4" y="connsiteY4"/>
+              </a:cxn>
+            </a:cxnLst>
+            <a:rect l="l" t="t" r="r" b="b"/>
+            <a:pathLst>
+              <a:path w="1425687" h="1425687">
+                <a:moveTo>
+                  <a:pt x="0" y="0"/>
+                </a:moveTo>
+                <a:lnTo>
+                  <a:pt x="1425687" y="0"/>
+                </a:lnTo>
+                <a:lnTo>
+                  <a:pt x="1425687" y="819509"/>
+                </a:lnTo>
+                <a:lnTo>
+                  <a:pt x="819509" y="1425687"/>
+                </a:lnTo>
+                <a:lnTo>
+                  <a:pt x="0" y="1425687"/>
+                </a:lnTo>
+                <a:close/>
+              </a:path>
+            </a:pathLst>
+          </a:custGeom>
+          <a:solidFill>
+            <a:schemeClr val="accent4">
+              <a:alpha val="40000"/>
+            </a:schemeClr>
+          </a:solidFill>
+          <a:ln>
+            <a:noFill/>
+          </a:ln>
+        </p:spPr>
+        <p:style>
+          <a:lnRef idx="2">
+            <a:schemeClr val="accent1">
+              <a:shade val="50000"/>
+            </a:schemeClr>
+          </a:lnRef>
+          <a:fillRef idx="1">
+            <a:schemeClr val="accent1"/>
+          </a:fillRef>
+          <a:effectRef idx="0">
+            <a:schemeClr val="accent1"/>
+          </a:effectRef>
+          <a:fontRef idx="minor">
+            <a:schemeClr val="lt1"/>
+          </a:fontRef>
+        </p:style>
+        <p:txBody>
+          <a:bodyPr wrap="square" rtlCol="0" anchor="ctr">
+            <a:noAutofit/>
+          </a:bodyPr>
+          <a:lstStyle/>
+          <a:p>
+            <a:pPr algn="ctr"/>
+            <a:endParaRPr lang="en-US"/>
+          </a:p>
+        </p:txBody>
+      </p:sp>
+      <p:sp>
+        <p:nvSpPr>
+          <p:cNvPr id="27" name="Freeform: Shape 26">
+            <a:extLst>
+              <a:ext uri="{FF2B5EF4-FFF2-40B4-BE49-F238E27FC236}">
+                <a16:creationId xmlns:a16="http://schemas.microsoft.com/office/drawing/2014/main" id="{EE807326-229C-458C-BDA0-C721262167D9}"/>
+              </a:ext>
+              <a:ext uri="{C183D7F6-B498-43B3-948B-1728B52AA6E4}">
+                <adec:decorative xmlns:adec="http://schemas.microsoft.com/office/drawing/2017/decorative" val="1"/>
+              </a:ext>
+            </a:extLst>
+          </p:cNvPr>
+          <p:cNvSpPr>
+            <a:spLocks noGrp="1" noRot="1" noChangeAspect="1" noMove="1" noResize="1" noEditPoints="1" noAdjustHandles="1" noChangeArrowheads="1" noChangeShapeType="1" noTextEdit="1"/>
+          </p:cNvSpPr>
+          <p:nvPr>
+            <p:extLst>
+              <p:ext uri="{386F3935-93C4-4BCD-93E2-E3B085C9AB24}">
+                <p16:designElem xmlns:p16="http://schemas.microsoft.com/office/powerpoint/2015/main" val="1"/>
+              </p:ext>
+            </p:extLst>
+          </p:nvPr>
+        </p:nvSpPr>
+        <p:spPr>
+          <a:xfrm rot="2700000">
+            <a:off x="3401311" y="734311"/>
+            <a:ext cx="5389379" cy="5389379"/>
+          </a:xfrm>
+          <a:custGeom>
+            <a:avLst/>
+            <a:gdLst>
+              <a:gd name="connsiteX0" fmla="*/ 0 w 5389379"/>
+              <a:gd name="connsiteY0" fmla="*/ 540040 h 5389379"/>
+              <a:gd name="connsiteX1" fmla="*/ 540040 w 5389379"/>
+              <a:gd name="connsiteY1" fmla="*/ 0 h 5389379"/>
+              <a:gd name="connsiteX2" fmla="*/ 5389379 w 5389379"/>
+              <a:gd name="connsiteY2" fmla="*/ 0 h 5389379"/>
+              <a:gd name="connsiteX3" fmla="*/ 5389379 w 5389379"/>
+              <a:gd name="connsiteY3" fmla="*/ 4838655 h 5389379"/>
+              <a:gd name="connsiteX4" fmla="*/ 4838655 w 5389379"/>
+              <a:gd name="connsiteY4" fmla="*/ 5389379 h 5389379"/>
+              <a:gd name="connsiteX5" fmla="*/ 0 w 5389379"/>
+              <a:gd name="connsiteY5" fmla="*/ 5389379 h 5389379"/>
+            </a:gdLst>
+            <a:ahLst/>
+            <a:cxnLst>
+              <a:cxn ang="0">
+                <a:pos x="connsiteX0" y="connsiteY0"/>
+              </a:cxn>
+              <a:cxn ang="0">
+                <a:pos x="connsiteX1" y="connsiteY1"/>
+              </a:cxn>
+              <a:cxn ang="0">
+                <a:pos x="connsiteX2" y="connsiteY2"/>
+              </a:cxn>
+              <a:cxn ang="0">
+                <a:pos x="connsiteX3" y="connsiteY3"/>
+              </a:cxn>
+              <a:cxn ang="0">
+                <a:pos x="connsiteX4" y="connsiteY4"/>
+              </a:cxn>
+              <a:cxn ang="0">
+                <a:pos x="connsiteX5" y="connsiteY5"/>
+              </a:cxn>
+            </a:cxnLst>
+            <a:rect l="l" t="t" r="r" b="b"/>
+            <a:pathLst>
+              <a:path w="5389379" h="5389379">
+                <a:moveTo>
+                  <a:pt x="0" y="540040"/>
+                </a:moveTo>
+                <a:lnTo>
+                  <a:pt x="540040" y="0"/>
+                </a:lnTo>
+                <a:lnTo>
+                  <a:pt x="5389379" y="0"/>
+                </a:lnTo>
+                <a:lnTo>
+                  <a:pt x="5389379" y="4838655"/>
+                </a:lnTo>
+                <a:lnTo>
+                  <a:pt x="4838655" y="5389379"/>
+                </a:lnTo>
+                <a:lnTo>
+                  <a:pt x="0" y="5389379"/>
+                </a:lnTo>
+                <a:close/>
+              </a:path>
+            </a:pathLst>
+          </a:custGeom>
+          <a:solidFill>
+            <a:srgbClr val="FFFFFF"/>
+          </a:solidFill>
+          <a:ln>
+            <a:noFill/>
+          </a:ln>
+        </p:spPr>
+        <p:style>
+          <a:lnRef idx="2">
+            <a:schemeClr val="accent1">
+              <a:shade val="50000"/>
+            </a:schemeClr>
+          </a:lnRef>
+          <a:fillRef idx="1">
+            <a:schemeClr val="accent1"/>
+          </a:fillRef>
+          <a:effectRef idx="0">
+            <a:schemeClr val="accent1"/>
+          </a:effectRef>
+          <a:fontRef idx="minor">
+            <a:schemeClr val="lt1"/>
+          </a:fontRef>
+        </p:style>
+        <p:txBody>
+          <a:bodyPr wrap="square" rtlCol="0" anchor="ctr">
+            <a:noAutofit/>
+          </a:bodyPr>
+          <a:lstStyle/>
+          <a:p>
+            <a:pPr algn="ctr"/>
+            <a:endParaRPr lang="en-US"/>
+          </a:p>
+        </p:txBody>
+      </p:sp>
+      <p:sp>
+        <p:nvSpPr>
+          <p:cNvPr id="29" name="Freeform: Shape 28">
+            <a:extLst>
+              <a:ext uri="{FF2B5EF4-FFF2-40B4-BE49-F238E27FC236}">
+                <a16:creationId xmlns:a16="http://schemas.microsoft.com/office/drawing/2014/main" id="{FCADE1D5-E79C-4CEF-BEFD-B66EFB394D25}"/>
+              </a:ext>
+              <a:ext uri="{C183D7F6-B498-43B3-948B-1728B52AA6E4}">
+                <adec:decorative xmlns:adec="http://schemas.microsoft.com/office/drawing/2017/decorative" val="1"/>
+              </a:ext>
+            </a:extLst>
+          </p:cNvPr>
+          <p:cNvSpPr>
+            <a:spLocks noGrp="1" noRot="1" noChangeAspect="1" noMove="1" noResize="1" noEditPoints="1" noAdjustHandles="1" noChangeArrowheads="1" noChangeShapeType="1" noTextEdit="1"/>
+          </p:cNvSpPr>
+          <p:nvPr>
+            <p:extLst>
+              <p:ext uri="{386F3935-93C4-4BCD-93E2-E3B085C9AB24}">
+                <p16:designElem xmlns:p16="http://schemas.microsoft.com/office/powerpoint/2015/main" val="1"/>
+              </p:ext>
+            </p:extLst>
+          </p:nvPr>
+        </p:nvSpPr>
+        <p:spPr>
+          <a:xfrm rot="2700000">
+            <a:off x="2700283" y="33283"/>
+            <a:ext cx="6791435" cy="6791435"/>
+          </a:xfrm>
+          <a:custGeom>
+            <a:avLst/>
+            <a:gdLst>
+              <a:gd name="connsiteX0" fmla="*/ 1860938 w 6791435"/>
+              <a:gd name="connsiteY0" fmla="*/ 81158 h 6791435"/>
+              <a:gd name="connsiteX1" fmla="*/ 1942096 w 6791435"/>
+              <a:gd name="connsiteY1" fmla="*/ 0 h 6791435"/>
+              <a:gd name="connsiteX2" fmla="*/ 6791435 w 6791435"/>
+              <a:gd name="connsiteY2" fmla="*/ 0 h 6791435"/>
+              <a:gd name="connsiteX3" fmla="*/ 6791435 w 6791435"/>
+              <a:gd name="connsiteY3" fmla="*/ 4838655 h 6791435"/>
+              <a:gd name="connsiteX4" fmla="*/ 6710277 w 6791435"/>
+              <a:gd name="connsiteY4" fmla="*/ 4919813 h 6791435"/>
+              <a:gd name="connsiteX5" fmla="*/ 6710277 w 6791435"/>
+              <a:gd name="connsiteY5" fmla="*/ 81158 h 6791435"/>
+              <a:gd name="connsiteX6" fmla="*/ 0 w 6791435"/>
+              <a:gd name="connsiteY6" fmla="*/ 1942096 h 6791435"/>
+              <a:gd name="connsiteX7" fmla="*/ 81158 w 6791435"/>
+              <a:gd name="connsiteY7" fmla="*/ 1860938 h 6791435"/>
+              <a:gd name="connsiteX8" fmla="*/ 81158 w 6791435"/>
+              <a:gd name="connsiteY8" fmla="*/ 6710277 h 6791435"/>
+              <a:gd name="connsiteX9" fmla="*/ 4919813 w 6791435"/>
+              <a:gd name="connsiteY9" fmla="*/ 6710277 h 6791435"/>
+              <a:gd name="connsiteX10" fmla="*/ 4838655 w 6791435"/>
+              <a:gd name="connsiteY10" fmla="*/ 6791435 h 6791435"/>
+              <a:gd name="connsiteX11" fmla="*/ 0 w 6791435"/>
+              <a:gd name="connsiteY11" fmla="*/ 6791435 h 6791435"/>
+            </a:gdLst>
+            <a:ahLst/>
+            <a:cxnLst>
+              <a:cxn ang="0">
+                <a:pos x="connsiteX0" y="connsiteY0"/>
+              </a:cxn>
+              <a:cxn ang="0">
+                <a:pos x="connsiteX1" y="connsiteY1"/>
+              </a:cxn>
+              <a:cxn ang="0">
+                <a:pos x="connsiteX2" y="connsiteY2"/>
+              </a:cxn>
+              <a:cxn ang="0">
+                <a:pos x="connsiteX3" y="connsiteY3"/>
+              </a:cxn>
+              <a:cxn ang="0">
+                <a:pos x="connsiteX4" y="connsiteY4"/>
+              </a:cxn>
+              <a:cxn ang="0">
+                <a:pos x="connsiteX5" y="connsiteY5"/>
+              </a:cxn>
+              <a:cxn ang="0">
+                <a:pos x="connsiteX6" y="connsiteY6"/>
+              </a:cxn>
+              <a:cxn ang="0">
+                <a:pos x="connsiteX7" y="connsiteY7"/>
+              </a:cxn>
+              <a:cxn ang="0">
+                <a:pos x="connsiteX8" y="connsiteY8"/>
+              </a:cxn>
+              <a:cxn ang="0">
+                <a:pos x="connsiteX9" y="connsiteY9"/>
+              </a:cxn>
+              <a:cxn ang="0">
+                <a:pos x="connsiteX10" y="connsiteY10"/>
+              </a:cxn>
+              <a:cxn ang="0">
+                <a:pos x="connsiteX11" y="connsiteY11"/>
+              </a:cxn>
+            </a:cxnLst>
+            <a:rect l="l" t="t" r="r" b="b"/>
+            <a:pathLst>
+              <a:path w="6791435" h="6791435">
+                <a:moveTo>
+                  <a:pt x="1860938" y="81158"/>
+                </a:moveTo>
+                <a:lnTo>
+                  <a:pt x="1942096" y="0"/>
+                </a:lnTo>
+                <a:lnTo>
+                  <a:pt x="6791435" y="0"/>
+                </a:lnTo>
+                <a:lnTo>
+                  <a:pt x="6791435" y="4838655"/>
+                </a:lnTo>
+                <a:lnTo>
+                  <a:pt x="6710277" y="4919813"/>
+                </a:lnTo>
+                <a:lnTo>
+                  <a:pt x="6710277" y="81158"/>
+                </a:lnTo>
+                <a:close/>
+                <a:moveTo>
+                  <a:pt x="0" y="1942096"/>
+                </a:moveTo>
+                <a:lnTo>
+                  <a:pt x="81158" y="1860938"/>
+                </a:lnTo>
+                <a:lnTo>
+                  <a:pt x="81158" y="6710277"/>
+                </a:lnTo>
+                <a:lnTo>
+                  <a:pt x="4919813" y="6710277"/>
+                </a:lnTo>
+                <a:lnTo>
+                  <a:pt x="4838655" y="6791435"/>
+                </a:lnTo>
+                <a:lnTo>
+                  <a:pt x="0" y="6791435"/>
+                </a:lnTo>
+                <a:close/>
+              </a:path>
+            </a:pathLst>
+          </a:custGeom>
+          <a:solidFill>
+            <a:srgbClr val="FFFFFF">
+              <a:alpha val="60000"/>
+            </a:srgbClr>
+          </a:solidFill>
+          <a:ln>
+            <a:noFill/>
+          </a:ln>
+        </p:spPr>
+        <p:style>
+          <a:lnRef idx="2">
+            <a:schemeClr val="accent1">
+              <a:shade val="50000"/>
+            </a:schemeClr>
+          </a:lnRef>
+          <a:fillRef idx="1">
+            <a:schemeClr val="accent1"/>
+          </a:fillRef>
+          <a:effectRef idx="0">
+            <a:schemeClr val="accent1"/>
+          </a:effectRef>
+          <a:fontRef idx="minor">
+            <a:schemeClr val="lt1"/>
+          </a:fontRef>
+        </p:style>
+        <p:txBody>
+          <a:bodyPr wrap="square" rtlCol="0" anchor="ctr">
+            <a:noAutofit/>
+          </a:bodyPr>
+          <a:lstStyle/>
+          <a:p>
+            <a:pPr algn="ctr"/>
+            <a:endParaRPr lang="en-US">
+              <a:solidFill>
+                <a:schemeClr val="tx1"/>
+              </a:solidFill>
+            </a:endParaRPr>
+          </a:p>
+        </p:txBody>
+      </p:sp>
+      <p:sp>
+        <p:nvSpPr>
           <p:cNvPr id="2" name="Title 1">
             <a:extLst>
               <a:ext uri="{FF2B5EF4-FFF2-40B4-BE49-F238E27FC236}">
@@ -3643,15 +4291,25 @@
             <p:ph type="ctrTitle"/>
           </p:nvPr>
         </p:nvSpPr>
-        <p:spPr/>
-        <p:txBody>
-          <a:bodyPr>
-            <a:normAutofit fontScale="90000"/>
+        <p:spPr>
+          <a:xfrm>
+            <a:off x="3204642" y="2353641"/>
+            <a:ext cx="5782716" cy="2150719"/>
+          </a:xfrm>
+          <a:noFill/>
+        </p:spPr>
+        <p:txBody>
+          <a:bodyPr anchor="ctr">
+            <a:normAutofit/>
           </a:bodyPr>
           <a:lstStyle/>
           <a:p>
             <a:r>
-              <a:rPr lang="en-US" dirty="0"/>
+              <a:rPr lang="en-US" sz="3600" dirty="0">
+                <a:solidFill>
+                  <a:srgbClr val="080808"/>
+                </a:solidFill>
+              </a:rPr>
               <a:t>CSCE206: Structured Programming in C Laboratory</a:t>
             </a:r>
           </a:p>
@@ -3673,7 +4331,13 @@
             <p:ph type="subTitle" idx="1"/>
           </p:nvPr>
         </p:nvSpPr>
-        <p:spPr/>
+        <p:spPr>
+          <a:xfrm>
+            <a:off x="4439633" y="4518923"/>
+            <a:ext cx="3312734" cy="1141851"/>
+          </a:xfrm>
+          <a:noFill/>
+        </p:spPr>
         <p:txBody>
           <a:bodyPr>
             <a:normAutofit/>
@@ -3681,19 +4345,161 @@
           <a:lstStyle/>
           <a:p>
             <a:r>
-              <a:rPr lang="en-US" dirty="0" err="1"/>
+              <a:rPr lang="en-US" sz="2000" dirty="0" err="1">
+                <a:solidFill>
+                  <a:srgbClr val="080808"/>
+                </a:solidFill>
+              </a:rPr>
               <a:t>Prathiksha</a:t>
             </a:r>
             <a:r>
-              <a:rPr lang="en-US" dirty="0"/>
+              <a:rPr lang="en-US" sz="2000" dirty="0">
+                <a:solidFill>
+                  <a:srgbClr val="080808"/>
+                </a:solidFill>
+              </a:rPr>
               <a:t> R Prasad</a:t>
             </a:r>
           </a:p>
           <a:p>
             <a:r>
-              <a:rPr lang="en-US" dirty="0"/>
+              <a:rPr lang="en-US" sz="2000" dirty="0">
+                <a:solidFill>
+                  <a:srgbClr val="080808"/>
+                </a:solidFill>
+              </a:rPr>
               <a:t>Spring 2020</a:t>
             </a:r>
+          </a:p>
+        </p:txBody>
+      </p:sp>
+      <p:sp>
+        <p:nvSpPr>
+          <p:cNvPr id="31" name="Isosceles Triangle 30">
+            <a:extLst>
+              <a:ext uri="{FF2B5EF4-FFF2-40B4-BE49-F238E27FC236}">
+                <a16:creationId xmlns:a16="http://schemas.microsoft.com/office/drawing/2014/main" id="{54FC8EB5-1620-43B8-B816-8A91B6EAC975}"/>
+              </a:ext>
+              <a:ext uri="{C183D7F6-B498-43B3-948B-1728B52AA6E4}">
+                <adec:decorative xmlns:adec="http://schemas.microsoft.com/office/drawing/2017/decorative" val="1"/>
+              </a:ext>
+            </a:extLst>
+          </p:cNvPr>
+          <p:cNvSpPr>
+            <a:spLocks noGrp="1" noRot="1" noChangeAspect="1" noMove="1" noResize="1" noEditPoints="1" noAdjustHandles="1" noChangeArrowheads="1" noChangeShapeType="1" noTextEdit="1"/>
+          </p:cNvSpPr>
+          <p:nvPr>
+            <p:extLst>
+              <p:ext uri="{386F3935-93C4-4BCD-93E2-E3B085C9AB24}">
+                <p16:designElem xmlns:p16="http://schemas.microsoft.com/office/powerpoint/2015/main" val="1"/>
+              </p:ext>
+            </p:extLst>
+          </p:nvPr>
+        </p:nvSpPr>
+        <p:spPr>
+          <a:xfrm>
+            <a:off x="8543866" y="5708769"/>
+            <a:ext cx="2313591" cy="1156796"/>
+          </a:xfrm>
+          <a:prstGeom prst="triangle">
+            <a:avLst/>
+          </a:prstGeom>
+          <a:solidFill>
+            <a:schemeClr val="accent4">
+              <a:alpha val="30000"/>
+            </a:schemeClr>
+          </a:solidFill>
+          <a:ln>
+            <a:noFill/>
+          </a:ln>
+        </p:spPr>
+        <p:style>
+          <a:lnRef idx="2">
+            <a:schemeClr val="accent1">
+              <a:shade val="50000"/>
+            </a:schemeClr>
+          </a:lnRef>
+          <a:fillRef idx="1">
+            <a:schemeClr val="accent1"/>
+          </a:fillRef>
+          <a:effectRef idx="0">
+            <a:schemeClr val="accent1"/>
+          </a:effectRef>
+          <a:fontRef idx="minor">
+            <a:schemeClr val="lt1"/>
+          </a:fontRef>
+        </p:style>
+        <p:txBody>
+          <a:bodyPr rtlCol="0" anchor="ctr"/>
+          <a:lstStyle/>
+          <a:p>
+            <a:pPr algn="ctr"/>
+            <a:endParaRPr lang="en-US"/>
+          </a:p>
+        </p:txBody>
+      </p:sp>
+      <p:sp>
+        <p:nvSpPr>
+          <p:cNvPr id="33" name="Isosceles Triangle 32">
+            <a:extLst>
+              <a:ext uri="{FF2B5EF4-FFF2-40B4-BE49-F238E27FC236}">
+                <a16:creationId xmlns:a16="http://schemas.microsoft.com/office/drawing/2014/main" id="{3D544515-9F93-4809-A102-B49C85F4608F}"/>
+              </a:ext>
+              <a:ext uri="{C183D7F6-B498-43B3-948B-1728B52AA6E4}">
+                <adec:decorative xmlns:adec="http://schemas.microsoft.com/office/drawing/2017/decorative" val="1"/>
+              </a:ext>
+            </a:extLst>
+          </p:cNvPr>
+          <p:cNvSpPr>
+            <a:spLocks noGrp="1" noRot="1" noChangeAspect="1" noMove="1" noResize="1" noEditPoints="1" noAdjustHandles="1" noChangeArrowheads="1" noChangeShapeType="1" noTextEdit="1"/>
+          </p:cNvSpPr>
+          <p:nvPr>
+            <p:extLst>
+              <p:ext uri="{386F3935-93C4-4BCD-93E2-E3B085C9AB24}">
+                <p16:designElem xmlns:p16="http://schemas.microsoft.com/office/powerpoint/2015/main" val="1"/>
+              </p:ext>
+            </p:extLst>
+          </p:nvPr>
+        </p:nvSpPr>
+        <p:spPr>
+          <a:xfrm>
+            <a:off x="10198797" y="6332156"/>
+            <a:ext cx="1066816" cy="533408"/>
+          </a:xfrm>
+          <a:prstGeom prst="triangle">
+            <a:avLst/>
+          </a:prstGeom>
+          <a:solidFill>
+            <a:schemeClr val="accent4">
+              <a:alpha val="30000"/>
+            </a:schemeClr>
+          </a:solidFill>
+          <a:ln>
+            <a:noFill/>
+          </a:ln>
+        </p:spPr>
+        <p:style>
+          <a:lnRef idx="2">
+            <a:schemeClr val="accent1">
+              <a:shade val="50000"/>
+            </a:schemeClr>
+          </a:lnRef>
+          <a:fillRef idx="1">
+            <a:schemeClr val="accent1"/>
+          </a:fillRef>
+          <a:effectRef idx="0">
+            <a:schemeClr val="accent1"/>
+          </a:effectRef>
+          <a:fontRef idx="minor">
+            <a:schemeClr val="lt1"/>
+          </a:fontRef>
+        </p:style>
+        <p:txBody>
+          <a:bodyPr rtlCol="0" anchor="ctr"/>
+          <a:lstStyle/>
+          <a:p>
+            <a:pPr algn="ctr"/>
+            <a:endParaRPr lang="en-US"/>
           </a:p>
         </p:txBody>
       </p:sp>
@@ -3713,6 +4519,14 @@
 <file path=ppt/slides/slide2.xml><?xml version="1.0" encoding="utf-8"?>
 <p:sld xmlns:a="http://schemas.openxmlformats.org/drawingml/2006/main" xmlns:r="http://schemas.openxmlformats.org/officeDocument/2006/relationships" xmlns:p="http://schemas.openxmlformats.org/presentationml/2006/main">
   <p:cSld>
+    <p:bg>
+      <p:bgPr>
+        <a:solidFill>
+          <a:schemeClr val="bg1"/>
+        </a:solidFill>
+        <a:effectLst/>
+      </p:bgPr>
+    </p:bg>
     <p:spTree>
       <p:nvGrpSpPr>
         <p:cNvPr id="1" name=""/>
@@ -3729,6 +4543,69 @@
       </p:grpSpPr>
       <p:sp>
         <p:nvSpPr>
+          <p:cNvPr id="8" name="Rectangle 7">
+            <a:extLst>
+              <a:ext uri="{FF2B5EF4-FFF2-40B4-BE49-F238E27FC236}">
+                <a16:creationId xmlns:a16="http://schemas.microsoft.com/office/drawing/2014/main" id="{2B566528-1B12-4246-9431-5C2D7D081168}"/>
+              </a:ext>
+              <a:ext uri="{C183D7F6-B498-43B3-948B-1728B52AA6E4}">
+                <adec:decorative xmlns:adec="http://schemas.microsoft.com/office/drawing/2017/decorative" val="1"/>
+              </a:ext>
+            </a:extLst>
+          </p:cNvPr>
+          <p:cNvSpPr>
+            <a:spLocks noGrp="1" noRot="1" noChangeAspect="1" noMove="1" noResize="1" noEditPoints="1" noAdjustHandles="1" noChangeArrowheads="1" noChangeShapeType="1" noTextEdit="1"/>
+          </p:cNvSpPr>
+          <p:nvPr>
+            <p:extLst>
+              <p:ext uri="{386F3935-93C4-4BCD-93E2-E3B085C9AB24}">
+                <p16:designElem xmlns:p16="http://schemas.microsoft.com/office/powerpoint/2015/main" val="1"/>
+              </p:ext>
+            </p:extLst>
+          </p:nvPr>
+        </p:nvSpPr>
+        <p:spPr>
+          <a:xfrm>
+            <a:off x="0" y="0"/>
+            <a:ext cx="12192000" cy="6858000"/>
+          </a:xfrm>
+          <a:prstGeom prst="rect">
+            <a:avLst/>
+          </a:prstGeom>
+          <a:solidFill>
+            <a:schemeClr val="bg1"/>
+          </a:solidFill>
+          <a:ln>
+            <a:noFill/>
+          </a:ln>
+        </p:spPr>
+        <p:style>
+          <a:lnRef idx="2">
+            <a:schemeClr val="accent1">
+              <a:shade val="50000"/>
+            </a:schemeClr>
+          </a:lnRef>
+          <a:fillRef idx="1">
+            <a:schemeClr val="accent1"/>
+          </a:fillRef>
+          <a:effectRef idx="0">
+            <a:schemeClr val="accent1"/>
+          </a:effectRef>
+          <a:fontRef idx="minor">
+            <a:schemeClr val="lt1"/>
+          </a:fontRef>
+        </p:style>
+        <p:txBody>
+          <a:bodyPr rtlCol="0" anchor="ctr"/>
+          <a:lstStyle/>
+          <a:p>
+            <a:pPr algn="ctr"/>
+            <a:endParaRPr lang="en-US" dirty="0"/>
+          </a:p>
+        </p:txBody>
+      </p:sp>
+      <p:sp>
+        <p:nvSpPr>
           <p:cNvPr id="2" name="Title 1">
             <a:extLst>
               <a:ext uri="{FF2B5EF4-FFF2-40B4-BE49-F238E27FC236}">
@@ -3743,13 +4620,24 @@
             <p:ph type="title"/>
           </p:nvPr>
         </p:nvSpPr>
-        <p:spPr/>
-        <p:txBody>
-          <a:bodyPr/>
-          <a:lstStyle/>
-          <a:p>
-            <a:r>
-              <a:rPr lang="en-US" dirty="0"/>
+        <p:spPr>
+          <a:xfrm>
+            <a:off x="643467" y="321734"/>
+            <a:ext cx="10905066" cy="1135737"/>
+          </a:xfrm>
+        </p:spPr>
+        <p:txBody>
+          <a:bodyPr>
+            <a:noAutofit/>
+          </a:bodyPr>
+          <a:lstStyle/>
+          <a:p>
+            <a:r>
+              <a:rPr lang="en-US" sz="4000" dirty="0">
+                <a:solidFill>
+                  <a:schemeClr val="accent1"/>
+                </a:solidFill>
+              </a:rPr>
               <a:t>Lab Schedule</a:t>
             </a:r>
           </a:p>
@@ -3771,9 +4659,16 @@
             <p:ph idx="1"/>
           </p:nvPr>
         </p:nvSpPr>
-        <p:spPr/>
-        <p:txBody>
-          <a:bodyPr/>
+        <p:spPr>
+          <a:xfrm>
+            <a:off x="643467" y="1782981"/>
+            <a:ext cx="10905066" cy="4393982"/>
+          </a:xfrm>
+        </p:spPr>
+        <p:txBody>
+          <a:bodyPr>
+            <a:normAutofit/>
+          </a:bodyPr>
           <a:lstStyle/>
           <a:p>
             <a:r>
@@ -3784,13 +4679,13 @@
           <a:p>
             <a:pPr lvl="1"/>
             <a:r>
-              <a:rPr lang="en-US" dirty="0"/>
+              <a:rPr lang="en-US" sz="2800" dirty="0"/>
               <a:t>Mon/Wed 5:45 PM – 6:35 PM @ ZACH 244</a:t>
             </a:r>
           </a:p>
           <a:p>
             <a:pPr lvl="1"/>
-            <a:endParaRPr lang="en-US" dirty="0"/>
+            <a:endParaRPr lang="en-US" sz="2800" dirty="0"/>
           </a:p>
           <a:p>
             <a:r>
@@ -3801,13 +4696,281 @@
           <a:p>
             <a:pPr lvl="1"/>
             <a:r>
-              <a:rPr lang="en-US" dirty="0"/>
+              <a:rPr lang="en-US" sz="2800" dirty="0"/>
               <a:t>Mon/Wed 7:00 PM – 7:50 PM @ ZACH 244</a:t>
             </a:r>
           </a:p>
           <a:p>
             <a:pPr lvl="1"/>
-            <a:endParaRPr lang="en-US" dirty="0"/>
+            <a:endParaRPr lang="en-US" sz="2800" dirty="0"/>
+          </a:p>
+        </p:txBody>
+      </p:sp>
+      <p:sp>
+        <p:nvSpPr>
+          <p:cNvPr id="10" name="Rectangle 9">
+            <a:extLst>
+              <a:ext uri="{FF2B5EF4-FFF2-40B4-BE49-F238E27FC236}">
+                <a16:creationId xmlns:a16="http://schemas.microsoft.com/office/drawing/2014/main" id="{2E80C965-DB6D-4F81-9E9E-B027384D0BD6}"/>
+              </a:ext>
+              <a:ext uri="{C183D7F6-B498-43B3-948B-1728B52AA6E4}">
+                <adec:decorative xmlns:adec="http://schemas.microsoft.com/office/drawing/2017/decorative" val="1"/>
+              </a:ext>
+            </a:extLst>
+          </p:cNvPr>
+          <p:cNvSpPr>
+            <a:spLocks noGrp="1" noRot="1" noChangeAspect="1" noMove="1" noResize="1" noEditPoints="1" noAdjustHandles="1" noChangeArrowheads="1" noChangeShapeType="1" noTextEdit="1"/>
+          </p:cNvSpPr>
+          <p:nvPr>
+            <p:extLst>
+              <p:ext uri="{386F3935-93C4-4BCD-93E2-E3B085C9AB24}">
+                <p16:designElem xmlns:p16="http://schemas.microsoft.com/office/powerpoint/2015/main" val="1"/>
+              </p:ext>
+            </p:extLst>
+          </p:nvPr>
+        </p:nvSpPr>
+        <p:spPr>
+          <a:xfrm rot="2700000">
+            <a:off x="11052629" y="2120024"/>
+            <a:ext cx="645368" cy="645368"/>
+          </a:xfrm>
+          <a:prstGeom prst="rect">
+            <a:avLst/>
+          </a:prstGeom>
+          <a:solidFill>
+            <a:schemeClr val="accent4">
+              <a:alpha val="30000"/>
+            </a:schemeClr>
+          </a:solidFill>
+          <a:ln>
+            <a:noFill/>
+          </a:ln>
+        </p:spPr>
+        <p:style>
+          <a:lnRef idx="2">
+            <a:schemeClr val="accent1">
+              <a:shade val="50000"/>
+            </a:schemeClr>
+          </a:lnRef>
+          <a:fillRef idx="1">
+            <a:schemeClr val="accent1"/>
+          </a:fillRef>
+          <a:effectRef idx="0">
+            <a:schemeClr val="accent1"/>
+          </a:effectRef>
+          <a:fontRef idx="minor">
+            <a:schemeClr val="lt1"/>
+          </a:fontRef>
+        </p:style>
+        <p:txBody>
+          <a:bodyPr rtlCol="0" anchor="ctr"/>
+          <a:lstStyle/>
+          <a:p>
+            <a:pPr algn="ctr"/>
+            <a:endParaRPr lang="en-US"/>
+          </a:p>
+        </p:txBody>
+      </p:sp>
+      <p:sp>
+        <p:nvSpPr>
+          <p:cNvPr id="12" name="Isosceles Triangle 11">
+            <a:extLst>
+              <a:ext uri="{FF2B5EF4-FFF2-40B4-BE49-F238E27FC236}">
+                <a16:creationId xmlns:a16="http://schemas.microsoft.com/office/drawing/2014/main" id="{A580F890-B085-4E95-96AA-55AEBEC5CE6E}"/>
+              </a:ext>
+              <a:ext uri="{C183D7F6-B498-43B3-948B-1728B52AA6E4}">
+                <adec:decorative xmlns:adec="http://schemas.microsoft.com/office/drawing/2017/decorative" val="1"/>
+              </a:ext>
+            </a:extLst>
+          </p:cNvPr>
+          <p:cNvSpPr>
+            <a:spLocks noGrp="1" noRot="1" noChangeAspect="1" noMove="1" noResize="1" noEditPoints="1" noAdjustHandles="1" noChangeArrowheads="1" noChangeShapeType="1" noTextEdit="1"/>
+          </p:cNvSpPr>
+          <p:nvPr>
+            <p:extLst>
+              <p:ext uri="{386F3935-93C4-4BCD-93E2-E3B085C9AB24}">
+                <p16:designElem xmlns:p16="http://schemas.microsoft.com/office/powerpoint/2015/main" val="1"/>
+              </p:ext>
+            </p:extLst>
+          </p:nvPr>
+        </p:nvSpPr>
+        <p:spPr>
+          <a:xfrm rot="16200000">
+            <a:off x="10289068" y="1343027"/>
+            <a:ext cx="2532832" cy="1273032"/>
+          </a:xfrm>
+          <a:prstGeom prst="triangle">
+            <a:avLst>
+              <a:gd name="adj" fmla="val 50000"/>
+            </a:avLst>
+          </a:prstGeom>
+          <a:solidFill>
+            <a:schemeClr val="accent4">
+              <a:alpha val="30000"/>
+            </a:schemeClr>
+          </a:solidFill>
+          <a:ln>
+            <a:noFill/>
+          </a:ln>
+        </p:spPr>
+        <p:style>
+          <a:lnRef idx="2">
+            <a:schemeClr val="accent1">
+              <a:shade val="50000"/>
+            </a:schemeClr>
+          </a:lnRef>
+          <a:fillRef idx="1">
+            <a:schemeClr val="accent1"/>
+          </a:fillRef>
+          <a:effectRef idx="0">
+            <a:schemeClr val="accent1"/>
+          </a:effectRef>
+          <a:fontRef idx="minor">
+            <a:schemeClr val="lt1"/>
+          </a:fontRef>
+        </p:style>
+        <p:txBody>
+          <a:bodyPr rtlCol="0" anchor="ctr"/>
+          <a:lstStyle/>
+          <a:p>
+            <a:pPr algn="ctr"/>
+            <a:endParaRPr lang="en-US"/>
+          </a:p>
+        </p:txBody>
+      </p:sp>
+      <p:sp>
+        <p:nvSpPr>
+          <p:cNvPr id="14" name="Isosceles Triangle 13">
+            <a:extLst>
+              <a:ext uri="{FF2B5EF4-FFF2-40B4-BE49-F238E27FC236}">
+                <a16:creationId xmlns:a16="http://schemas.microsoft.com/office/drawing/2014/main" id="{D3F51FEB-38FB-4F6C-9F7B-2F2AFAB65463}"/>
+              </a:ext>
+              <a:ext uri="{C183D7F6-B498-43B3-948B-1728B52AA6E4}">
+                <adec:decorative xmlns:adec="http://schemas.microsoft.com/office/drawing/2017/decorative" val="1"/>
+              </a:ext>
+            </a:extLst>
+          </p:cNvPr>
+          <p:cNvSpPr>
+            <a:spLocks noGrp="1" noRot="1" noChangeAspect="1" noMove="1" noResize="1" noEditPoints="1" noAdjustHandles="1" noChangeArrowheads="1" noChangeShapeType="1" noTextEdit="1"/>
+          </p:cNvSpPr>
+          <p:nvPr>
+            <p:extLst>
+              <p:ext uri="{386F3935-93C4-4BCD-93E2-E3B085C9AB24}">
+                <p16:designElem xmlns:p16="http://schemas.microsoft.com/office/powerpoint/2015/main" val="1"/>
+              </p:ext>
+            </p:extLst>
+          </p:nvPr>
+        </p:nvSpPr>
+        <p:spPr>
+          <a:xfrm rot="5400000">
+            <a:off x="-501760" y="5103257"/>
+            <a:ext cx="2017580" cy="1014060"/>
+          </a:xfrm>
+          <a:prstGeom prst="triangle">
+            <a:avLst>
+              <a:gd name="adj" fmla="val 50000"/>
+            </a:avLst>
+          </a:prstGeom>
+          <a:solidFill>
+            <a:schemeClr val="accent1">
+              <a:alpha val="30000"/>
+            </a:schemeClr>
+          </a:solidFill>
+          <a:ln>
+            <a:noFill/>
+          </a:ln>
+        </p:spPr>
+        <p:style>
+          <a:lnRef idx="2">
+            <a:schemeClr val="accent1">
+              <a:shade val="50000"/>
+            </a:schemeClr>
+          </a:lnRef>
+          <a:fillRef idx="1">
+            <a:schemeClr val="accent1"/>
+          </a:fillRef>
+          <a:effectRef idx="0">
+            <a:schemeClr val="accent1"/>
+          </a:effectRef>
+          <a:fontRef idx="minor">
+            <a:schemeClr val="lt1"/>
+          </a:fontRef>
+        </p:style>
+        <p:txBody>
+          <a:bodyPr wrap="square" rtlCol="0" anchor="ctr">
+            <a:noAutofit/>
+          </a:bodyPr>
+          <a:lstStyle/>
+          <a:p>
+            <a:pPr algn="ctr"/>
+            <a:endParaRPr lang="en-US"/>
+          </a:p>
+        </p:txBody>
+      </p:sp>
+      <p:sp>
+        <p:nvSpPr>
+          <p:cNvPr id="16" name="Rectangle 15">
+            <a:extLst>
+              <a:ext uri="{FF2B5EF4-FFF2-40B4-BE49-F238E27FC236}">
+                <a16:creationId xmlns:a16="http://schemas.microsoft.com/office/drawing/2014/main" id="{1E547BA6-BAE0-43BB-A7CA-60F69CE252F0}"/>
+              </a:ext>
+              <a:ext uri="{C183D7F6-B498-43B3-948B-1728B52AA6E4}">
+                <adec:decorative xmlns:adec="http://schemas.microsoft.com/office/drawing/2017/decorative" val="1"/>
+              </a:ext>
+            </a:extLst>
+          </p:cNvPr>
+          <p:cNvSpPr>
+            <a:spLocks noGrp="1" noRot="1" noChangeAspect="1" noMove="1" noResize="1" noEditPoints="1" noAdjustHandles="1" noChangeArrowheads="1" noChangeShapeType="1" noTextEdit="1"/>
+          </p:cNvSpPr>
+          <p:nvPr>
+            <p:extLst>
+              <p:ext uri="{386F3935-93C4-4BCD-93E2-E3B085C9AB24}">
+                <p16:designElem xmlns:p16="http://schemas.microsoft.com/office/powerpoint/2015/main" val="1"/>
+              </p:ext>
+            </p:extLst>
+          </p:nvPr>
+        </p:nvSpPr>
+        <p:spPr>
+          <a:xfrm rot="2700000">
+            <a:off x="427916" y="5728708"/>
+            <a:ext cx="485578" cy="485578"/>
+          </a:xfrm>
+          <a:prstGeom prst="rect">
+            <a:avLst/>
+          </a:prstGeom>
+          <a:solidFill>
+            <a:schemeClr val="accent1">
+              <a:alpha val="30000"/>
+            </a:schemeClr>
+          </a:solidFill>
+          <a:ln>
+            <a:noFill/>
+          </a:ln>
+        </p:spPr>
+        <p:style>
+          <a:lnRef idx="2">
+            <a:schemeClr val="accent1">
+              <a:shade val="50000"/>
+            </a:schemeClr>
+          </a:lnRef>
+          <a:fillRef idx="1">
+            <a:schemeClr val="accent1"/>
+          </a:fillRef>
+          <a:effectRef idx="0">
+            <a:schemeClr val="accent1"/>
+          </a:effectRef>
+          <a:fontRef idx="minor">
+            <a:schemeClr val="lt1"/>
+          </a:fontRef>
+        </p:style>
+        <p:txBody>
+          <a:bodyPr wrap="square" rtlCol="0" anchor="ctr">
+            <a:noAutofit/>
+          </a:bodyPr>
+          <a:lstStyle/>
+          <a:p>
+            <a:pPr algn="ctr"/>
+            <a:endParaRPr lang="en-US"/>
           </a:p>
         </p:txBody>
       </p:sp>
@@ -3827,6 +4990,14 @@
 <file path=ppt/slides/slide3.xml><?xml version="1.0" encoding="utf-8"?>
 <p:sld xmlns:a="http://schemas.openxmlformats.org/drawingml/2006/main" xmlns:r="http://schemas.openxmlformats.org/officeDocument/2006/relationships" xmlns:p="http://schemas.openxmlformats.org/presentationml/2006/main">
   <p:cSld>
+    <p:bg>
+      <p:bgPr>
+        <a:solidFill>
+          <a:schemeClr val="bg1"/>
+        </a:solidFill>
+        <a:effectLst/>
+      </p:bgPr>
+    </p:bg>
     <p:spTree>
       <p:nvGrpSpPr>
         <p:cNvPr id="1" name=""/>
@@ -3843,6 +5014,69 @@
       </p:grpSpPr>
       <p:sp>
         <p:nvSpPr>
+          <p:cNvPr id="8" name="Rectangle 7">
+            <a:extLst>
+              <a:ext uri="{FF2B5EF4-FFF2-40B4-BE49-F238E27FC236}">
+                <a16:creationId xmlns:a16="http://schemas.microsoft.com/office/drawing/2014/main" id="{2B566528-1B12-4246-9431-5C2D7D081168}"/>
+              </a:ext>
+              <a:ext uri="{C183D7F6-B498-43B3-948B-1728B52AA6E4}">
+                <adec:decorative xmlns:adec="http://schemas.microsoft.com/office/drawing/2017/decorative" val="1"/>
+              </a:ext>
+            </a:extLst>
+          </p:cNvPr>
+          <p:cNvSpPr>
+            <a:spLocks noGrp="1" noRot="1" noChangeAspect="1" noMove="1" noResize="1" noEditPoints="1" noAdjustHandles="1" noChangeArrowheads="1" noChangeShapeType="1" noTextEdit="1"/>
+          </p:cNvSpPr>
+          <p:nvPr>
+            <p:extLst>
+              <p:ext uri="{386F3935-93C4-4BCD-93E2-E3B085C9AB24}">
+                <p16:designElem xmlns:p16="http://schemas.microsoft.com/office/powerpoint/2015/main" val="1"/>
+              </p:ext>
+            </p:extLst>
+          </p:nvPr>
+        </p:nvSpPr>
+        <p:spPr>
+          <a:xfrm>
+            <a:off x="0" y="0"/>
+            <a:ext cx="12192000" cy="6858000"/>
+          </a:xfrm>
+          <a:prstGeom prst="rect">
+            <a:avLst/>
+          </a:prstGeom>
+          <a:solidFill>
+            <a:schemeClr val="bg1"/>
+          </a:solidFill>
+          <a:ln>
+            <a:noFill/>
+          </a:ln>
+        </p:spPr>
+        <p:style>
+          <a:lnRef idx="2">
+            <a:schemeClr val="accent1">
+              <a:shade val="50000"/>
+            </a:schemeClr>
+          </a:lnRef>
+          <a:fillRef idx="1">
+            <a:schemeClr val="accent1"/>
+          </a:fillRef>
+          <a:effectRef idx="0">
+            <a:schemeClr val="accent1"/>
+          </a:effectRef>
+          <a:fontRef idx="minor">
+            <a:schemeClr val="lt1"/>
+          </a:fontRef>
+        </p:style>
+        <p:txBody>
+          <a:bodyPr rtlCol="0" anchor="ctr"/>
+          <a:lstStyle/>
+          <a:p>
+            <a:pPr algn="ctr"/>
+            <a:endParaRPr lang="en-US" dirty="0"/>
+          </a:p>
+        </p:txBody>
+      </p:sp>
+      <p:sp>
+        <p:nvSpPr>
           <p:cNvPr id="2" name="Title 1">
             <a:extLst>
               <a:ext uri="{FF2B5EF4-FFF2-40B4-BE49-F238E27FC236}">
@@ -3857,13 +5091,24 @@
             <p:ph type="title"/>
           </p:nvPr>
         </p:nvSpPr>
-        <p:spPr/>
-        <p:txBody>
-          <a:bodyPr/>
-          <a:lstStyle/>
-          <a:p>
-            <a:r>
-              <a:rPr lang="en-US" dirty="0"/>
+        <p:spPr>
+          <a:xfrm>
+            <a:off x="643467" y="321734"/>
+            <a:ext cx="10905066" cy="1135737"/>
+          </a:xfrm>
+        </p:spPr>
+        <p:txBody>
+          <a:bodyPr>
+            <a:normAutofit/>
+          </a:bodyPr>
+          <a:lstStyle/>
+          <a:p>
+            <a:r>
+              <a:rPr lang="en-US" sz="4000" dirty="0">
+                <a:solidFill>
+                  <a:schemeClr val="accent1"/>
+                </a:solidFill>
+              </a:rPr>
               <a:t>Lab Contents</a:t>
             </a:r>
           </a:p>
@@ -3885,9 +5130,16 @@
             <p:ph idx="1"/>
           </p:nvPr>
         </p:nvSpPr>
-        <p:spPr/>
-        <p:txBody>
-          <a:bodyPr/>
+        <p:spPr>
+          <a:xfrm>
+            <a:off x="643467" y="1782981"/>
+            <a:ext cx="10905066" cy="4393982"/>
+          </a:xfrm>
+        </p:spPr>
+        <p:txBody>
+          <a:bodyPr>
+            <a:normAutofit/>
+          </a:bodyPr>
           <a:lstStyle/>
           <a:p>
             <a:r>
@@ -3918,6 +5170,274 @@
               <a:rPr lang="en-US" dirty="0"/>
               <a:t>Keep pace with Professor’s lecture.</a:t>
             </a:r>
+          </a:p>
+        </p:txBody>
+      </p:sp>
+      <p:sp>
+        <p:nvSpPr>
+          <p:cNvPr id="10" name="Rectangle 9">
+            <a:extLst>
+              <a:ext uri="{FF2B5EF4-FFF2-40B4-BE49-F238E27FC236}">
+                <a16:creationId xmlns:a16="http://schemas.microsoft.com/office/drawing/2014/main" id="{2E80C965-DB6D-4F81-9E9E-B027384D0BD6}"/>
+              </a:ext>
+              <a:ext uri="{C183D7F6-B498-43B3-948B-1728B52AA6E4}">
+                <adec:decorative xmlns:adec="http://schemas.microsoft.com/office/drawing/2017/decorative" val="1"/>
+              </a:ext>
+            </a:extLst>
+          </p:cNvPr>
+          <p:cNvSpPr>
+            <a:spLocks noGrp="1" noRot="1" noChangeAspect="1" noMove="1" noResize="1" noEditPoints="1" noAdjustHandles="1" noChangeArrowheads="1" noChangeShapeType="1" noTextEdit="1"/>
+          </p:cNvSpPr>
+          <p:nvPr>
+            <p:extLst>
+              <p:ext uri="{386F3935-93C4-4BCD-93E2-E3B085C9AB24}">
+                <p16:designElem xmlns:p16="http://schemas.microsoft.com/office/powerpoint/2015/main" val="1"/>
+              </p:ext>
+            </p:extLst>
+          </p:nvPr>
+        </p:nvSpPr>
+        <p:spPr>
+          <a:xfrm rot="2700000">
+            <a:off x="11052629" y="2120024"/>
+            <a:ext cx="645368" cy="645368"/>
+          </a:xfrm>
+          <a:prstGeom prst="rect">
+            <a:avLst/>
+          </a:prstGeom>
+          <a:solidFill>
+            <a:schemeClr val="accent4">
+              <a:alpha val="30000"/>
+            </a:schemeClr>
+          </a:solidFill>
+          <a:ln>
+            <a:noFill/>
+          </a:ln>
+        </p:spPr>
+        <p:style>
+          <a:lnRef idx="2">
+            <a:schemeClr val="accent1">
+              <a:shade val="50000"/>
+            </a:schemeClr>
+          </a:lnRef>
+          <a:fillRef idx="1">
+            <a:schemeClr val="accent1"/>
+          </a:fillRef>
+          <a:effectRef idx="0">
+            <a:schemeClr val="accent1"/>
+          </a:effectRef>
+          <a:fontRef idx="minor">
+            <a:schemeClr val="lt1"/>
+          </a:fontRef>
+        </p:style>
+        <p:txBody>
+          <a:bodyPr rtlCol="0" anchor="ctr"/>
+          <a:lstStyle/>
+          <a:p>
+            <a:pPr algn="ctr"/>
+            <a:endParaRPr lang="en-US"/>
+          </a:p>
+        </p:txBody>
+      </p:sp>
+      <p:sp>
+        <p:nvSpPr>
+          <p:cNvPr id="12" name="Isosceles Triangle 11">
+            <a:extLst>
+              <a:ext uri="{FF2B5EF4-FFF2-40B4-BE49-F238E27FC236}">
+                <a16:creationId xmlns:a16="http://schemas.microsoft.com/office/drawing/2014/main" id="{A580F890-B085-4E95-96AA-55AEBEC5CE6E}"/>
+              </a:ext>
+              <a:ext uri="{C183D7F6-B498-43B3-948B-1728B52AA6E4}">
+                <adec:decorative xmlns:adec="http://schemas.microsoft.com/office/drawing/2017/decorative" val="1"/>
+              </a:ext>
+            </a:extLst>
+          </p:cNvPr>
+          <p:cNvSpPr>
+            <a:spLocks noGrp="1" noRot="1" noChangeAspect="1" noMove="1" noResize="1" noEditPoints="1" noAdjustHandles="1" noChangeArrowheads="1" noChangeShapeType="1" noTextEdit="1"/>
+          </p:cNvSpPr>
+          <p:nvPr>
+            <p:extLst>
+              <p:ext uri="{386F3935-93C4-4BCD-93E2-E3B085C9AB24}">
+                <p16:designElem xmlns:p16="http://schemas.microsoft.com/office/powerpoint/2015/main" val="1"/>
+              </p:ext>
+            </p:extLst>
+          </p:nvPr>
+        </p:nvSpPr>
+        <p:spPr>
+          <a:xfrm rot="16200000">
+            <a:off x="10289068" y="1343027"/>
+            <a:ext cx="2532832" cy="1273032"/>
+          </a:xfrm>
+          <a:prstGeom prst="triangle">
+            <a:avLst>
+              <a:gd name="adj" fmla="val 50000"/>
+            </a:avLst>
+          </a:prstGeom>
+          <a:solidFill>
+            <a:schemeClr val="accent4">
+              <a:alpha val="30000"/>
+            </a:schemeClr>
+          </a:solidFill>
+          <a:ln>
+            <a:noFill/>
+          </a:ln>
+        </p:spPr>
+        <p:style>
+          <a:lnRef idx="2">
+            <a:schemeClr val="accent1">
+              <a:shade val="50000"/>
+            </a:schemeClr>
+          </a:lnRef>
+          <a:fillRef idx="1">
+            <a:schemeClr val="accent1"/>
+          </a:fillRef>
+          <a:effectRef idx="0">
+            <a:schemeClr val="accent1"/>
+          </a:effectRef>
+          <a:fontRef idx="minor">
+            <a:schemeClr val="lt1"/>
+          </a:fontRef>
+        </p:style>
+        <p:txBody>
+          <a:bodyPr rtlCol="0" anchor="ctr"/>
+          <a:lstStyle/>
+          <a:p>
+            <a:pPr algn="ctr"/>
+            <a:endParaRPr lang="en-US"/>
+          </a:p>
+        </p:txBody>
+      </p:sp>
+      <p:sp>
+        <p:nvSpPr>
+          <p:cNvPr id="14" name="Isosceles Triangle 13">
+            <a:extLst>
+              <a:ext uri="{FF2B5EF4-FFF2-40B4-BE49-F238E27FC236}">
+                <a16:creationId xmlns:a16="http://schemas.microsoft.com/office/drawing/2014/main" id="{D3F51FEB-38FB-4F6C-9F7B-2F2AFAB65463}"/>
+              </a:ext>
+              <a:ext uri="{C183D7F6-B498-43B3-948B-1728B52AA6E4}">
+                <adec:decorative xmlns:adec="http://schemas.microsoft.com/office/drawing/2017/decorative" val="1"/>
+              </a:ext>
+            </a:extLst>
+          </p:cNvPr>
+          <p:cNvSpPr>
+            <a:spLocks noGrp="1" noRot="1" noChangeAspect="1" noMove="1" noResize="1" noEditPoints="1" noAdjustHandles="1" noChangeArrowheads="1" noChangeShapeType="1" noTextEdit="1"/>
+          </p:cNvSpPr>
+          <p:nvPr>
+            <p:extLst>
+              <p:ext uri="{386F3935-93C4-4BCD-93E2-E3B085C9AB24}">
+                <p16:designElem xmlns:p16="http://schemas.microsoft.com/office/powerpoint/2015/main" val="1"/>
+              </p:ext>
+            </p:extLst>
+          </p:nvPr>
+        </p:nvSpPr>
+        <p:spPr>
+          <a:xfrm rot="5400000">
+            <a:off x="-501760" y="5103257"/>
+            <a:ext cx="2017580" cy="1014060"/>
+          </a:xfrm>
+          <a:prstGeom prst="triangle">
+            <a:avLst>
+              <a:gd name="adj" fmla="val 50000"/>
+            </a:avLst>
+          </a:prstGeom>
+          <a:solidFill>
+            <a:schemeClr val="accent1">
+              <a:alpha val="30000"/>
+            </a:schemeClr>
+          </a:solidFill>
+          <a:ln>
+            <a:noFill/>
+          </a:ln>
+        </p:spPr>
+        <p:style>
+          <a:lnRef idx="2">
+            <a:schemeClr val="accent1">
+              <a:shade val="50000"/>
+            </a:schemeClr>
+          </a:lnRef>
+          <a:fillRef idx="1">
+            <a:schemeClr val="accent1"/>
+          </a:fillRef>
+          <a:effectRef idx="0">
+            <a:schemeClr val="accent1"/>
+          </a:effectRef>
+          <a:fontRef idx="minor">
+            <a:schemeClr val="lt1"/>
+          </a:fontRef>
+        </p:style>
+        <p:txBody>
+          <a:bodyPr wrap="square" rtlCol="0" anchor="ctr">
+            <a:noAutofit/>
+          </a:bodyPr>
+          <a:lstStyle/>
+          <a:p>
+            <a:pPr algn="ctr"/>
+            <a:endParaRPr lang="en-US"/>
+          </a:p>
+        </p:txBody>
+      </p:sp>
+      <p:sp>
+        <p:nvSpPr>
+          <p:cNvPr id="16" name="Rectangle 15">
+            <a:extLst>
+              <a:ext uri="{FF2B5EF4-FFF2-40B4-BE49-F238E27FC236}">
+                <a16:creationId xmlns:a16="http://schemas.microsoft.com/office/drawing/2014/main" id="{1E547BA6-BAE0-43BB-A7CA-60F69CE252F0}"/>
+              </a:ext>
+              <a:ext uri="{C183D7F6-B498-43B3-948B-1728B52AA6E4}">
+                <adec:decorative xmlns:adec="http://schemas.microsoft.com/office/drawing/2017/decorative" val="1"/>
+              </a:ext>
+            </a:extLst>
+          </p:cNvPr>
+          <p:cNvSpPr>
+            <a:spLocks noGrp="1" noRot="1" noChangeAspect="1" noMove="1" noResize="1" noEditPoints="1" noAdjustHandles="1" noChangeArrowheads="1" noChangeShapeType="1" noTextEdit="1"/>
+          </p:cNvSpPr>
+          <p:nvPr>
+            <p:extLst>
+              <p:ext uri="{386F3935-93C4-4BCD-93E2-E3B085C9AB24}">
+                <p16:designElem xmlns:p16="http://schemas.microsoft.com/office/powerpoint/2015/main" val="1"/>
+              </p:ext>
+            </p:extLst>
+          </p:nvPr>
+        </p:nvSpPr>
+        <p:spPr>
+          <a:xfrm rot="2700000">
+            <a:off x="427916" y="5728708"/>
+            <a:ext cx="485578" cy="485578"/>
+          </a:xfrm>
+          <a:prstGeom prst="rect">
+            <a:avLst/>
+          </a:prstGeom>
+          <a:solidFill>
+            <a:schemeClr val="accent1">
+              <a:alpha val="30000"/>
+            </a:schemeClr>
+          </a:solidFill>
+          <a:ln>
+            <a:noFill/>
+          </a:ln>
+        </p:spPr>
+        <p:style>
+          <a:lnRef idx="2">
+            <a:schemeClr val="accent1">
+              <a:shade val="50000"/>
+            </a:schemeClr>
+          </a:lnRef>
+          <a:fillRef idx="1">
+            <a:schemeClr val="accent1"/>
+          </a:fillRef>
+          <a:effectRef idx="0">
+            <a:schemeClr val="accent1"/>
+          </a:effectRef>
+          <a:fontRef idx="minor">
+            <a:schemeClr val="lt1"/>
+          </a:fontRef>
+        </p:style>
+        <p:txBody>
+          <a:bodyPr wrap="square" rtlCol="0" anchor="ctr">
+            <a:noAutofit/>
+          </a:bodyPr>
+          <a:lstStyle/>
+          <a:p>
+            <a:pPr algn="ctr"/>
+            <a:endParaRPr lang="en-US"/>
           </a:p>
         </p:txBody>
       </p:sp>
@@ -3937,6 +5457,14 @@
 <file path=ppt/slides/slide4.xml><?xml version="1.0" encoding="utf-8"?>
 <p:sld xmlns:a="http://schemas.openxmlformats.org/drawingml/2006/main" xmlns:r="http://schemas.openxmlformats.org/officeDocument/2006/relationships" xmlns:p="http://schemas.openxmlformats.org/presentationml/2006/main">
   <p:cSld>
+    <p:bg>
+      <p:bgPr>
+        <a:solidFill>
+          <a:schemeClr val="bg1"/>
+        </a:solidFill>
+        <a:effectLst/>
+      </p:bgPr>
+    </p:bg>
     <p:spTree>
       <p:nvGrpSpPr>
         <p:cNvPr id="1" name=""/>
@@ -3953,6 +5481,69 @@
       </p:grpSpPr>
       <p:sp>
         <p:nvSpPr>
+          <p:cNvPr id="8" name="Rectangle 7">
+            <a:extLst>
+              <a:ext uri="{FF2B5EF4-FFF2-40B4-BE49-F238E27FC236}">
+                <a16:creationId xmlns:a16="http://schemas.microsoft.com/office/drawing/2014/main" id="{2B566528-1B12-4246-9431-5C2D7D081168}"/>
+              </a:ext>
+              <a:ext uri="{C183D7F6-B498-43B3-948B-1728B52AA6E4}">
+                <adec:decorative xmlns:adec="http://schemas.microsoft.com/office/drawing/2017/decorative" val="1"/>
+              </a:ext>
+            </a:extLst>
+          </p:cNvPr>
+          <p:cNvSpPr>
+            <a:spLocks noGrp="1" noRot="1" noChangeAspect="1" noMove="1" noResize="1" noEditPoints="1" noAdjustHandles="1" noChangeArrowheads="1" noChangeShapeType="1" noTextEdit="1"/>
+          </p:cNvSpPr>
+          <p:nvPr>
+            <p:extLst>
+              <p:ext uri="{386F3935-93C4-4BCD-93E2-E3B085C9AB24}">
+                <p16:designElem xmlns:p16="http://schemas.microsoft.com/office/powerpoint/2015/main" val="1"/>
+              </p:ext>
+            </p:extLst>
+          </p:nvPr>
+        </p:nvSpPr>
+        <p:spPr>
+          <a:xfrm>
+            <a:off x="0" y="0"/>
+            <a:ext cx="12192000" cy="6858000"/>
+          </a:xfrm>
+          <a:prstGeom prst="rect">
+            <a:avLst/>
+          </a:prstGeom>
+          <a:solidFill>
+            <a:schemeClr val="bg1"/>
+          </a:solidFill>
+          <a:ln>
+            <a:noFill/>
+          </a:ln>
+        </p:spPr>
+        <p:style>
+          <a:lnRef idx="2">
+            <a:schemeClr val="accent1">
+              <a:shade val="50000"/>
+            </a:schemeClr>
+          </a:lnRef>
+          <a:fillRef idx="1">
+            <a:schemeClr val="accent1"/>
+          </a:fillRef>
+          <a:effectRef idx="0">
+            <a:schemeClr val="accent1"/>
+          </a:effectRef>
+          <a:fontRef idx="minor">
+            <a:schemeClr val="lt1"/>
+          </a:fontRef>
+        </p:style>
+        <p:txBody>
+          <a:bodyPr rtlCol="0" anchor="ctr"/>
+          <a:lstStyle/>
+          <a:p>
+            <a:pPr algn="ctr"/>
+            <a:endParaRPr lang="en-US" dirty="0"/>
+          </a:p>
+        </p:txBody>
+      </p:sp>
+      <p:sp>
+        <p:nvSpPr>
           <p:cNvPr id="2" name="Title 1">
             <a:extLst>
               <a:ext uri="{FF2B5EF4-FFF2-40B4-BE49-F238E27FC236}">
@@ -3967,13 +5558,24 @@
             <p:ph type="title"/>
           </p:nvPr>
         </p:nvSpPr>
-        <p:spPr/>
-        <p:txBody>
-          <a:bodyPr/>
-          <a:lstStyle/>
-          <a:p>
-            <a:r>
-              <a:rPr lang="en-US" dirty="0"/>
+        <p:spPr>
+          <a:xfrm>
+            <a:off x="643467" y="321734"/>
+            <a:ext cx="10905066" cy="1135737"/>
+          </a:xfrm>
+        </p:spPr>
+        <p:txBody>
+          <a:bodyPr>
+            <a:normAutofit/>
+          </a:bodyPr>
+          <a:lstStyle/>
+          <a:p>
+            <a:r>
+              <a:rPr lang="en-US" sz="4000" dirty="0">
+                <a:solidFill>
+                  <a:schemeClr val="accent1"/>
+                </a:solidFill>
+              </a:rPr>
               <a:t>Submission/Grading</a:t>
             </a:r>
           </a:p>
@@ -3995,9 +5597,16 @@
             <p:ph idx="1"/>
           </p:nvPr>
         </p:nvSpPr>
-        <p:spPr/>
-        <p:txBody>
-          <a:bodyPr/>
+        <p:spPr>
+          <a:xfrm>
+            <a:off x="643467" y="1782981"/>
+            <a:ext cx="10905066" cy="4393982"/>
+          </a:xfrm>
+        </p:spPr>
+        <p:txBody>
+          <a:bodyPr>
+            <a:normAutofit/>
+          </a:bodyPr>
           <a:lstStyle/>
           <a:p>
             <a:r>
@@ -4030,6 +5639,274 @@
               <a:rPr lang="en-US" dirty="0"/>
               <a:t>.</a:t>
             </a:r>
+          </a:p>
+        </p:txBody>
+      </p:sp>
+      <p:sp>
+        <p:nvSpPr>
+          <p:cNvPr id="10" name="Rectangle 9">
+            <a:extLst>
+              <a:ext uri="{FF2B5EF4-FFF2-40B4-BE49-F238E27FC236}">
+                <a16:creationId xmlns:a16="http://schemas.microsoft.com/office/drawing/2014/main" id="{2E80C965-DB6D-4F81-9E9E-B027384D0BD6}"/>
+              </a:ext>
+              <a:ext uri="{C183D7F6-B498-43B3-948B-1728B52AA6E4}">
+                <adec:decorative xmlns:adec="http://schemas.microsoft.com/office/drawing/2017/decorative" val="1"/>
+              </a:ext>
+            </a:extLst>
+          </p:cNvPr>
+          <p:cNvSpPr>
+            <a:spLocks noGrp="1" noRot="1" noChangeAspect="1" noMove="1" noResize="1" noEditPoints="1" noAdjustHandles="1" noChangeArrowheads="1" noChangeShapeType="1" noTextEdit="1"/>
+          </p:cNvSpPr>
+          <p:nvPr>
+            <p:extLst>
+              <p:ext uri="{386F3935-93C4-4BCD-93E2-E3B085C9AB24}">
+                <p16:designElem xmlns:p16="http://schemas.microsoft.com/office/powerpoint/2015/main" val="1"/>
+              </p:ext>
+            </p:extLst>
+          </p:nvPr>
+        </p:nvSpPr>
+        <p:spPr>
+          <a:xfrm rot="2700000">
+            <a:off x="11052629" y="2120024"/>
+            <a:ext cx="645368" cy="645368"/>
+          </a:xfrm>
+          <a:prstGeom prst="rect">
+            <a:avLst/>
+          </a:prstGeom>
+          <a:solidFill>
+            <a:schemeClr val="accent4">
+              <a:alpha val="30000"/>
+            </a:schemeClr>
+          </a:solidFill>
+          <a:ln>
+            <a:noFill/>
+          </a:ln>
+        </p:spPr>
+        <p:style>
+          <a:lnRef idx="2">
+            <a:schemeClr val="accent1">
+              <a:shade val="50000"/>
+            </a:schemeClr>
+          </a:lnRef>
+          <a:fillRef idx="1">
+            <a:schemeClr val="accent1"/>
+          </a:fillRef>
+          <a:effectRef idx="0">
+            <a:schemeClr val="accent1"/>
+          </a:effectRef>
+          <a:fontRef idx="minor">
+            <a:schemeClr val="lt1"/>
+          </a:fontRef>
+        </p:style>
+        <p:txBody>
+          <a:bodyPr rtlCol="0" anchor="ctr"/>
+          <a:lstStyle/>
+          <a:p>
+            <a:pPr algn="ctr"/>
+            <a:endParaRPr lang="en-US"/>
+          </a:p>
+        </p:txBody>
+      </p:sp>
+      <p:sp>
+        <p:nvSpPr>
+          <p:cNvPr id="12" name="Isosceles Triangle 11">
+            <a:extLst>
+              <a:ext uri="{FF2B5EF4-FFF2-40B4-BE49-F238E27FC236}">
+                <a16:creationId xmlns:a16="http://schemas.microsoft.com/office/drawing/2014/main" id="{A580F890-B085-4E95-96AA-55AEBEC5CE6E}"/>
+              </a:ext>
+              <a:ext uri="{C183D7F6-B498-43B3-948B-1728B52AA6E4}">
+                <adec:decorative xmlns:adec="http://schemas.microsoft.com/office/drawing/2017/decorative" val="1"/>
+              </a:ext>
+            </a:extLst>
+          </p:cNvPr>
+          <p:cNvSpPr>
+            <a:spLocks noGrp="1" noRot="1" noChangeAspect="1" noMove="1" noResize="1" noEditPoints="1" noAdjustHandles="1" noChangeArrowheads="1" noChangeShapeType="1" noTextEdit="1"/>
+          </p:cNvSpPr>
+          <p:nvPr>
+            <p:extLst>
+              <p:ext uri="{386F3935-93C4-4BCD-93E2-E3B085C9AB24}">
+                <p16:designElem xmlns:p16="http://schemas.microsoft.com/office/powerpoint/2015/main" val="1"/>
+              </p:ext>
+            </p:extLst>
+          </p:nvPr>
+        </p:nvSpPr>
+        <p:spPr>
+          <a:xfrm rot="16200000">
+            <a:off x="10289068" y="1343027"/>
+            <a:ext cx="2532832" cy="1273032"/>
+          </a:xfrm>
+          <a:prstGeom prst="triangle">
+            <a:avLst>
+              <a:gd name="adj" fmla="val 50000"/>
+            </a:avLst>
+          </a:prstGeom>
+          <a:solidFill>
+            <a:schemeClr val="accent4">
+              <a:alpha val="30000"/>
+            </a:schemeClr>
+          </a:solidFill>
+          <a:ln>
+            <a:noFill/>
+          </a:ln>
+        </p:spPr>
+        <p:style>
+          <a:lnRef idx="2">
+            <a:schemeClr val="accent1">
+              <a:shade val="50000"/>
+            </a:schemeClr>
+          </a:lnRef>
+          <a:fillRef idx="1">
+            <a:schemeClr val="accent1"/>
+          </a:fillRef>
+          <a:effectRef idx="0">
+            <a:schemeClr val="accent1"/>
+          </a:effectRef>
+          <a:fontRef idx="minor">
+            <a:schemeClr val="lt1"/>
+          </a:fontRef>
+        </p:style>
+        <p:txBody>
+          <a:bodyPr rtlCol="0" anchor="ctr"/>
+          <a:lstStyle/>
+          <a:p>
+            <a:pPr algn="ctr"/>
+            <a:endParaRPr lang="en-US"/>
+          </a:p>
+        </p:txBody>
+      </p:sp>
+      <p:sp>
+        <p:nvSpPr>
+          <p:cNvPr id="14" name="Isosceles Triangle 13">
+            <a:extLst>
+              <a:ext uri="{FF2B5EF4-FFF2-40B4-BE49-F238E27FC236}">
+                <a16:creationId xmlns:a16="http://schemas.microsoft.com/office/drawing/2014/main" id="{D3F51FEB-38FB-4F6C-9F7B-2F2AFAB65463}"/>
+              </a:ext>
+              <a:ext uri="{C183D7F6-B498-43B3-948B-1728B52AA6E4}">
+                <adec:decorative xmlns:adec="http://schemas.microsoft.com/office/drawing/2017/decorative" val="1"/>
+              </a:ext>
+            </a:extLst>
+          </p:cNvPr>
+          <p:cNvSpPr>
+            <a:spLocks noGrp="1" noRot="1" noChangeAspect="1" noMove="1" noResize="1" noEditPoints="1" noAdjustHandles="1" noChangeArrowheads="1" noChangeShapeType="1" noTextEdit="1"/>
+          </p:cNvSpPr>
+          <p:nvPr>
+            <p:extLst>
+              <p:ext uri="{386F3935-93C4-4BCD-93E2-E3B085C9AB24}">
+                <p16:designElem xmlns:p16="http://schemas.microsoft.com/office/powerpoint/2015/main" val="1"/>
+              </p:ext>
+            </p:extLst>
+          </p:nvPr>
+        </p:nvSpPr>
+        <p:spPr>
+          <a:xfrm rot="5400000">
+            <a:off x="-501760" y="5103257"/>
+            <a:ext cx="2017580" cy="1014060"/>
+          </a:xfrm>
+          <a:prstGeom prst="triangle">
+            <a:avLst>
+              <a:gd name="adj" fmla="val 50000"/>
+            </a:avLst>
+          </a:prstGeom>
+          <a:solidFill>
+            <a:schemeClr val="accent1">
+              <a:alpha val="30000"/>
+            </a:schemeClr>
+          </a:solidFill>
+          <a:ln>
+            <a:noFill/>
+          </a:ln>
+        </p:spPr>
+        <p:style>
+          <a:lnRef idx="2">
+            <a:schemeClr val="accent1">
+              <a:shade val="50000"/>
+            </a:schemeClr>
+          </a:lnRef>
+          <a:fillRef idx="1">
+            <a:schemeClr val="accent1"/>
+          </a:fillRef>
+          <a:effectRef idx="0">
+            <a:schemeClr val="accent1"/>
+          </a:effectRef>
+          <a:fontRef idx="minor">
+            <a:schemeClr val="lt1"/>
+          </a:fontRef>
+        </p:style>
+        <p:txBody>
+          <a:bodyPr wrap="square" rtlCol="0" anchor="ctr">
+            <a:noAutofit/>
+          </a:bodyPr>
+          <a:lstStyle/>
+          <a:p>
+            <a:pPr algn="ctr"/>
+            <a:endParaRPr lang="en-US"/>
+          </a:p>
+        </p:txBody>
+      </p:sp>
+      <p:sp>
+        <p:nvSpPr>
+          <p:cNvPr id="16" name="Rectangle 15">
+            <a:extLst>
+              <a:ext uri="{FF2B5EF4-FFF2-40B4-BE49-F238E27FC236}">
+                <a16:creationId xmlns:a16="http://schemas.microsoft.com/office/drawing/2014/main" id="{1E547BA6-BAE0-43BB-A7CA-60F69CE252F0}"/>
+              </a:ext>
+              <a:ext uri="{C183D7F6-B498-43B3-948B-1728B52AA6E4}">
+                <adec:decorative xmlns:adec="http://schemas.microsoft.com/office/drawing/2017/decorative" val="1"/>
+              </a:ext>
+            </a:extLst>
+          </p:cNvPr>
+          <p:cNvSpPr>
+            <a:spLocks noGrp="1" noRot="1" noChangeAspect="1" noMove="1" noResize="1" noEditPoints="1" noAdjustHandles="1" noChangeArrowheads="1" noChangeShapeType="1" noTextEdit="1"/>
+          </p:cNvSpPr>
+          <p:nvPr>
+            <p:extLst>
+              <p:ext uri="{386F3935-93C4-4BCD-93E2-E3B085C9AB24}">
+                <p16:designElem xmlns:p16="http://schemas.microsoft.com/office/powerpoint/2015/main" val="1"/>
+              </p:ext>
+            </p:extLst>
+          </p:nvPr>
+        </p:nvSpPr>
+        <p:spPr>
+          <a:xfrm rot="2700000">
+            <a:off x="427916" y="5728708"/>
+            <a:ext cx="485578" cy="485578"/>
+          </a:xfrm>
+          <a:prstGeom prst="rect">
+            <a:avLst/>
+          </a:prstGeom>
+          <a:solidFill>
+            <a:schemeClr val="accent1">
+              <a:alpha val="30000"/>
+            </a:schemeClr>
+          </a:solidFill>
+          <a:ln>
+            <a:noFill/>
+          </a:ln>
+        </p:spPr>
+        <p:style>
+          <a:lnRef idx="2">
+            <a:schemeClr val="accent1">
+              <a:shade val="50000"/>
+            </a:schemeClr>
+          </a:lnRef>
+          <a:fillRef idx="1">
+            <a:schemeClr val="accent1"/>
+          </a:fillRef>
+          <a:effectRef idx="0">
+            <a:schemeClr val="accent1"/>
+          </a:effectRef>
+          <a:fontRef idx="minor">
+            <a:schemeClr val="lt1"/>
+          </a:fontRef>
+        </p:style>
+        <p:txBody>
+          <a:bodyPr wrap="square" rtlCol="0" anchor="ctr">
+            <a:noAutofit/>
+          </a:bodyPr>
+          <a:lstStyle/>
+          <a:p>
+            <a:pPr algn="ctr"/>
+            <a:endParaRPr lang="en-US"/>
           </a:p>
         </p:txBody>
       </p:sp>
@@ -4049,6 +5926,14 @@
 <file path=ppt/slides/slide5.xml><?xml version="1.0" encoding="utf-8"?>
 <p:sld xmlns:a="http://schemas.openxmlformats.org/drawingml/2006/main" xmlns:r="http://schemas.openxmlformats.org/officeDocument/2006/relationships" xmlns:p="http://schemas.openxmlformats.org/presentationml/2006/main">
   <p:cSld>
+    <p:bg>
+      <p:bgPr>
+        <a:solidFill>
+          <a:schemeClr val="bg1"/>
+        </a:solidFill>
+        <a:effectLst/>
+      </p:bgPr>
+    </p:bg>
     <p:spTree>
       <p:nvGrpSpPr>
         <p:cNvPr id="1" name=""/>
@@ -4065,6 +5950,69 @@
       </p:grpSpPr>
       <p:sp>
         <p:nvSpPr>
+          <p:cNvPr id="8" name="Rectangle 7">
+            <a:extLst>
+              <a:ext uri="{FF2B5EF4-FFF2-40B4-BE49-F238E27FC236}">
+                <a16:creationId xmlns:a16="http://schemas.microsoft.com/office/drawing/2014/main" id="{2B566528-1B12-4246-9431-5C2D7D081168}"/>
+              </a:ext>
+              <a:ext uri="{C183D7F6-B498-43B3-948B-1728B52AA6E4}">
+                <adec:decorative xmlns:adec="http://schemas.microsoft.com/office/drawing/2017/decorative" val="1"/>
+              </a:ext>
+            </a:extLst>
+          </p:cNvPr>
+          <p:cNvSpPr>
+            <a:spLocks noGrp="1" noRot="1" noChangeAspect="1" noMove="1" noResize="1" noEditPoints="1" noAdjustHandles="1" noChangeArrowheads="1" noChangeShapeType="1" noTextEdit="1"/>
+          </p:cNvSpPr>
+          <p:nvPr>
+            <p:extLst>
+              <p:ext uri="{386F3935-93C4-4BCD-93E2-E3B085C9AB24}">
+                <p16:designElem xmlns:p16="http://schemas.microsoft.com/office/powerpoint/2015/main" val="1"/>
+              </p:ext>
+            </p:extLst>
+          </p:nvPr>
+        </p:nvSpPr>
+        <p:spPr>
+          <a:xfrm>
+            <a:off x="0" y="0"/>
+            <a:ext cx="12192000" cy="6858000"/>
+          </a:xfrm>
+          <a:prstGeom prst="rect">
+            <a:avLst/>
+          </a:prstGeom>
+          <a:solidFill>
+            <a:schemeClr val="bg1"/>
+          </a:solidFill>
+          <a:ln>
+            <a:noFill/>
+          </a:ln>
+        </p:spPr>
+        <p:style>
+          <a:lnRef idx="2">
+            <a:schemeClr val="accent1">
+              <a:shade val="50000"/>
+            </a:schemeClr>
+          </a:lnRef>
+          <a:fillRef idx="1">
+            <a:schemeClr val="accent1"/>
+          </a:fillRef>
+          <a:effectRef idx="0">
+            <a:schemeClr val="accent1"/>
+          </a:effectRef>
+          <a:fontRef idx="minor">
+            <a:schemeClr val="lt1"/>
+          </a:fontRef>
+        </p:style>
+        <p:txBody>
+          <a:bodyPr rtlCol="0" anchor="ctr"/>
+          <a:lstStyle/>
+          <a:p>
+            <a:pPr algn="ctr"/>
+            <a:endParaRPr lang="en-US" dirty="0"/>
+          </a:p>
+        </p:txBody>
+      </p:sp>
+      <p:sp>
+        <p:nvSpPr>
           <p:cNvPr id="2" name="Title 1">
             <a:extLst>
               <a:ext uri="{FF2B5EF4-FFF2-40B4-BE49-F238E27FC236}">
@@ -4079,38 +6027,69 @@
             <p:ph type="title"/>
           </p:nvPr>
         </p:nvSpPr>
-        <p:spPr/>
-        <p:txBody>
-          <a:bodyPr/>
+        <p:spPr>
+          <a:xfrm>
+            <a:off x="643467" y="321734"/>
+            <a:ext cx="10905066" cy="1135737"/>
+          </a:xfrm>
+        </p:spPr>
+        <p:txBody>
+          <a:bodyPr>
+            <a:normAutofit/>
+          </a:bodyPr>
+          <a:lstStyle/>
+          <a:p>
+            <a:r>
+              <a:rPr lang="en-US" sz="4000" dirty="0">
+                <a:solidFill>
+                  <a:schemeClr val="accent1"/>
+                </a:solidFill>
+              </a:rPr>
+              <a:t>Resources</a:t>
+            </a:r>
+          </a:p>
+        </p:txBody>
+      </p:sp>
+      <p:sp>
+        <p:nvSpPr>
+          <p:cNvPr id="3" name="Content Placeholder 2">
+            <a:extLst>
+              <a:ext uri="{FF2B5EF4-FFF2-40B4-BE49-F238E27FC236}">
+                <a16:creationId xmlns:a16="http://schemas.microsoft.com/office/drawing/2014/main" id="{4F57799F-906B-284E-8014-58DDA4729A7A}"/>
+              </a:ext>
+            </a:extLst>
+          </p:cNvPr>
+          <p:cNvSpPr>
+            <a:spLocks noGrp="1"/>
+          </p:cNvSpPr>
+          <p:nvPr>
+            <p:ph idx="1"/>
+          </p:nvPr>
+        </p:nvSpPr>
+        <p:spPr>
+          <a:xfrm>
+            <a:off x="643467" y="1782981"/>
+            <a:ext cx="10905066" cy="4393982"/>
+          </a:xfrm>
+        </p:spPr>
+        <p:txBody>
+          <a:bodyPr>
+            <a:normAutofit/>
+          </a:bodyPr>
           <a:lstStyle/>
           <a:p>
             <a:r>
               <a:rPr lang="en-US" dirty="0"/>
-              <a:t>Resources</a:t>
-            </a:r>
-          </a:p>
-        </p:txBody>
-      </p:sp>
-      <p:sp>
-        <p:nvSpPr>
-          <p:cNvPr id="3" name="Content Placeholder 2">
-            <a:extLst>
-              <a:ext uri="{FF2B5EF4-FFF2-40B4-BE49-F238E27FC236}">
-                <a16:creationId xmlns:a16="http://schemas.microsoft.com/office/drawing/2014/main" id="{4F57799F-906B-284E-8014-58DDA4729A7A}"/>
-              </a:ext>
-            </a:extLst>
-          </p:cNvPr>
-          <p:cNvSpPr>
-            <a:spLocks noGrp="1"/>
-          </p:cNvSpPr>
-          <p:nvPr>
-            <p:ph idx="1"/>
-          </p:nvPr>
-        </p:nvSpPr>
-        <p:spPr/>
-        <p:txBody>
-          <a:bodyPr/>
-          <a:lstStyle/>
+              <a:t>Lab Website: </a:t>
+            </a:r>
+            <a:r>
+              <a:rPr lang="en-US" dirty="0">
+                <a:hlinkClick r:id="rId2"/>
+              </a:rPr>
+              <a:t>https://prathiksha1995.github.io/CSCE206/</a:t>
+            </a:r>
+            <a:endParaRPr lang="en-US" dirty="0"/>
+          </a:p>
           <a:p>
             <a:r>
               <a:rPr lang="en-US" dirty="0"/>
@@ -4126,8 +6105,283 @@
           <a:p>
             <a:r>
               <a:rPr lang="en-US" dirty="0"/>
-              <a:t>Peer Teachers.</a:t>
-            </a:r>
+              <a:t>Peer Teachers. </a:t>
+            </a:r>
+            <a:r>
+              <a:rPr lang="en-US" dirty="0">
+                <a:sym typeface="Wingdings" pitchFamily="2" charset="2"/>
+              </a:rPr>
+              <a:t></a:t>
+            </a:r>
+            <a:endParaRPr lang="en-US" dirty="0"/>
+          </a:p>
+        </p:txBody>
+      </p:sp>
+      <p:sp>
+        <p:nvSpPr>
+          <p:cNvPr id="10" name="Rectangle 9">
+            <a:extLst>
+              <a:ext uri="{FF2B5EF4-FFF2-40B4-BE49-F238E27FC236}">
+                <a16:creationId xmlns:a16="http://schemas.microsoft.com/office/drawing/2014/main" id="{2E80C965-DB6D-4F81-9E9E-B027384D0BD6}"/>
+              </a:ext>
+              <a:ext uri="{C183D7F6-B498-43B3-948B-1728B52AA6E4}">
+                <adec:decorative xmlns:adec="http://schemas.microsoft.com/office/drawing/2017/decorative" val="1"/>
+              </a:ext>
+            </a:extLst>
+          </p:cNvPr>
+          <p:cNvSpPr>
+            <a:spLocks noGrp="1" noRot="1" noChangeAspect="1" noMove="1" noResize="1" noEditPoints="1" noAdjustHandles="1" noChangeArrowheads="1" noChangeShapeType="1" noTextEdit="1"/>
+          </p:cNvSpPr>
+          <p:nvPr>
+            <p:extLst>
+              <p:ext uri="{386F3935-93C4-4BCD-93E2-E3B085C9AB24}">
+                <p16:designElem xmlns:p16="http://schemas.microsoft.com/office/powerpoint/2015/main" val="1"/>
+              </p:ext>
+            </p:extLst>
+          </p:nvPr>
+        </p:nvSpPr>
+        <p:spPr>
+          <a:xfrm rot="2700000">
+            <a:off x="11052629" y="2120024"/>
+            <a:ext cx="645368" cy="645368"/>
+          </a:xfrm>
+          <a:prstGeom prst="rect">
+            <a:avLst/>
+          </a:prstGeom>
+          <a:solidFill>
+            <a:schemeClr val="accent4">
+              <a:alpha val="30000"/>
+            </a:schemeClr>
+          </a:solidFill>
+          <a:ln>
+            <a:noFill/>
+          </a:ln>
+        </p:spPr>
+        <p:style>
+          <a:lnRef idx="2">
+            <a:schemeClr val="accent1">
+              <a:shade val="50000"/>
+            </a:schemeClr>
+          </a:lnRef>
+          <a:fillRef idx="1">
+            <a:schemeClr val="accent1"/>
+          </a:fillRef>
+          <a:effectRef idx="0">
+            <a:schemeClr val="accent1"/>
+          </a:effectRef>
+          <a:fontRef idx="minor">
+            <a:schemeClr val="lt1"/>
+          </a:fontRef>
+        </p:style>
+        <p:txBody>
+          <a:bodyPr rtlCol="0" anchor="ctr"/>
+          <a:lstStyle/>
+          <a:p>
+            <a:pPr algn="ctr"/>
+            <a:endParaRPr lang="en-US"/>
+          </a:p>
+        </p:txBody>
+      </p:sp>
+      <p:sp>
+        <p:nvSpPr>
+          <p:cNvPr id="12" name="Isosceles Triangle 11">
+            <a:extLst>
+              <a:ext uri="{FF2B5EF4-FFF2-40B4-BE49-F238E27FC236}">
+                <a16:creationId xmlns:a16="http://schemas.microsoft.com/office/drawing/2014/main" id="{A580F890-B085-4E95-96AA-55AEBEC5CE6E}"/>
+              </a:ext>
+              <a:ext uri="{C183D7F6-B498-43B3-948B-1728B52AA6E4}">
+                <adec:decorative xmlns:adec="http://schemas.microsoft.com/office/drawing/2017/decorative" val="1"/>
+              </a:ext>
+            </a:extLst>
+          </p:cNvPr>
+          <p:cNvSpPr>
+            <a:spLocks noGrp="1" noRot="1" noChangeAspect="1" noMove="1" noResize="1" noEditPoints="1" noAdjustHandles="1" noChangeArrowheads="1" noChangeShapeType="1" noTextEdit="1"/>
+          </p:cNvSpPr>
+          <p:nvPr>
+            <p:extLst>
+              <p:ext uri="{386F3935-93C4-4BCD-93E2-E3B085C9AB24}">
+                <p16:designElem xmlns:p16="http://schemas.microsoft.com/office/powerpoint/2015/main" val="1"/>
+              </p:ext>
+            </p:extLst>
+          </p:nvPr>
+        </p:nvSpPr>
+        <p:spPr>
+          <a:xfrm rot="16200000">
+            <a:off x="10289068" y="1343027"/>
+            <a:ext cx="2532832" cy="1273032"/>
+          </a:xfrm>
+          <a:prstGeom prst="triangle">
+            <a:avLst>
+              <a:gd name="adj" fmla="val 50000"/>
+            </a:avLst>
+          </a:prstGeom>
+          <a:solidFill>
+            <a:schemeClr val="accent4">
+              <a:alpha val="30000"/>
+            </a:schemeClr>
+          </a:solidFill>
+          <a:ln>
+            <a:noFill/>
+          </a:ln>
+        </p:spPr>
+        <p:style>
+          <a:lnRef idx="2">
+            <a:schemeClr val="accent1">
+              <a:shade val="50000"/>
+            </a:schemeClr>
+          </a:lnRef>
+          <a:fillRef idx="1">
+            <a:schemeClr val="accent1"/>
+          </a:fillRef>
+          <a:effectRef idx="0">
+            <a:schemeClr val="accent1"/>
+          </a:effectRef>
+          <a:fontRef idx="minor">
+            <a:schemeClr val="lt1"/>
+          </a:fontRef>
+        </p:style>
+        <p:txBody>
+          <a:bodyPr rtlCol="0" anchor="ctr"/>
+          <a:lstStyle/>
+          <a:p>
+            <a:pPr algn="ctr"/>
+            <a:endParaRPr lang="en-US"/>
+          </a:p>
+        </p:txBody>
+      </p:sp>
+      <p:sp>
+        <p:nvSpPr>
+          <p:cNvPr id="14" name="Isosceles Triangle 13">
+            <a:extLst>
+              <a:ext uri="{FF2B5EF4-FFF2-40B4-BE49-F238E27FC236}">
+                <a16:creationId xmlns:a16="http://schemas.microsoft.com/office/drawing/2014/main" id="{D3F51FEB-38FB-4F6C-9F7B-2F2AFAB65463}"/>
+              </a:ext>
+              <a:ext uri="{C183D7F6-B498-43B3-948B-1728B52AA6E4}">
+                <adec:decorative xmlns:adec="http://schemas.microsoft.com/office/drawing/2017/decorative" val="1"/>
+              </a:ext>
+            </a:extLst>
+          </p:cNvPr>
+          <p:cNvSpPr>
+            <a:spLocks noGrp="1" noRot="1" noChangeAspect="1" noMove="1" noResize="1" noEditPoints="1" noAdjustHandles="1" noChangeArrowheads="1" noChangeShapeType="1" noTextEdit="1"/>
+          </p:cNvSpPr>
+          <p:nvPr>
+            <p:extLst>
+              <p:ext uri="{386F3935-93C4-4BCD-93E2-E3B085C9AB24}">
+                <p16:designElem xmlns:p16="http://schemas.microsoft.com/office/powerpoint/2015/main" val="1"/>
+              </p:ext>
+            </p:extLst>
+          </p:nvPr>
+        </p:nvSpPr>
+        <p:spPr>
+          <a:xfrm rot="5400000">
+            <a:off x="-501760" y="5103257"/>
+            <a:ext cx="2017580" cy="1014060"/>
+          </a:xfrm>
+          <a:prstGeom prst="triangle">
+            <a:avLst>
+              <a:gd name="adj" fmla="val 50000"/>
+            </a:avLst>
+          </a:prstGeom>
+          <a:solidFill>
+            <a:schemeClr val="accent1">
+              <a:alpha val="30000"/>
+            </a:schemeClr>
+          </a:solidFill>
+          <a:ln>
+            <a:noFill/>
+          </a:ln>
+        </p:spPr>
+        <p:style>
+          <a:lnRef idx="2">
+            <a:schemeClr val="accent1">
+              <a:shade val="50000"/>
+            </a:schemeClr>
+          </a:lnRef>
+          <a:fillRef idx="1">
+            <a:schemeClr val="accent1"/>
+          </a:fillRef>
+          <a:effectRef idx="0">
+            <a:schemeClr val="accent1"/>
+          </a:effectRef>
+          <a:fontRef idx="minor">
+            <a:schemeClr val="lt1"/>
+          </a:fontRef>
+        </p:style>
+        <p:txBody>
+          <a:bodyPr wrap="square" rtlCol="0" anchor="ctr">
+            <a:noAutofit/>
+          </a:bodyPr>
+          <a:lstStyle/>
+          <a:p>
+            <a:pPr algn="ctr"/>
+            <a:endParaRPr lang="en-US"/>
+          </a:p>
+        </p:txBody>
+      </p:sp>
+      <p:sp>
+        <p:nvSpPr>
+          <p:cNvPr id="16" name="Rectangle 15">
+            <a:extLst>
+              <a:ext uri="{FF2B5EF4-FFF2-40B4-BE49-F238E27FC236}">
+                <a16:creationId xmlns:a16="http://schemas.microsoft.com/office/drawing/2014/main" id="{1E547BA6-BAE0-43BB-A7CA-60F69CE252F0}"/>
+              </a:ext>
+              <a:ext uri="{C183D7F6-B498-43B3-948B-1728B52AA6E4}">
+                <adec:decorative xmlns:adec="http://schemas.microsoft.com/office/drawing/2017/decorative" val="1"/>
+              </a:ext>
+            </a:extLst>
+          </p:cNvPr>
+          <p:cNvSpPr>
+            <a:spLocks noGrp="1" noRot="1" noChangeAspect="1" noMove="1" noResize="1" noEditPoints="1" noAdjustHandles="1" noChangeArrowheads="1" noChangeShapeType="1" noTextEdit="1"/>
+          </p:cNvSpPr>
+          <p:nvPr>
+            <p:extLst>
+              <p:ext uri="{386F3935-93C4-4BCD-93E2-E3B085C9AB24}">
+                <p16:designElem xmlns:p16="http://schemas.microsoft.com/office/powerpoint/2015/main" val="1"/>
+              </p:ext>
+            </p:extLst>
+          </p:nvPr>
+        </p:nvSpPr>
+        <p:spPr>
+          <a:xfrm rot="2700000">
+            <a:off x="427916" y="5728708"/>
+            <a:ext cx="485578" cy="485578"/>
+          </a:xfrm>
+          <a:prstGeom prst="rect">
+            <a:avLst/>
+          </a:prstGeom>
+          <a:solidFill>
+            <a:schemeClr val="accent1">
+              <a:alpha val="30000"/>
+            </a:schemeClr>
+          </a:solidFill>
+          <a:ln>
+            <a:noFill/>
+          </a:ln>
+        </p:spPr>
+        <p:style>
+          <a:lnRef idx="2">
+            <a:schemeClr val="accent1">
+              <a:shade val="50000"/>
+            </a:schemeClr>
+          </a:lnRef>
+          <a:fillRef idx="1">
+            <a:schemeClr val="accent1"/>
+          </a:fillRef>
+          <a:effectRef idx="0">
+            <a:schemeClr val="accent1"/>
+          </a:effectRef>
+          <a:fontRef idx="minor">
+            <a:schemeClr val="lt1"/>
+          </a:fontRef>
+        </p:style>
+        <p:txBody>
+          <a:bodyPr wrap="square" rtlCol="0" anchor="ctr">
+            <a:noAutofit/>
+          </a:bodyPr>
+          <a:lstStyle/>
+          <a:p>
+            <a:pPr algn="ctr"/>
+            <a:endParaRPr lang="en-US"/>
           </a:p>
         </p:txBody>
       </p:sp>
@@ -4147,6 +6401,14 @@
 <file path=ppt/slides/slide6.xml><?xml version="1.0" encoding="utf-8"?>
 <p:sld xmlns:a="http://schemas.openxmlformats.org/drawingml/2006/main" xmlns:r="http://schemas.openxmlformats.org/officeDocument/2006/relationships" xmlns:p="http://schemas.openxmlformats.org/presentationml/2006/main">
   <p:cSld>
+    <p:bg>
+      <p:bgPr>
+        <a:solidFill>
+          <a:schemeClr val="bg1"/>
+        </a:solidFill>
+        <a:effectLst/>
+      </p:bgPr>
+    </p:bg>
     <p:spTree>
       <p:nvGrpSpPr>
         <p:cNvPr id="1" name=""/>
@@ -4163,6 +6425,69 @@
       </p:grpSpPr>
       <p:sp>
         <p:nvSpPr>
+          <p:cNvPr id="8" name="Rectangle 7">
+            <a:extLst>
+              <a:ext uri="{FF2B5EF4-FFF2-40B4-BE49-F238E27FC236}">
+                <a16:creationId xmlns:a16="http://schemas.microsoft.com/office/drawing/2014/main" id="{2B566528-1B12-4246-9431-5C2D7D081168}"/>
+              </a:ext>
+              <a:ext uri="{C183D7F6-B498-43B3-948B-1728B52AA6E4}">
+                <adec:decorative xmlns:adec="http://schemas.microsoft.com/office/drawing/2017/decorative" val="1"/>
+              </a:ext>
+            </a:extLst>
+          </p:cNvPr>
+          <p:cNvSpPr>
+            <a:spLocks noGrp="1" noRot="1" noChangeAspect="1" noMove="1" noResize="1" noEditPoints="1" noAdjustHandles="1" noChangeArrowheads="1" noChangeShapeType="1" noTextEdit="1"/>
+          </p:cNvSpPr>
+          <p:nvPr>
+            <p:extLst>
+              <p:ext uri="{386F3935-93C4-4BCD-93E2-E3B085C9AB24}">
+                <p16:designElem xmlns:p16="http://schemas.microsoft.com/office/powerpoint/2015/main" val="1"/>
+              </p:ext>
+            </p:extLst>
+          </p:nvPr>
+        </p:nvSpPr>
+        <p:spPr>
+          <a:xfrm>
+            <a:off x="0" y="0"/>
+            <a:ext cx="12192000" cy="6858000"/>
+          </a:xfrm>
+          <a:prstGeom prst="rect">
+            <a:avLst/>
+          </a:prstGeom>
+          <a:solidFill>
+            <a:schemeClr val="bg1"/>
+          </a:solidFill>
+          <a:ln>
+            <a:noFill/>
+          </a:ln>
+        </p:spPr>
+        <p:style>
+          <a:lnRef idx="2">
+            <a:schemeClr val="accent1">
+              <a:shade val="50000"/>
+            </a:schemeClr>
+          </a:lnRef>
+          <a:fillRef idx="1">
+            <a:schemeClr val="accent1"/>
+          </a:fillRef>
+          <a:effectRef idx="0">
+            <a:schemeClr val="accent1"/>
+          </a:effectRef>
+          <a:fontRef idx="minor">
+            <a:schemeClr val="lt1"/>
+          </a:fontRef>
+        </p:style>
+        <p:txBody>
+          <a:bodyPr rtlCol="0" anchor="ctr"/>
+          <a:lstStyle/>
+          <a:p>
+            <a:pPr algn="ctr"/>
+            <a:endParaRPr lang="en-US" dirty="0"/>
+          </a:p>
+        </p:txBody>
+      </p:sp>
+      <p:sp>
+        <p:nvSpPr>
           <p:cNvPr id="2" name="Title 1">
             <a:extLst>
               <a:ext uri="{FF2B5EF4-FFF2-40B4-BE49-F238E27FC236}">
@@ -4177,13 +6502,24 @@
             <p:ph type="title"/>
           </p:nvPr>
         </p:nvSpPr>
-        <p:spPr/>
-        <p:txBody>
-          <a:bodyPr/>
-          <a:lstStyle/>
-          <a:p>
-            <a:r>
-              <a:rPr lang="en-US" dirty="0"/>
+        <p:spPr>
+          <a:xfrm>
+            <a:off x="643467" y="321734"/>
+            <a:ext cx="10905066" cy="1135737"/>
+          </a:xfrm>
+        </p:spPr>
+        <p:txBody>
+          <a:bodyPr>
+            <a:normAutofit/>
+          </a:bodyPr>
+          <a:lstStyle/>
+          <a:p>
+            <a:r>
+              <a:rPr lang="en-US" sz="4000" dirty="0">
+                <a:solidFill>
+                  <a:schemeClr val="accent1"/>
+                </a:solidFill>
+              </a:rPr>
               <a:t>Lab Tips</a:t>
             </a:r>
           </a:p>
@@ -4205,9 +6541,16 @@
             <p:ph idx="1"/>
           </p:nvPr>
         </p:nvSpPr>
-        <p:spPr/>
-        <p:txBody>
-          <a:bodyPr/>
+        <p:spPr>
+          <a:xfrm>
+            <a:off x="643467" y="1782981"/>
+            <a:ext cx="10905066" cy="4393982"/>
+          </a:xfrm>
+        </p:spPr>
+        <p:txBody>
+          <a:bodyPr>
+            <a:normAutofit/>
+          </a:bodyPr>
           <a:lstStyle/>
           <a:p>
             <a:r>
@@ -4218,7 +6561,19 @@
           <a:p>
             <a:r>
               <a:rPr lang="en-US" dirty="0"/>
-              <a:t>You must work on your lab assignments independently. DO NOT COPY.</a:t>
+              <a:t>You must work on your lab assignments independently. </a:t>
+            </a:r>
+            <a:r>
+              <a:rPr lang="en-US" dirty="0">
+                <a:solidFill>
+                  <a:srgbClr val="FF0000"/>
+                </a:solidFill>
+              </a:rPr>
+              <a:t>DO NOT COPY</a:t>
+            </a:r>
+            <a:r>
+              <a:rPr lang="en-US" dirty="0"/>
+              <a:t>.</a:t>
             </a:r>
           </a:p>
           <a:p>
@@ -4227,12 +6582,280 @@
             </a:pPr>
             <a:r>
               <a:rPr lang="en-US" b="1" dirty="0"/>
-              <a:t>      An Aggie does not lie, cheat or steal or tolerate those who do </a:t>
+              <a:t>      An Aggie does not lie, cheat or steal or tolerate those who do. </a:t>
             </a:r>
             <a:endParaRPr lang="en-US" dirty="0"/>
           </a:p>
           <a:p>
             <a:endParaRPr lang="en-US" dirty="0"/>
+          </a:p>
+        </p:txBody>
+      </p:sp>
+      <p:sp>
+        <p:nvSpPr>
+          <p:cNvPr id="10" name="Rectangle 9">
+            <a:extLst>
+              <a:ext uri="{FF2B5EF4-FFF2-40B4-BE49-F238E27FC236}">
+                <a16:creationId xmlns:a16="http://schemas.microsoft.com/office/drawing/2014/main" id="{2E80C965-DB6D-4F81-9E9E-B027384D0BD6}"/>
+              </a:ext>
+              <a:ext uri="{C183D7F6-B498-43B3-948B-1728B52AA6E4}">
+                <adec:decorative xmlns:adec="http://schemas.microsoft.com/office/drawing/2017/decorative" val="1"/>
+              </a:ext>
+            </a:extLst>
+          </p:cNvPr>
+          <p:cNvSpPr>
+            <a:spLocks noGrp="1" noRot="1" noChangeAspect="1" noMove="1" noResize="1" noEditPoints="1" noAdjustHandles="1" noChangeArrowheads="1" noChangeShapeType="1" noTextEdit="1"/>
+          </p:cNvSpPr>
+          <p:nvPr>
+            <p:extLst>
+              <p:ext uri="{386F3935-93C4-4BCD-93E2-E3B085C9AB24}">
+                <p16:designElem xmlns:p16="http://schemas.microsoft.com/office/powerpoint/2015/main" val="1"/>
+              </p:ext>
+            </p:extLst>
+          </p:nvPr>
+        </p:nvSpPr>
+        <p:spPr>
+          <a:xfrm rot="2700000">
+            <a:off x="11052629" y="2120024"/>
+            <a:ext cx="645368" cy="645368"/>
+          </a:xfrm>
+          <a:prstGeom prst="rect">
+            <a:avLst/>
+          </a:prstGeom>
+          <a:solidFill>
+            <a:schemeClr val="accent4">
+              <a:alpha val="30000"/>
+            </a:schemeClr>
+          </a:solidFill>
+          <a:ln>
+            <a:noFill/>
+          </a:ln>
+        </p:spPr>
+        <p:style>
+          <a:lnRef idx="2">
+            <a:schemeClr val="accent1">
+              <a:shade val="50000"/>
+            </a:schemeClr>
+          </a:lnRef>
+          <a:fillRef idx="1">
+            <a:schemeClr val="accent1"/>
+          </a:fillRef>
+          <a:effectRef idx="0">
+            <a:schemeClr val="accent1"/>
+          </a:effectRef>
+          <a:fontRef idx="minor">
+            <a:schemeClr val="lt1"/>
+          </a:fontRef>
+        </p:style>
+        <p:txBody>
+          <a:bodyPr rtlCol="0" anchor="ctr"/>
+          <a:lstStyle/>
+          <a:p>
+            <a:pPr algn="ctr"/>
+            <a:endParaRPr lang="en-US"/>
+          </a:p>
+        </p:txBody>
+      </p:sp>
+      <p:sp>
+        <p:nvSpPr>
+          <p:cNvPr id="12" name="Isosceles Triangle 11">
+            <a:extLst>
+              <a:ext uri="{FF2B5EF4-FFF2-40B4-BE49-F238E27FC236}">
+                <a16:creationId xmlns:a16="http://schemas.microsoft.com/office/drawing/2014/main" id="{A580F890-B085-4E95-96AA-55AEBEC5CE6E}"/>
+              </a:ext>
+              <a:ext uri="{C183D7F6-B498-43B3-948B-1728B52AA6E4}">
+                <adec:decorative xmlns:adec="http://schemas.microsoft.com/office/drawing/2017/decorative" val="1"/>
+              </a:ext>
+            </a:extLst>
+          </p:cNvPr>
+          <p:cNvSpPr>
+            <a:spLocks noGrp="1" noRot="1" noChangeAspect="1" noMove="1" noResize="1" noEditPoints="1" noAdjustHandles="1" noChangeArrowheads="1" noChangeShapeType="1" noTextEdit="1"/>
+          </p:cNvSpPr>
+          <p:nvPr>
+            <p:extLst>
+              <p:ext uri="{386F3935-93C4-4BCD-93E2-E3B085C9AB24}">
+                <p16:designElem xmlns:p16="http://schemas.microsoft.com/office/powerpoint/2015/main" val="1"/>
+              </p:ext>
+            </p:extLst>
+          </p:nvPr>
+        </p:nvSpPr>
+        <p:spPr>
+          <a:xfrm rot="16200000">
+            <a:off x="10289068" y="1343027"/>
+            <a:ext cx="2532832" cy="1273032"/>
+          </a:xfrm>
+          <a:prstGeom prst="triangle">
+            <a:avLst>
+              <a:gd name="adj" fmla="val 50000"/>
+            </a:avLst>
+          </a:prstGeom>
+          <a:solidFill>
+            <a:schemeClr val="accent4">
+              <a:alpha val="30000"/>
+            </a:schemeClr>
+          </a:solidFill>
+          <a:ln>
+            <a:noFill/>
+          </a:ln>
+        </p:spPr>
+        <p:style>
+          <a:lnRef idx="2">
+            <a:schemeClr val="accent1">
+              <a:shade val="50000"/>
+            </a:schemeClr>
+          </a:lnRef>
+          <a:fillRef idx="1">
+            <a:schemeClr val="accent1"/>
+          </a:fillRef>
+          <a:effectRef idx="0">
+            <a:schemeClr val="accent1"/>
+          </a:effectRef>
+          <a:fontRef idx="minor">
+            <a:schemeClr val="lt1"/>
+          </a:fontRef>
+        </p:style>
+        <p:txBody>
+          <a:bodyPr rtlCol="0" anchor="ctr"/>
+          <a:lstStyle/>
+          <a:p>
+            <a:pPr algn="ctr"/>
+            <a:endParaRPr lang="en-US"/>
+          </a:p>
+        </p:txBody>
+      </p:sp>
+      <p:sp>
+        <p:nvSpPr>
+          <p:cNvPr id="14" name="Isosceles Triangle 13">
+            <a:extLst>
+              <a:ext uri="{FF2B5EF4-FFF2-40B4-BE49-F238E27FC236}">
+                <a16:creationId xmlns:a16="http://schemas.microsoft.com/office/drawing/2014/main" id="{D3F51FEB-38FB-4F6C-9F7B-2F2AFAB65463}"/>
+              </a:ext>
+              <a:ext uri="{C183D7F6-B498-43B3-948B-1728B52AA6E4}">
+                <adec:decorative xmlns:adec="http://schemas.microsoft.com/office/drawing/2017/decorative" val="1"/>
+              </a:ext>
+            </a:extLst>
+          </p:cNvPr>
+          <p:cNvSpPr>
+            <a:spLocks noGrp="1" noRot="1" noChangeAspect="1" noMove="1" noResize="1" noEditPoints="1" noAdjustHandles="1" noChangeArrowheads="1" noChangeShapeType="1" noTextEdit="1"/>
+          </p:cNvSpPr>
+          <p:nvPr>
+            <p:extLst>
+              <p:ext uri="{386F3935-93C4-4BCD-93E2-E3B085C9AB24}">
+                <p16:designElem xmlns:p16="http://schemas.microsoft.com/office/powerpoint/2015/main" val="1"/>
+              </p:ext>
+            </p:extLst>
+          </p:nvPr>
+        </p:nvSpPr>
+        <p:spPr>
+          <a:xfrm rot="5400000">
+            <a:off x="-501760" y="5103257"/>
+            <a:ext cx="2017580" cy="1014060"/>
+          </a:xfrm>
+          <a:prstGeom prst="triangle">
+            <a:avLst>
+              <a:gd name="adj" fmla="val 50000"/>
+            </a:avLst>
+          </a:prstGeom>
+          <a:solidFill>
+            <a:schemeClr val="accent1">
+              <a:alpha val="30000"/>
+            </a:schemeClr>
+          </a:solidFill>
+          <a:ln>
+            <a:noFill/>
+          </a:ln>
+        </p:spPr>
+        <p:style>
+          <a:lnRef idx="2">
+            <a:schemeClr val="accent1">
+              <a:shade val="50000"/>
+            </a:schemeClr>
+          </a:lnRef>
+          <a:fillRef idx="1">
+            <a:schemeClr val="accent1"/>
+          </a:fillRef>
+          <a:effectRef idx="0">
+            <a:schemeClr val="accent1"/>
+          </a:effectRef>
+          <a:fontRef idx="minor">
+            <a:schemeClr val="lt1"/>
+          </a:fontRef>
+        </p:style>
+        <p:txBody>
+          <a:bodyPr wrap="square" rtlCol="0" anchor="ctr">
+            <a:noAutofit/>
+          </a:bodyPr>
+          <a:lstStyle/>
+          <a:p>
+            <a:pPr algn="ctr"/>
+            <a:endParaRPr lang="en-US"/>
+          </a:p>
+        </p:txBody>
+      </p:sp>
+      <p:sp>
+        <p:nvSpPr>
+          <p:cNvPr id="16" name="Rectangle 15">
+            <a:extLst>
+              <a:ext uri="{FF2B5EF4-FFF2-40B4-BE49-F238E27FC236}">
+                <a16:creationId xmlns:a16="http://schemas.microsoft.com/office/drawing/2014/main" id="{1E547BA6-BAE0-43BB-A7CA-60F69CE252F0}"/>
+              </a:ext>
+              <a:ext uri="{C183D7F6-B498-43B3-948B-1728B52AA6E4}">
+                <adec:decorative xmlns:adec="http://schemas.microsoft.com/office/drawing/2017/decorative" val="1"/>
+              </a:ext>
+            </a:extLst>
+          </p:cNvPr>
+          <p:cNvSpPr>
+            <a:spLocks noGrp="1" noRot="1" noChangeAspect="1" noMove="1" noResize="1" noEditPoints="1" noAdjustHandles="1" noChangeArrowheads="1" noChangeShapeType="1" noTextEdit="1"/>
+          </p:cNvSpPr>
+          <p:nvPr>
+            <p:extLst>
+              <p:ext uri="{386F3935-93C4-4BCD-93E2-E3B085C9AB24}">
+                <p16:designElem xmlns:p16="http://schemas.microsoft.com/office/powerpoint/2015/main" val="1"/>
+              </p:ext>
+            </p:extLst>
+          </p:nvPr>
+        </p:nvSpPr>
+        <p:spPr>
+          <a:xfrm rot="2700000">
+            <a:off x="427916" y="5728708"/>
+            <a:ext cx="485578" cy="485578"/>
+          </a:xfrm>
+          <a:prstGeom prst="rect">
+            <a:avLst/>
+          </a:prstGeom>
+          <a:solidFill>
+            <a:schemeClr val="accent1">
+              <a:alpha val="30000"/>
+            </a:schemeClr>
+          </a:solidFill>
+          <a:ln>
+            <a:noFill/>
+          </a:ln>
+        </p:spPr>
+        <p:style>
+          <a:lnRef idx="2">
+            <a:schemeClr val="accent1">
+              <a:shade val="50000"/>
+            </a:schemeClr>
+          </a:lnRef>
+          <a:fillRef idx="1">
+            <a:schemeClr val="accent1"/>
+          </a:fillRef>
+          <a:effectRef idx="0">
+            <a:schemeClr val="accent1"/>
+          </a:effectRef>
+          <a:fontRef idx="minor">
+            <a:schemeClr val="lt1"/>
+          </a:fontRef>
+        </p:style>
+        <p:txBody>
+          <a:bodyPr wrap="square" rtlCol="0" anchor="ctr">
+            <a:noAutofit/>
+          </a:bodyPr>
+          <a:lstStyle/>
+          <a:p>
+            <a:pPr algn="ctr"/>
+            <a:endParaRPr lang="en-US"/>
           </a:p>
         </p:txBody>
       </p:sp>
@@ -4252,6 +6875,14 @@
 <file path=ppt/slides/slide7.xml><?xml version="1.0" encoding="utf-8"?>
 <p:sld xmlns:a="http://schemas.openxmlformats.org/drawingml/2006/main" xmlns:r="http://schemas.openxmlformats.org/officeDocument/2006/relationships" xmlns:p="http://schemas.openxmlformats.org/presentationml/2006/main">
   <p:cSld>
+    <p:bg>
+      <p:bgPr>
+        <a:solidFill>
+          <a:schemeClr val="bg1"/>
+        </a:solidFill>
+        <a:effectLst/>
+      </p:bgPr>
+    </p:bg>
     <p:spTree>
       <p:nvGrpSpPr>
         <p:cNvPr id="1" name=""/>
@@ -4268,6 +6899,69 @@
       </p:grpSpPr>
       <p:sp>
         <p:nvSpPr>
+          <p:cNvPr id="8" name="Rectangle 7">
+            <a:extLst>
+              <a:ext uri="{FF2B5EF4-FFF2-40B4-BE49-F238E27FC236}">
+                <a16:creationId xmlns:a16="http://schemas.microsoft.com/office/drawing/2014/main" id="{2B566528-1B12-4246-9431-5C2D7D081168}"/>
+              </a:ext>
+              <a:ext uri="{C183D7F6-B498-43B3-948B-1728B52AA6E4}">
+                <adec:decorative xmlns:adec="http://schemas.microsoft.com/office/drawing/2017/decorative" val="1"/>
+              </a:ext>
+            </a:extLst>
+          </p:cNvPr>
+          <p:cNvSpPr>
+            <a:spLocks noGrp="1" noRot="1" noChangeAspect="1" noMove="1" noResize="1" noEditPoints="1" noAdjustHandles="1" noChangeArrowheads="1" noChangeShapeType="1" noTextEdit="1"/>
+          </p:cNvSpPr>
+          <p:nvPr>
+            <p:extLst>
+              <p:ext uri="{386F3935-93C4-4BCD-93E2-E3B085C9AB24}">
+                <p16:designElem xmlns:p16="http://schemas.microsoft.com/office/powerpoint/2015/main" val="1"/>
+              </p:ext>
+            </p:extLst>
+          </p:nvPr>
+        </p:nvSpPr>
+        <p:spPr>
+          <a:xfrm>
+            <a:off x="0" y="0"/>
+            <a:ext cx="12192000" cy="6858000"/>
+          </a:xfrm>
+          <a:prstGeom prst="rect">
+            <a:avLst/>
+          </a:prstGeom>
+          <a:solidFill>
+            <a:schemeClr val="bg1"/>
+          </a:solidFill>
+          <a:ln>
+            <a:noFill/>
+          </a:ln>
+        </p:spPr>
+        <p:style>
+          <a:lnRef idx="2">
+            <a:schemeClr val="accent1">
+              <a:shade val="50000"/>
+            </a:schemeClr>
+          </a:lnRef>
+          <a:fillRef idx="1">
+            <a:schemeClr val="accent1"/>
+          </a:fillRef>
+          <a:effectRef idx="0">
+            <a:schemeClr val="accent1"/>
+          </a:effectRef>
+          <a:fontRef idx="minor">
+            <a:schemeClr val="lt1"/>
+          </a:fontRef>
+        </p:style>
+        <p:txBody>
+          <a:bodyPr rtlCol="0" anchor="ctr"/>
+          <a:lstStyle/>
+          <a:p>
+            <a:pPr algn="ctr"/>
+            <a:endParaRPr lang="en-US" dirty="0"/>
+          </a:p>
+        </p:txBody>
+      </p:sp>
+      <p:sp>
+        <p:nvSpPr>
           <p:cNvPr id="2" name="Title 1">
             <a:extLst>
               <a:ext uri="{FF2B5EF4-FFF2-40B4-BE49-F238E27FC236}">
@@ -4282,13 +6976,24 @@
             <p:ph type="title"/>
           </p:nvPr>
         </p:nvSpPr>
-        <p:spPr/>
-        <p:txBody>
-          <a:bodyPr/>
-          <a:lstStyle/>
-          <a:p>
-            <a:r>
-              <a:rPr lang="en-US" dirty="0"/>
+        <p:spPr>
+          <a:xfrm>
+            <a:off x="643467" y="321734"/>
+            <a:ext cx="10905066" cy="1135737"/>
+          </a:xfrm>
+        </p:spPr>
+        <p:txBody>
+          <a:bodyPr>
+            <a:normAutofit/>
+          </a:bodyPr>
+          <a:lstStyle/>
+          <a:p>
+            <a:r>
+              <a:rPr lang="en-US" sz="4000" dirty="0">
+                <a:solidFill>
+                  <a:schemeClr val="accent1"/>
+                </a:solidFill>
+              </a:rPr>
               <a:t>Let’s Go!</a:t>
             </a:r>
           </a:p>
@@ -4310,9 +7015,16 @@
             <p:ph idx="1"/>
           </p:nvPr>
         </p:nvSpPr>
-        <p:spPr/>
-        <p:txBody>
-          <a:bodyPr/>
+        <p:spPr>
+          <a:xfrm>
+            <a:off x="643467" y="1782981"/>
+            <a:ext cx="10905066" cy="4393982"/>
+          </a:xfrm>
+        </p:spPr>
+        <p:txBody>
+          <a:bodyPr>
+            <a:normAutofit/>
+          </a:bodyPr>
           <a:lstStyle/>
           <a:p>
             <a:r>
@@ -4331,6 +7043,274 @@
               <a:rPr lang="en-US" dirty="0"/>
               <a:t>Lab 0 is for practice and will not be graded.</a:t>
             </a:r>
+          </a:p>
+        </p:txBody>
+      </p:sp>
+      <p:sp>
+        <p:nvSpPr>
+          <p:cNvPr id="10" name="Rectangle 9">
+            <a:extLst>
+              <a:ext uri="{FF2B5EF4-FFF2-40B4-BE49-F238E27FC236}">
+                <a16:creationId xmlns:a16="http://schemas.microsoft.com/office/drawing/2014/main" id="{2E80C965-DB6D-4F81-9E9E-B027384D0BD6}"/>
+              </a:ext>
+              <a:ext uri="{C183D7F6-B498-43B3-948B-1728B52AA6E4}">
+                <adec:decorative xmlns:adec="http://schemas.microsoft.com/office/drawing/2017/decorative" val="1"/>
+              </a:ext>
+            </a:extLst>
+          </p:cNvPr>
+          <p:cNvSpPr>
+            <a:spLocks noGrp="1" noRot="1" noChangeAspect="1" noMove="1" noResize="1" noEditPoints="1" noAdjustHandles="1" noChangeArrowheads="1" noChangeShapeType="1" noTextEdit="1"/>
+          </p:cNvSpPr>
+          <p:nvPr>
+            <p:extLst>
+              <p:ext uri="{386F3935-93C4-4BCD-93E2-E3B085C9AB24}">
+                <p16:designElem xmlns:p16="http://schemas.microsoft.com/office/powerpoint/2015/main" val="1"/>
+              </p:ext>
+            </p:extLst>
+          </p:nvPr>
+        </p:nvSpPr>
+        <p:spPr>
+          <a:xfrm rot="2700000">
+            <a:off x="11052629" y="2120024"/>
+            <a:ext cx="645368" cy="645368"/>
+          </a:xfrm>
+          <a:prstGeom prst="rect">
+            <a:avLst/>
+          </a:prstGeom>
+          <a:solidFill>
+            <a:schemeClr val="accent4">
+              <a:alpha val="30000"/>
+            </a:schemeClr>
+          </a:solidFill>
+          <a:ln>
+            <a:noFill/>
+          </a:ln>
+        </p:spPr>
+        <p:style>
+          <a:lnRef idx="2">
+            <a:schemeClr val="accent1">
+              <a:shade val="50000"/>
+            </a:schemeClr>
+          </a:lnRef>
+          <a:fillRef idx="1">
+            <a:schemeClr val="accent1"/>
+          </a:fillRef>
+          <a:effectRef idx="0">
+            <a:schemeClr val="accent1"/>
+          </a:effectRef>
+          <a:fontRef idx="minor">
+            <a:schemeClr val="lt1"/>
+          </a:fontRef>
+        </p:style>
+        <p:txBody>
+          <a:bodyPr rtlCol="0" anchor="ctr"/>
+          <a:lstStyle/>
+          <a:p>
+            <a:pPr algn="ctr"/>
+            <a:endParaRPr lang="en-US"/>
+          </a:p>
+        </p:txBody>
+      </p:sp>
+      <p:sp>
+        <p:nvSpPr>
+          <p:cNvPr id="12" name="Isosceles Triangle 11">
+            <a:extLst>
+              <a:ext uri="{FF2B5EF4-FFF2-40B4-BE49-F238E27FC236}">
+                <a16:creationId xmlns:a16="http://schemas.microsoft.com/office/drawing/2014/main" id="{A580F890-B085-4E95-96AA-55AEBEC5CE6E}"/>
+              </a:ext>
+              <a:ext uri="{C183D7F6-B498-43B3-948B-1728B52AA6E4}">
+                <adec:decorative xmlns:adec="http://schemas.microsoft.com/office/drawing/2017/decorative" val="1"/>
+              </a:ext>
+            </a:extLst>
+          </p:cNvPr>
+          <p:cNvSpPr>
+            <a:spLocks noGrp="1" noRot="1" noChangeAspect="1" noMove="1" noResize="1" noEditPoints="1" noAdjustHandles="1" noChangeArrowheads="1" noChangeShapeType="1" noTextEdit="1"/>
+          </p:cNvSpPr>
+          <p:nvPr>
+            <p:extLst>
+              <p:ext uri="{386F3935-93C4-4BCD-93E2-E3B085C9AB24}">
+                <p16:designElem xmlns:p16="http://schemas.microsoft.com/office/powerpoint/2015/main" val="1"/>
+              </p:ext>
+            </p:extLst>
+          </p:nvPr>
+        </p:nvSpPr>
+        <p:spPr>
+          <a:xfrm rot="16200000">
+            <a:off x="10289068" y="1343027"/>
+            <a:ext cx="2532832" cy="1273032"/>
+          </a:xfrm>
+          <a:prstGeom prst="triangle">
+            <a:avLst>
+              <a:gd name="adj" fmla="val 50000"/>
+            </a:avLst>
+          </a:prstGeom>
+          <a:solidFill>
+            <a:schemeClr val="accent4">
+              <a:alpha val="30000"/>
+            </a:schemeClr>
+          </a:solidFill>
+          <a:ln>
+            <a:noFill/>
+          </a:ln>
+        </p:spPr>
+        <p:style>
+          <a:lnRef idx="2">
+            <a:schemeClr val="accent1">
+              <a:shade val="50000"/>
+            </a:schemeClr>
+          </a:lnRef>
+          <a:fillRef idx="1">
+            <a:schemeClr val="accent1"/>
+          </a:fillRef>
+          <a:effectRef idx="0">
+            <a:schemeClr val="accent1"/>
+          </a:effectRef>
+          <a:fontRef idx="minor">
+            <a:schemeClr val="lt1"/>
+          </a:fontRef>
+        </p:style>
+        <p:txBody>
+          <a:bodyPr rtlCol="0" anchor="ctr"/>
+          <a:lstStyle/>
+          <a:p>
+            <a:pPr algn="ctr"/>
+            <a:endParaRPr lang="en-US"/>
+          </a:p>
+        </p:txBody>
+      </p:sp>
+      <p:sp>
+        <p:nvSpPr>
+          <p:cNvPr id="14" name="Isosceles Triangle 13">
+            <a:extLst>
+              <a:ext uri="{FF2B5EF4-FFF2-40B4-BE49-F238E27FC236}">
+                <a16:creationId xmlns:a16="http://schemas.microsoft.com/office/drawing/2014/main" id="{D3F51FEB-38FB-4F6C-9F7B-2F2AFAB65463}"/>
+              </a:ext>
+              <a:ext uri="{C183D7F6-B498-43B3-948B-1728B52AA6E4}">
+                <adec:decorative xmlns:adec="http://schemas.microsoft.com/office/drawing/2017/decorative" val="1"/>
+              </a:ext>
+            </a:extLst>
+          </p:cNvPr>
+          <p:cNvSpPr>
+            <a:spLocks noGrp="1" noRot="1" noChangeAspect="1" noMove="1" noResize="1" noEditPoints="1" noAdjustHandles="1" noChangeArrowheads="1" noChangeShapeType="1" noTextEdit="1"/>
+          </p:cNvSpPr>
+          <p:nvPr>
+            <p:extLst>
+              <p:ext uri="{386F3935-93C4-4BCD-93E2-E3B085C9AB24}">
+                <p16:designElem xmlns:p16="http://schemas.microsoft.com/office/powerpoint/2015/main" val="1"/>
+              </p:ext>
+            </p:extLst>
+          </p:nvPr>
+        </p:nvSpPr>
+        <p:spPr>
+          <a:xfrm rot="5400000">
+            <a:off x="-501760" y="5103257"/>
+            <a:ext cx="2017580" cy="1014060"/>
+          </a:xfrm>
+          <a:prstGeom prst="triangle">
+            <a:avLst>
+              <a:gd name="adj" fmla="val 50000"/>
+            </a:avLst>
+          </a:prstGeom>
+          <a:solidFill>
+            <a:schemeClr val="accent1">
+              <a:alpha val="30000"/>
+            </a:schemeClr>
+          </a:solidFill>
+          <a:ln>
+            <a:noFill/>
+          </a:ln>
+        </p:spPr>
+        <p:style>
+          <a:lnRef idx="2">
+            <a:schemeClr val="accent1">
+              <a:shade val="50000"/>
+            </a:schemeClr>
+          </a:lnRef>
+          <a:fillRef idx="1">
+            <a:schemeClr val="accent1"/>
+          </a:fillRef>
+          <a:effectRef idx="0">
+            <a:schemeClr val="accent1"/>
+          </a:effectRef>
+          <a:fontRef idx="minor">
+            <a:schemeClr val="lt1"/>
+          </a:fontRef>
+        </p:style>
+        <p:txBody>
+          <a:bodyPr wrap="square" rtlCol="0" anchor="ctr">
+            <a:noAutofit/>
+          </a:bodyPr>
+          <a:lstStyle/>
+          <a:p>
+            <a:pPr algn="ctr"/>
+            <a:endParaRPr lang="en-US"/>
+          </a:p>
+        </p:txBody>
+      </p:sp>
+      <p:sp>
+        <p:nvSpPr>
+          <p:cNvPr id="16" name="Rectangle 15">
+            <a:extLst>
+              <a:ext uri="{FF2B5EF4-FFF2-40B4-BE49-F238E27FC236}">
+                <a16:creationId xmlns:a16="http://schemas.microsoft.com/office/drawing/2014/main" id="{1E547BA6-BAE0-43BB-A7CA-60F69CE252F0}"/>
+              </a:ext>
+              <a:ext uri="{C183D7F6-B498-43B3-948B-1728B52AA6E4}">
+                <adec:decorative xmlns:adec="http://schemas.microsoft.com/office/drawing/2017/decorative" val="1"/>
+              </a:ext>
+            </a:extLst>
+          </p:cNvPr>
+          <p:cNvSpPr>
+            <a:spLocks noGrp="1" noRot="1" noChangeAspect="1" noMove="1" noResize="1" noEditPoints="1" noAdjustHandles="1" noChangeArrowheads="1" noChangeShapeType="1" noTextEdit="1"/>
+          </p:cNvSpPr>
+          <p:nvPr>
+            <p:extLst>
+              <p:ext uri="{386F3935-93C4-4BCD-93E2-E3B085C9AB24}">
+                <p16:designElem xmlns:p16="http://schemas.microsoft.com/office/powerpoint/2015/main" val="1"/>
+              </p:ext>
+            </p:extLst>
+          </p:nvPr>
+        </p:nvSpPr>
+        <p:spPr>
+          <a:xfrm rot="2700000">
+            <a:off x="427916" y="5728708"/>
+            <a:ext cx="485578" cy="485578"/>
+          </a:xfrm>
+          <a:prstGeom prst="rect">
+            <a:avLst/>
+          </a:prstGeom>
+          <a:solidFill>
+            <a:schemeClr val="accent1">
+              <a:alpha val="30000"/>
+            </a:schemeClr>
+          </a:solidFill>
+          <a:ln>
+            <a:noFill/>
+          </a:ln>
+        </p:spPr>
+        <p:style>
+          <a:lnRef idx="2">
+            <a:schemeClr val="accent1">
+              <a:shade val="50000"/>
+            </a:schemeClr>
+          </a:lnRef>
+          <a:fillRef idx="1">
+            <a:schemeClr val="accent1"/>
+          </a:fillRef>
+          <a:effectRef idx="0">
+            <a:schemeClr val="accent1"/>
+          </a:effectRef>
+          <a:fontRef idx="minor">
+            <a:schemeClr val="lt1"/>
+          </a:fontRef>
+        </p:style>
+        <p:txBody>
+          <a:bodyPr wrap="square" rtlCol="0" anchor="ctr">
+            <a:noAutofit/>
+          </a:bodyPr>
+          <a:lstStyle/>
+          <a:p>
+            <a:pPr algn="ctr"/>
+            <a:endParaRPr lang="en-US"/>
           </a:p>
         </p:txBody>
       </p:sp>
@@ -4350,6 +7330,14 @@
 <file path=ppt/slides/slide8.xml><?xml version="1.0" encoding="utf-8"?>
 <p:sld xmlns:a="http://schemas.openxmlformats.org/drawingml/2006/main" xmlns:r="http://schemas.openxmlformats.org/officeDocument/2006/relationships" xmlns:p="http://schemas.openxmlformats.org/presentationml/2006/main">
   <p:cSld>
+    <p:bg>
+      <p:bgPr>
+        <a:solidFill>
+          <a:schemeClr val="bg1"/>
+        </a:solidFill>
+        <a:effectLst/>
+      </p:bgPr>
+    </p:bg>
     <p:spTree>
       <p:nvGrpSpPr>
         <p:cNvPr id="1" name=""/>
@@ -4366,6 +7354,69 @@
       </p:grpSpPr>
       <p:sp>
         <p:nvSpPr>
+          <p:cNvPr id="8" name="Rectangle 7">
+            <a:extLst>
+              <a:ext uri="{FF2B5EF4-FFF2-40B4-BE49-F238E27FC236}">
+                <a16:creationId xmlns:a16="http://schemas.microsoft.com/office/drawing/2014/main" id="{2B566528-1B12-4246-9431-5C2D7D081168}"/>
+              </a:ext>
+              <a:ext uri="{C183D7F6-B498-43B3-948B-1728B52AA6E4}">
+                <adec:decorative xmlns:adec="http://schemas.microsoft.com/office/drawing/2017/decorative" val="1"/>
+              </a:ext>
+            </a:extLst>
+          </p:cNvPr>
+          <p:cNvSpPr>
+            <a:spLocks noGrp="1" noRot="1" noChangeAspect="1" noMove="1" noResize="1" noEditPoints="1" noAdjustHandles="1" noChangeArrowheads="1" noChangeShapeType="1" noTextEdit="1"/>
+          </p:cNvSpPr>
+          <p:nvPr>
+            <p:extLst>
+              <p:ext uri="{386F3935-93C4-4BCD-93E2-E3B085C9AB24}">
+                <p16:designElem xmlns:p16="http://schemas.microsoft.com/office/powerpoint/2015/main" val="1"/>
+              </p:ext>
+            </p:extLst>
+          </p:nvPr>
+        </p:nvSpPr>
+        <p:spPr>
+          <a:xfrm>
+            <a:off x="0" y="0"/>
+            <a:ext cx="12192000" cy="6858000"/>
+          </a:xfrm>
+          <a:prstGeom prst="rect">
+            <a:avLst/>
+          </a:prstGeom>
+          <a:solidFill>
+            <a:schemeClr val="bg1"/>
+          </a:solidFill>
+          <a:ln>
+            <a:noFill/>
+          </a:ln>
+        </p:spPr>
+        <p:style>
+          <a:lnRef idx="2">
+            <a:schemeClr val="accent1">
+              <a:shade val="50000"/>
+            </a:schemeClr>
+          </a:lnRef>
+          <a:fillRef idx="1">
+            <a:schemeClr val="accent1"/>
+          </a:fillRef>
+          <a:effectRef idx="0">
+            <a:schemeClr val="accent1"/>
+          </a:effectRef>
+          <a:fontRef idx="minor">
+            <a:schemeClr val="lt1"/>
+          </a:fontRef>
+        </p:style>
+        <p:txBody>
+          <a:bodyPr rtlCol="0" anchor="ctr"/>
+          <a:lstStyle/>
+          <a:p>
+            <a:pPr algn="ctr"/>
+            <a:endParaRPr lang="en-US" dirty="0"/>
+          </a:p>
+        </p:txBody>
+      </p:sp>
+      <p:sp>
+        <p:nvSpPr>
           <p:cNvPr id="2" name="Title 1">
             <a:extLst>
               <a:ext uri="{FF2B5EF4-FFF2-40B4-BE49-F238E27FC236}">
@@ -4380,13 +7431,24 @@
             <p:ph type="title"/>
           </p:nvPr>
         </p:nvSpPr>
-        <p:spPr/>
-        <p:txBody>
-          <a:bodyPr/>
-          <a:lstStyle/>
-          <a:p>
-            <a:r>
-              <a:rPr lang="en-US" dirty="0"/>
+        <p:spPr>
+          <a:xfrm>
+            <a:off x="643467" y="321734"/>
+            <a:ext cx="10905066" cy="1135737"/>
+          </a:xfrm>
+        </p:spPr>
+        <p:txBody>
+          <a:bodyPr>
+            <a:normAutofit/>
+          </a:bodyPr>
+          <a:lstStyle/>
+          <a:p>
+            <a:r>
+              <a:rPr lang="en-US" sz="4000" dirty="0">
+                <a:solidFill>
+                  <a:schemeClr val="accent1"/>
+                </a:solidFill>
+              </a:rPr>
               <a:t>Common Problems</a:t>
             </a:r>
           </a:p>
@@ -4408,10 +7470,15 @@
             <p:ph idx="1"/>
           </p:nvPr>
         </p:nvSpPr>
-        <p:spPr/>
+        <p:spPr>
+          <a:xfrm>
+            <a:off x="643467" y="1782981"/>
+            <a:ext cx="10905066" cy="4393982"/>
+          </a:xfrm>
+        </p:spPr>
         <p:txBody>
           <a:bodyPr>
-            <a:normAutofit fontScale="25000" lnSpcReduction="20000"/>
+            <a:normAutofit/>
           </a:bodyPr>
           <a:lstStyle/>
           <a:p>
@@ -4434,7 +7501,7 @@
             </a:pPr>
             <a:r>
               <a:rPr lang="en-US" dirty="0"/>
-              <a:t>	Contact CSE Helpdesk immediately with your problem claim: </a:t>
+              <a:t>	Contact CSE Helpdesk immediately</a:t>
             </a:r>
           </a:p>
           <a:p>
@@ -4512,143 +7579,273 @@
               <a:t> on campus, you don’t have to use VPN </a:t>
             </a:r>
           </a:p>
-          <a:p>
-            <a:r>
-              <a:rPr lang="en-US" dirty="0"/>
-              <a:t>Map your CSE H: Driver to your own computer </a:t>
-            </a:r>
-          </a:p>
-          <a:p>
-            <a:pPr marL="0" indent="0">
-              <a:buNone/>
-            </a:pPr>
-            <a:r>
-              <a:rPr lang="en-US" dirty="0"/>
-              <a:t>	</a:t>
-            </a:r>
-            <a:r>
-              <a:rPr lang="en-US" dirty="0" err="1"/>
-              <a:t>filer.cse.tamu.edu</a:t>
-            </a:r>
-            <a:r>
-              <a:rPr lang="en-US" dirty="0"/>
-              <a:t>\</a:t>
-            </a:r>
-            <a:r>
-              <a:rPr lang="en-US" dirty="0" err="1"/>
-              <a:t>ugrads</a:t>
-            </a:r>
-            <a:r>
-              <a:rPr lang="en-US" dirty="0"/>
-              <a:t>\</a:t>
-            </a:r>
-            <a:r>
-              <a:rPr lang="en-US" b="1" dirty="0"/>
-              <a:t>#</a:t>
-            </a:r>
-            <a:r>
-              <a:rPr lang="en-US" dirty="0"/>
-              <a:t>\</a:t>
-            </a:r>
-            <a:r>
-              <a:rPr lang="en-US" b="1" dirty="0" err="1"/>
-              <a:t>yourhowdyusername</a:t>
-            </a:r>
-            <a:r>
-              <a:rPr lang="en-US" b="1" dirty="0"/>
-              <a:t> </a:t>
-            </a:r>
-            <a:endParaRPr lang="en-US" dirty="0"/>
-          </a:p>
-          <a:p>
-            <a:pPr marL="0" indent="0">
-              <a:buNone/>
-            </a:pPr>
-            <a:r>
-              <a:rPr lang="en-US" b="1" dirty="0"/>
-              <a:t>	"#”</a:t>
-            </a:r>
-            <a:r>
-              <a:rPr lang="en-US" dirty="0"/>
-              <a:t>: the first letter of your howdy username </a:t>
-            </a:r>
-          </a:p>
-          <a:p>
-            <a:pPr marL="0" indent="0">
-              <a:buNone/>
-            </a:pPr>
-            <a:r>
-              <a:rPr lang="en-US" dirty="0"/>
-              <a:t>	Use </a:t>
-            </a:r>
-            <a:r>
-              <a:rPr lang="en-US" b="1" dirty="0"/>
-              <a:t>auth\</a:t>
-            </a:r>
-            <a:r>
-              <a:rPr lang="en-US" b="1" dirty="0" err="1"/>
-              <a:t>yourhowdyusername</a:t>
-            </a:r>
-            <a:r>
-              <a:rPr lang="en-US" b="1" dirty="0"/>
-              <a:t> </a:t>
-            </a:r>
-            <a:r>
-              <a:rPr lang="en-US" dirty="0"/>
-              <a:t>not </a:t>
-            </a:r>
-            <a:r>
-              <a:rPr lang="en-US" dirty="0" err="1"/>
-              <a:t>yourusername</a:t>
-            </a:r>
-            <a:r>
-              <a:rPr lang="en-US" dirty="0"/>
-              <a:t> directly </a:t>
-            </a:r>
-          </a:p>
-          <a:p>
-            <a:r>
-              <a:rPr lang="en-US" dirty="0"/>
-              <a:t>Name your c code </a:t>
-            </a:r>
-          </a:p>
-          <a:p>
-            <a:pPr marL="0" indent="0">
-              <a:buNone/>
-            </a:pPr>
-            <a:r>
-              <a:rPr lang="en-US" dirty="0"/>
-              <a:t>	Don’t leave blank there, like </a:t>
-            </a:r>
-            <a:r>
-              <a:rPr lang="en-US" dirty="0" err="1"/>
-              <a:t>hw</a:t>
-            </a:r>
-            <a:r>
-              <a:rPr lang="en-US" dirty="0"/>
-              <a:t> 1.c and this will cause </a:t>
-            </a:r>
-            <a:r>
-              <a:rPr lang="en-US" dirty="0" err="1"/>
-              <a:t>gcc</a:t>
-            </a:r>
-            <a:r>
-              <a:rPr lang="en-US" dirty="0"/>
-              <a:t> compiler’s malfunction. </a:t>
-            </a:r>
-          </a:p>
-          <a:p>
-            <a:pPr marL="0" indent="0">
-              <a:buNone/>
-            </a:pPr>
-            <a:r>
-              <a:rPr lang="en-US" b="1" dirty="0"/>
-              <a:t>	Correct hw1.c </a:t>
-            </a:r>
-            <a:endParaRPr lang="en-US" dirty="0"/>
-          </a:p>
-          <a:p>
-            <a:endParaRPr lang="en-US" dirty="0"/>
+        </p:txBody>
+      </p:sp>
+      <p:sp>
+        <p:nvSpPr>
+          <p:cNvPr id="10" name="Rectangle 9">
+            <a:extLst>
+              <a:ext uri="{FF2B5EF4-FFF2-40B4-BE49-F238E27FC236}">
+                <a16:creationId xmlns:a16="http://schemas.microsoft.com/office/drawing/2014/main" id="{2E80C965-DB6D-4F81-9E9E-B027384D0BD6}"/>
+              </a:ext>
+              <a:ext uri="{C183D7F6-B498-43B3-948B-1728B52AA6E4}">
+                <adec:decorative xmlns:adec="http://schemas.microsoft.com/office/drawing/2017/decorative" val="1"/>
+              </a:ext>
+            </a:extLst>
+          </p:cNvPr>
+          <p:cNvSpPr>
+            <a:spLocks noGrp="1" noRot="1" noChangeAspect="1" noMove="1" noResize="1" noEditPoints="1" noAdjustHandles="1" noChangeArrowheads="1" noChangeShapeType="1" noTextEdit="1"/>
+          </p:cNvSpPr>
+          <p:nvPr>
+            <p:extLst>
+              <p:ext uri="{386F3935-93C4-4BCD-93E2-E3B085C9AB24}">
+                <p16:designElem xmlns:p16="http://schemas.microsoft.com/office/powerpoint/2015/main" val="1"/>
+              </p:ext>
+            </p:extLst>
+          </p:nvPr>
+        </p:nvSpPr>
+        <p:spPr>
+          <a:xfrm rot="2700000">
+            <a:off x="11052629" y="2120024"/>
+            <a:ext cx="645368" cy="645368"/>
+          </a:xfrm>
+          <a:prstGeom prst="rect">
+            <a:avLst/>
+          </a:prstGeom>
+          <a:solidFill>
+            <a:schemeClr val="accent4">
+              <a:alpha val="30000"/>
+            </a:schemeClr>
+          </a:solidFill>
+          <a:ln>
+            <a:noFill/>
+          </a:ln>
+        </p:spPr>
+        <p:style>
+          <a:lnRef idx="2">
+            <a:schemeClr val="accent1">
+              <a:shade val="50000"/>
+            </a:schemeClr>
+          </a:lnRef>
+          <a:fillRef idx="1">
+            <a:schemeClr val="accent1"/>
+          </a:fillRef>
+          <a:effectRef idx="0">
+            <a:schemeClr val="accent1"/>
+          </a:effectRef>
+          <a:fontRef idx="minor">
+            <a:schemeClr val="lt1"/>
+          </a:fontRef>
+        </p:style>
+        <p:txBody>
+          <a:bodyPr rtlCol="0" anchor="ctr"/>
+          <a:lstStyle/>
+          <a:p>
+            <a:pPr algn="ctr"/>
+            <a:endParaRPr lang="en-US"/>
+          </a:p>
+        </p:txBody>
+      </p:sp>
+      <p:sp>
+        <p:nvSpPr>
+          <p:cNvPr id="12" name="Isosceles Triangle 11">
+            <a:extLst>
+              <a:ext uri="{FF2B5EF4-FFF2-40B4-BE49-F238E27FC236}">
+                <a16:creationId xmlns:a16="http://schemas.microsoft.com/office/drawing/2014/main" id="{A580F890-B085-4E95-96AA-55AEBEC5CE6E}"/>
+              </a:ext>
+              <a:ext uri="{C183D7F6-B498-43B3-948B-1728B52AA6E4}">
+                <adec:decorative xmlns:adec="http://schemas.microsoft.com/office/drawing/2017/decorative" val="1"/>
+              </a:ext>
+            </a:extLst>
+          </p:cNvPr>
+          <p:cNvSpPr>
+            <a:spLocks noGrp="1" noRot="1" noChangeAspect="1" noMove="1" noResize="1" noEditPoints="1" noAdjustHandles="1" noChangeArrowheads="1" noChangeShapeType="1" noTextEdit="1"/>
+          </p:cNvSpPr>
+          <p:nvPr>
+            <p:extLst>
+              <p:ext uri="{386F3935-93C4-4BCD-93E2-E3B085C9AB24}">
+                <p16:designElem xmlns:p16="http://schemas.microsoft.com/office/powerpoint/2015/main" val="1"/>
+              </p:ext>
+            </p:extLst>
+          </p:nvPr>
+        </p:nvSpPr>
+        <p:spPr>
+          <a:xfrm rot="16200000">
+            <a:off x="10289068" y="1343027"/>
+            <a:ext cx="2532832" cy="1273032"/>
+          </a:xfrm>
+          <a:prstGeom prst="triangle">
+            <a:avLst>
+              <a:gd name="adj" fmla="val 50000"/>
+            </a:avLst>
+          </a:prstGeom>
+          <a:solidFill>
+            <a:schemeClr val="accent4">
+              <a:alpha val="30000"/>
+            </a:schemeClr>
+          </a:solidFill>
+          <a:ln>
+            <a:noFill/>
+          </a:ln>
+        </p:spPr>
+        <p:style>
+          <a:lnRef idx="2">
+            <a:schemeClr val="accent1">
+              <a:shade val="50000"/>
+            </a:schemeClr>
+          </a:lnRef>
+          <a:fillRef idx="1">
+            <a:schemeClr val="accent1"/>
+          </a:fillRef>
+          <a:effectRef idx="0">
+            <a:schemeClr val="accent1"/>
+          </a:effectRef>
+          <a:fontRef idx="minor">
+            <a:schemeClr val="lt1"/>
+          </a:fontRef>
+        </p:style>
+        <p:txBody>
+          <a:bodyPr rtlCol="0" anchor="ctr"/>
+          <a:lstStyle/>
+          <a:p>
+            <a:pPr algn="ctr"/>
+            <a:endParaRPr lang="en-US"/>
+          </a:p>
+        </p:txBody>
+      </p:sp>
+      <p:sp>
+        <p:nvSpPr>
+          <p:cNvPr id="14" name="Isosceles Triangle 13">
+            <a:extLst>
+              <a:ext uri="{FF2B5EF4-FFF2-40B4-BE49-F238E27FC236}">
+                <a16:creationId xmlns:a16="http://schemas.microsoft.com/office/drawing/2014/main" id="{D3F51FEB-38FB-4F6C-9F7B-2F2AFAB65463}"/>
+              </a:ext>
+              <a:ext uri="{C183D7F6-B498-43B3-948B-1728B52AA6E4}">
+                <adec:decorative xmlns:adec="http://schemas.microsoft.com/office/drawing/2017/decorative" val="1"/>
+              </a:ext>
+            </a:extLst>
+          </p:cNvPr>
+          <p:cNvSpPr>
+            <a:spLocks noGrp="1" noRot="1" noChangeAspect="1" noMove="1" noResize="1" noEditPoints="1" noAdjustHandles="1" noChangeArrowheads="1" noChangeShapeType="1" noTextEdit="1"/>
+          </p:cNvSpPr>
+          <p:nvPr>
+            <p:extLst>
+              <p:ext uri="{386F3935-93C4-4BCD-93E2-E3B085C9AB24}">
+                <p16:designElem xmlns:p16="http://schemas.microsoft.com/office/powerpoint/2015/main" val="1"/>
+              </p:ext>
+            </p:extLst>
+          </p:nvPr>
+        </p:nvSpPr>
+        <p:spPr>
+          <a:xfrm rot="5400000">
+            <a:off x="-501760" y="5103257"/>
+            <a:ext cx="2017580" cy="1014060"/>
+          </a:xfrm>
+          <a:prstGeom prst="triangle">
+            <a:avLst>
+              <a:gd name="adj" fmla="val 50000"/>
+            </a:avLst>
+          </a:prstGeom>
+          <a:solidFill>
+            <a:schemeClr val="accent1">
+              <a:alpha val="30000"/>
+            </a:schemeClr>
+          </a:solidFill>
+          <a:ln>
+            <a:noFill/>
+          </a:ln>
+        </p:spPr>
+        <p:style>
+          <a:lnRef idx="2">
+            <a:schemeClr val="accent1">
+              <a:shade val="50000"/>
+            </a:schemeClr>
+          </a:lnRef>
+          <a:fillRef idx="1">
+            <a:schemeClr val="accent1"/>
+          </a:fillRef>
+          <a:effectRef idx="0">
+            <a:schemeClr val="accent1"/>
+          </a:effectRef>
+          <a:fontRef idx="minor">
+            <a:schemeClr val="lt1"/>
+          </a:fontRef>
+        </p:style>
+        <p:txBody>
+          <a:bodyPr wrap="square" rtlCol="0" anchor="ctr">
+            <a:noAutofit/>
+          </a:bodyPr>
+          <a:lstStyle/>
+          <a:p>
+            <a:pPr algn="ctr"/>
+            <a:endParaRPr lang="en-US"/>
+          </a:p>
+        </p:txBody>
+      </p:sp>
+      <p:sp>
+        <p:nvSpPr>
+          <p:cNvPr id="16" name="Rectangle 15">
+            <a:extLst>
+              <a:ext uri="{FF2B5EF4-FFF2-40B4-BE49-F238E27FC236}">
+                <a16:creationId xmlns:a16="http://schemas.microsoft.com/office/drawing/2014/main" id="{1E547BA6-BAE0-43BB-A7CA-60F69CE252F0}"/>
+              </a:ext>
+              <a:ext uri="{C183D7F6-B498-43B3-948B-1728B52AA6E4}">
+                <adec:decorative xmlns:adec="http://schemas.microsoft.com/office/drawing/2017/decorative" val="1"/>
+              </a:ext>
+            </a:extLst>
+          </p:cNvPr>
+          <p:cNvSpPr>
+            <a:spLocks noGrp="1" noRot="1" noChangeAspect="1" noMove="1" noResize="1" noEditPoints="1" noAdjustHandles="1" noChangeArrowheads="1" noChangeShapeType="1" noTextEdit="1"/>
+          </p:cNvSpPr>
+          <p:nvPr>
+            <p:extLst>
+              <p:ext uri="{386F3935-93C4-4BCD-93E2-E3B085C9AB24}">
+                <p16:designElem xmlns:p16="http://schemas.microsoft.com/office/powerpoint/2015/main" val="1"/>
+              </p:ext>
+            </p:extLst>
+          </p:nvPr>
+        </p:nvSpPr>
+        <p:spPr>
+          <a:xfrm rot="2700000">
+            <a:off x="427916" y="5728708"/>
+            <a:ext cx="485578" cy="485578"/>
+          </a:xfrm>
+          <a:prstGeom prst="rect">
+            <a:avLst/>
+          </a:prstGeom>
+          <a:solidFill>
+            <a:schemeClr val="accent1">
+              <a:alpha val="30000"/>
+            </a:schemeClr>
+          </a:solidFill>
+          <a:ln>
+            <a:noFill/>
+          </a:ln>
+        </p:spPr>
+        <p:style>
+          <a:lnRef idx="2">
+            <a:schemeClr val="accent1">
+              <a:shade val="50000"/>
+            </a:schemeClr>
+          </a:lnRef>
+          <a:fillRef idx="1">
+            <a:schemeClr val="accent1"/>
+          </a:fillRef>
+          <a:effectRef idx="0">
+            <a:schemeClr val="accent1"/>
+          </a:effectRef>
+          <a:fontRef idx="minor">
+            <a:schemeClr val="lt1"/>
+          </a:fontRef>
+        </p:style>
+        <p:txBody>
+          <a:bodyPr wrap="square" rtlCol="0" anchor="ctr">
+            <a:noAutofit/>
+          </a:bodyPr>
+          <a:lstStyle/>
+          <a:p>
+            <a:pPr algn="ctr"/>
+            <a:endParaRPr lang="en-US"/>
           </a:p>
         </p:txBody>
       </p:sp>
@@ -4665,10 +7862,581 @@
 </p:sld>
 </file>
 
+<file path=ppt/slides/slide9.xml><?xml version="1.0" encoding="utf-8"?>
+<p:sld xmlns:a="http://schemas.openxmlformats.org/drawingml/2006/main" xmlns:r="http://schemas.openxmlformats.org/officeDocument/2006/relationships" xmlns:p="http://schemas.openxmlformats.org/presentationml/2006/main">
+  <p:cSld>
+    <p:bg>
+      <p:bgPr>
+        <a:solidFill>
+          <a:schemeClr val="bg1"/>
+        </a:solidFill>
+        <a:effectLst/>
+      </p:bgPr>
+    </p:bg>
+    <p:spTree>
+      <p:nvGrpSpPr>
+        <p:cNvPr id="1" name=""/>
+        <p:cNvGrpSpPr/>
+        <p:nvPr/>
+      </p:nvGrpSpPr>
+      <p:grpSpPr>
+        <a:xfrm>
+          <a:off x="0" y="0"/>
+          <a:ext cx="0" cy="0"/>
+          <a:chOff x="0" y="0"/>
+          <a:chExt cx="0" cy="0"/>
+        </a:xfrm>
+      </p:grpSpPr>
+      <p:sp>
+        <p:nvSpPr>
+          <p:cNvPr id="8" name="Rectangle 7">
+            <a:extLst>
+              <a:ext uri="{FF2B5EF4-FFF2-40B4-BE49-F238E27FC236}">
+                <a16:creationId xmlns:a16="http://schemas.microsoft.com/office/drawing/2014/main" id="{2B566528-1B12-4246-9431-5C2D7D081168}"/>
+              </a:ext>
+              <a:ext uri="{C183D7F6-B498-43B3-948B-1728B52AA6E4}">
+                <adec:decorative xmlns:adec="http://schemas.microsoft.com/office/drawing/2017/decorative" val="1"/>
+              </a:ext>
+            </a:extLst>
+          </p:cNvPr>
+          <p:cNvSpPr>
+            <a:spLocks noGrp="1" noRot="1" noChangeAspect="1" noMove="1" noResize="1" noEditPoints="1" noAdjustHandles="1" noChangeArrowheads="1" noChangeShapeType="1" noTextEdit="1"/>
+          </p:cNvSpPr>
+          <p:nvPr>
+            <p:extLst>
+              <p:ext uri="{386F3935-93C4-4BCD-93E2-E3B085C9AB24}">
+                <p16:designElem xmlns:p16="http://schemas.microsoft.com/office/powerpoint/2015/main" val="1"/>
+              </p:ext>
+            </p:extLst>
+          </p:nvPr>
+        </p:nvSpPr>
+        <p:spPr>
+          <a:xfrm>
+            <a:off x="0" y="0"/>
+            <a:ext cx="12192000" cy="6858000"/>
+          </a:xfrm>
+          <a:prstGeom prst="rect">
+            <a:avLst/>
+          </a:prstGeom>
+          <a:solidFill>
+            <a:schemeClr val="bg1"/>
+          </a:solidFill>
+          <a:ln>
+            <a:noFill/>
+          </a:ln>
+        </p:spPr>
+        <p:style>
+          <a:lnRef idx="2">
+            <a:schemeClr val="accent1">
+              <a:shade val="50000"/>
+            </a:schemeClr>
+          </a:lnRef>
+          <a:fillRef idx="1">
+            <a:schemeClr val="accent1"/>
+          </a:fillRef>
+          <a:effectRef idx="0">
+            <a:schemeClr val="accent1"/>
+          </a:effectRef>
+          <a:fontRef idx="minor">
+            <a:schemeClr val="lt1"/>
+          </a:fontRef>
+        </p:style>
+        <p:txBody>
+          <a:bodyPr rtlCol="0" anchor="ctr"/>
+          <a:lstStyle/>
+          <a:p>
+            <a:pPr algn="ctr"/>
+            <a:endParaRPr lang="en-US" dirty="0"/>
+          </a:p>
+        </p:txBody>
+      </p:sp>
+      <p:sp>
+        <p:nvSpPr>
+          <p:cNvPr id="2" name="Title 1">
+            <a:extLst>
+              <a:ext uri="{FF2B5EF4-FFF2-40B4-BE49-F238E27FC236}">
+                <a16:creationId xmlns:a16="http://schemas.microsoft.com/office/drawing/2014/main" id="{8C2C8720-86D2-2947-AD97-0BDD69698F35}"/>
+              </a:ext>
+            </a:extLst>
+          </p:cNvPr>
+          <p:cNvSpPr>
+            <a:spLocks noGrp="1"/>
+          </p:cNvSpPr>
+          <p:nvPr>
+            <p:ph type="title"/>
+          </p:nvPr>
+        </p:nvSpPr>
+        <p:spPr>
+          <a:xfrm>
+            <a:off x="643467" y="321734"/>
+            <a:ext cx="10905066" cy="1135737"/>
+          </a:xfrm>
+        </p:spPr>
+        <p:txBody>
+          <a:bodyPr>
+            <a:normAutofit/>
+          </a:bodyPr>
+          <a:lstStyle/>
+          <a:p>
+            <a:endParaRPr lang="en-US" sz="3600" dirty="0"/>
+          </a:p>
+        </p:txBody>
+      </p:sp>
+      <p:sp>
+        <p:nvSpPr>
+          <p:cNvPr id="3" name="Content Placeholder 2">
+            <a:extLst>
+              <a:ext uri="{FF2B5EF4-FFF2-40B4-BE49-F238E27FC236}">
+                <a16:creationId xmlns:a16="http://schemas.microsoft.com/office/drawing/2014/main" id="{8C3BDB8B-7A46-9743-82FA-153269B69334}"/>
+              </a:ext>
+            </a:extLst>
+          </p:cNvPr>
+          <p:cNvSpPr>
+            <a:spLocks noGrp="1"/>
+          </p:cNvSpPr>
+          <p:nvPr>
+            <p:ph idx="1"/>
+          </p:nvPr>
+        </p:nvSpPr>
+        <p:spPr>
+          <a:xfrm>
+            <a:off x="643467" y="1782981"/>
+            <a:ext cx="10905066" cy="4393982"/>
+          </a:xfrm>
+        </p:spPr>
+        <p:txBody>
+          <a:bodyPr>
+            <a:normAutofit/>
+          </a:bodyPr>
+          <a:lstStyle/>
+          <a:p>
+            <a:r>
+              <a:rPr lang="en-US" dirty="0"/>
+              <a:t>Map your CSE H: Driver to your own computer </a:t>
+            </a:r>
+          </a:p>
+          <a:p>
+            <a:pPr marL="0" indent="0">
+              <a:buNone/>
+            </a:pPr>
+            <a:r>
+              <a:rPr lang="en-US" dirty="0"/>
+              <a:t>	\\</a:t>
+            </a:r>
+            <a:r>
+              <a:rPr lang="en-US" dirty="0" err="1"/>
+              <a:t>filer.cse.tamu.edu</a:t>
+            </a:r>
+            <a:r>
+              <a:rPr lang="en-US" dirty="0"/>
+              <a:t>\</a:t>
+            </a:r>
+            <a:r>
+              <a:rPr lang="en-US" dirty="0" err="1"/>
+              <a:t>ugrads</a:t>
+            </a:r>
+            <a:r>
+              <a:rPr lang="en-US" dirty="0"/>
+              <a:t>\</a:t>
+            </a:r>
+            <a:r>
+              <a:rPr lang="en-US" b="1" dirty="0"/>
+              <a:t>#</a:t>
+            </a:r>
+            <a:r>
+              <a:rPr lang="en-US" dirty="0"/>
+              <a:t>\</a:t>
+            </a:r>
+            <a:r>
+              <a:rPr lang="en-US" b="1" dirty="0" err="1"/>
+              <a:t>yourhowdyusername</a:t>
+            </a:r>
+            <a:r>
+              <a:rPr lang="en-US" b="1" dirty="0"/>
+              <a:t> </a:t>
+            </a:r>
+            <a:endParaRPr lang="en-US" dirty="0"/>
+          </a:p>
+          <a:p>
+            <a:pPr marL="0" indent="0">
+              <a:buNone/>
+            </a:pPr>
+            <a:r>
+              <a:rPr lang="en-US" b="1" dirty="0"/>
+              <a:t>	"#”</a:t>
+            </a:r>
+            <a:r>
+              <a:rPr lang="en-US" dirty="0"/>
+              <a:t>: the first letter of your howdy username </a:t>
+            </a:r>
+          </a:p>
+          <a:p>
+            <a:pPr marL="0" indent="0">
+              <a:buNone/>
+            </a:pPr>
+            <a:r>
+              <a:rPr lang="en-US" dirty="0"/>
+              <a:t>	Use </a:t>
+            </a:r>
+            <a:r>
+              <a:rPr lang="en-US" b="1" dirty="0"/>
+              <a:t>auth\</a:t>
+            </a:r>
+            <a:r>
+              <a:rPr lang="en-US" b="1" dirty="0" err="1"/>
+              <a:t>yourhowdyusername</a:t>
+            </a:r>
+            <a:r>
+              <a:rPr lang="en-US" b="1" dirty="0"/>
+              <a:t> </a:t>
+            </a:r>
+            <a:r>
+              <a:rPr lang="en-US" dirty="0"/>
+              <a:t>not </a:t>
+            </a:r>
+            <a:r>
+              <a:rPr lang="en-US" dirty="0" err="1"/>
+              <a:t>yourusername</a:t>
+            </a:r>
+            <a:r>
+              <a:rPr lang="en-US" dirty="0"/>
+              <a:t> directly </a:t>
+            </a:r>
+          </a:p>
+          <a:p>
+            <a:r>
+              <a:rPr lang="en-US" dirty="0"/>
+              <a:t>Name your c code </a:t>
+            </a:r>
+          </a:p>
+          <a:p>
+            <a:pPr marL="0" indent="0">
+              <a:buNone/>
+            </a:pPr>
+            <a:r>
+              <a:rPr lang="en-US" dirty="0"/>
+              <a:t>	Don’t leave blank there, like </a:t>
+            </a:r>
+            <a:r>
+              <a:rPr lang="en-US" dirty="0" err="1"/>
+              <a:t>hw</a:t>
+            </a:r>
+            <a:r>
+              <a:rPr lang="en-US" dirty="0"/>
+              <a:t> 1.c and this will cause </a:t>
+            </a:r>
+            <a:r>
+              <a:rPr lang="en-US" dirty="0" err="1"/>
+              <a:t>gcc</a:t>
+            </a:r>
+            <a:r>
+              <a:rPr lang="en-US" dirty="0"/>
+              <a:t> compiler’s malfunction. </a:t>
+            </a:r>
+          </a:p>
+          <a:p>
+            <a:pPr marL="0" indent="0">
+              <a:buNone/>
+            </a:pPr>
+            <a:r>
+              <a:rPr lang="en-US" b="1" dirty="0"/>
+              <a:t>	Correct: hw1.c </a:t>
+            </a:r>
+            <a:endParaRPr lang="en-US" dirty="0"/>
+          </a:p>
+          <a:p>
+            <a:pPr marL="0" indent="0">
+              <a:buNone/>
+            </a:pPr>
+            <a:endParaRPr lang="en-US" dirty="0"/>
+          </a:p>
+        </p:txBody>
+      </p:sp>
+      <p:sp>
+        <p:nvSpPr>
+          <p:cNvPr id="10" name="Rectangle 9">
+            <a:extLst>
+              <a:ext uri="{FF2B5EF4-FFF2-40B4-BE49-F238E27FC236}">
+                <a16:creationId xmlns:a16="http://schemas.microsoft.com/office/drawing/2014/main" id="{2E80C965-DB6D-4F81-9E9E-B027384D0BD6}"/>
+              </a:ext>
+              <a:ext uri="{C183D7F6-B498-43B3-948B-1728B52AA6E4}">
+                <adec:decorative xmlns:adec="http://schemas.microsoft.com/office/drawing/2017/decorative" val="1"/>
+              </a:ext>
+            </a:extLst>
+          </p:cNvPr>
+          <p:cNvSpPr>
+            <a:spLocks noGrp="1" noRot="1" noChangeAspect="1" noMove="1" noResize="1" noEditPoints="1" noAdjustHandles="1" noChangeArrowheads="1" noChangeShapeType="1" noTextEdit="1"/>
+          </p:cNvSpPr>
+          <p:nvPr>
+            <p:extLst>
+              <p:ext uri="{386F3935-93C4-4BCD-93E2-E3B085C9AB24}">
+                <p16:designElem xmlns:p16="http://schemas.microsoft.com/office/powerpoint/2015/main" val="1"/>
+              </p:ext>
+            </p:extLst>
+          </p:nvPr>
+        </p:nvSpPr>
+        <p:spPr>
+          <a:xfrm rot="2700000">
+            <a:off x="11052629" y="2120024"/>
+            <a:ext cx="645368" cy="645368"/>
+          </a:xfrm>
+          <a:prstGeom prst="rect">
+            <a:avLst/>
+          </a:prstGeom>
+          <a:solidFill>
+            <a:schemeClr val="accent4">
+              <a:alpha val="30000"/>
+            </a:schemeClr>
+          </a:solidFill>
+          <a:ln>
+            <a:noFill/>
+          </a:ln>
+        </p:spPr>
+        <p:style>
+          <a:lnRef idx="2">
+            <a:schemeClr val="accent1">
+              <a:shade val="50000"/>
+            </a:schemeClr>
+          </a:lnRef>
+          <a:fillRef idx="1">
+            <a:schemeClr val="accent1"/>
+          </a:fillRef>
+          <a:effectRef idx="0">
+            <a:schemeClr val="accent1"/>
+          </a:effectRef>
+          <a:fontRef idx="minor">
+            <a:schemeClr val="lt1"/>
+          </a:fontRef>
+        </p:style>
+        <p:txBody>
+          <a:bodyPr rtlCol="0" anchor="ctr"/>
+          <a:lstStyle/>
+          <a:p>
+            <a:pPr algn="ctr"/>
+            <a:endParaRPr lang="en-US"/>
+          </a:p>
+        </p:txBody>
+      </p:sp>
+      <p:sp>
+        <p:nvSpPr>
+          <p:cNvPr id="12" name="Isosceles Triangle 11">
+            <a:extLst>
+              <a:ext uri="{FF2B5EF4-FFF2-40B4-BE49-F238E27FC236}">
+                <a16:creationId xmlns:a16="http://schemas.microsoft.com/office/drawing/2014/main" id="{A580F890-B085-4E95-96AA-55AEBEC5CE6E}"/>
+              </a:ext>
+              <a:ext uri="{C183D7F6-B498-43B3-948B-1728B52AA6E4}">
+                <adec:decorative xmlns:adec="http://schemas.microsoft.com/office/drawing/2017/decorative" val="1"/>
+              </a:ext>
+            </a:extLst>
+          </p:cNvPr>
+          <p:cNvSpPr>
+            <a:spLocks noGrp="1" noRot="1" noChangeAspect="1" noMove="1" noResize="1" noEditPoints="1" noAdjustHandles="1" noChangeArrowheads="1" noChangeShapeType="1" noTextEdit="1"/>
+          </p:cNvSpPr>
+          <p:nvPr>
+            <p:extLst>
+              <p:ext uri="{386F3935-93C4-4BCD-93E2-E3B085C9AB24}">
+                <p16:designElem xmlns:p16="http://schemas.microsoft.com/office/powerpoint/2015/main" val="1"/>
+              </p:ext>
+            </p:extLst>
+          </p:nvPr>
+        </p:nvSpPr>
+        <p:spPr>
+          <a:xfrm rot="16200000">
+            <a:off x="10289068" y="1343027"/>
+            <a:ext cx="2532832" cy="1273032"/>
+          </a:xfrm>
+          <a:prstGeom prst="triangle">
+            <a:avLst>
+              <a:gd name="adj" fmla="val 50000"/>
+            </a:avLst>
+          </a:prstGeom>
+          <a:solidFill>
+            <a:schemeClr val="accent4">
+              <a:alpha val="30000"/>
+            </a:schemeClr>
+          </a:solidFill>
+          <a:ln>
+            <a:noFill/>
+          </a:ln>
+        </p:spPr>
+        <p:style>
+          <a:lnRef idx="2">
+            <a:schemeClr val="accent1">
+              <a:shade val="50000"/>
+            </a:schemeClr>
+          </a:lnRef>
+          <a:fillRef idx="1">
+            <a:schemeClr val="accent1"/>
+          </a:fillRef>
+          <a:effectRef idx="0">
+            <a:schemeClr val="accent1"/>
+          </a:effectRef>
+          <a:fontRef idx="minor">
+            <a:schemeClr val="lt1"/>
+          </a:fontRef>
+        </p:style>
+        <p:txBody>
+          <a:bodyPr rtlCol="0" anchor="ctr"/>
+          <a:lstStyle/>
+          <a:p>
+            <a:pPr algn="ctr"/>
+            <a:endParaRPr lang="en-US"/>
+          </a:p>
+        </p:txBody>
+      </p:sp>
+      <p:sp>
+        <p:nvSpPr>
+          <p:cNvPr id="14" name="Isosceles Triangle 13">
+            <a:extLst>
+              <a:ext uri="{FF2B5EF4-FFF2-40B4-BE49-F238E27FC236}">
+                <a16:creationId xmlns:a16="http://schemas.microsoft.com/office/drawing/2014/main" id="{D3F51FEB-38FB-4F6C-9F7B-2F2AFAB65463}"/>
+              </a:ext>
+              <a:ext uri="{C183D7F6-B498-43B3-948B-1728B52AA6E4}">
+                <adec:decorative xmlns:adec="http://schemas.microsoft.com/office/drawing/2017/decorative" val="1"/>
+              </a:ext>
+            </a:extLst>
+          </p:cNvPr>
+          <p:cNvSpPr>
+            <a:spLocks noGrp="1" noRot="1" noChangeAspect="1" noMove="1" noResize="1" noEditPoints="1" noAdjustHandles="1" noChangeArrowheads="1" noChangeShapeType="1" noTextEdit="1"/>
+          </p:cNvSpPr>
+          <p:nvPr>
+            <p:extLst>
+              <p:ext uri="{386F3935-93C4-4BCD-93E2-E3B085C9AB24}">
+                <p16:designElem xmlns:p16="http://schemas.microsoft.com/office/powerpoint/2015/main" val="1"/>
+              </p:ext>
+            </p:extLst>
+          </p:nvPr>
+        </p:nvSpPr>
+        <p:spPr>
+          <a:xfrm rot="5400000">
+            <a:off x="-501760" y="5103257"/>
+            <a:ext cx="2017580" cy="1014060"/>
+          </a:xfrm>
+          <a:prstGeom prst="triangle">
+            <a:avLst>
+              <a:gd name="adj" fmla="val 50000"/>
+            </a:avLst>
+          </a:prstGeom>
+          <a:solidFill>
+            <a:schemeClr val="accent1">
+              <a:alpha val="30000"/>
+            </a:schemeClr>
+          </a:solidFill>
+          <a:ln>
+            <a:noFill/>
+          </a:ln>
+        </p:spPr>
+        <p:style>
+          <a:lnRef idx="2">
+            <a:schemeClr val="accent1">
+              <a:shade val="50000"/>
+            </a:schemeClr>
+          </a:lnRef>
+          <a:fillRef idx="1">
+            <a:schemeClr val="accent1"/>
+          </a:fillRef>
+          <a:effectRef idx="0">
+            <a:schemeClr val="accent1"/>
+          </a:effectRef>
+          <a:fontRef idx="minor">
+            <a:schemeClr val="lt1"/>
+          </a:fontRef>
+        </p:style>
+        <p:txBody>
+          <a:bodyPr wrap="square" rtlCol="0" anchor="ctr">
+            <a:noAutofit/>
+          </a:bodyPr>
+          <a:lstStyle/>
+          <a:p>
+            <a:pPr algn="ctr"/>
+            <a:endParaRPr lang="en-US"/>
+          </a:p>
+        </p:txBody>
+      </p:sp>
+      <p:sp>
+        <p:nvSpPr>
+          <p:cNvPr id="16" name="Rectangle 15">
+            <a:extLst>
+              <a:ext uri="{FF2B5EF4-FFF2-40B4-BE49-F238E27FC236}">
+                <a16:creationId xmlns:a16="http://schemas.microsoft.com/office/drawing/2014/main" id="{1E547BA6-BAE0-43BB-A7CA-60F69CE252F0}"/>
+              </a:ext>
+              <a:ext uri="{C183D7F6-B498-43B3-948B-1728B52AA6E4}">
+                <adec:decorative xmlns:adec="http://schemas.microsoft.com/office/drawing/2017/decorative" val="1"/>
+              </a:ext>
+            </a:extLst>
+          </p:cNvPr>
+          <p:cNvSpPr>
+            <a:spLocks noGrp="1" noRot="1" noChangeAspect="1" noMove="1" noResize="1" noEditPoints="1" noAdjustHandles="1" noChangeArrowheads="1" noChangeShapeType="1" noTextEdit="1"/>
+          </p:cNvSpPr>
+          <p:nvPr>
+            <p:extLst>
+              <p:ext uri="{386F3935-93C4-4BCD-93E2-E3B085C9AB24}">
+                <p16:designElem xmlns:p16="http://schemas.microsoft.com/office/powerpoint/2015/main" val="1"/>
+              </p:ext>
+            </p:extLst>
+          </p:nvPr>
+        </p:nvSpPr>
+        <p:spPr>
+          <a:xfrm rot="2700000">
+            <a:off x="427916" y="5728708"/>
+            <a:ext cx="485578" cy="485578"/>
+          </a:xfrm>
+          <a:prstGeom prst="rect">
+            <a:avLst/>
+          </a:prstGeom>
+          <a:solidFill>
+            <a:schemeClr val="accent1">
+              <a:alpha val="30000"/>
+            </a:schemeClr>
+          </a:solidFill>
+          <a:ln>
+            <a:noFill/>
+          </a:ln>
+        </p:spPr>
+        <p:style>
+          <a:lnRef idx="2">
+            <a:schemeClr val="accent1">
+              <a:shade val="50000"/>
+            </a:schemeClr>
+          </a:lnRef>
+          <a:fillRef idx="1">
+            <a:schemeClr val="accent1"/>
+          </a:fillRef>
+          <a:effectRef idx="0">
+            <a:schemeClr val="accent1"/>
+          </a:effectRef>
+          <a:fontRef idx="minor">
+            <a:schemeClr val="lt1"/>
+          </a:fontRef>
+        </p:style>
+        <p:txBody>
+          <a:bodyPr wrap="square" rtlCol="0" anchor="ctr">
+            <a:noAutofit/>
+          </a:bodyPr>
+          <a:lstStyle/>
+          <a:p>
+            <a:pPr algn="ctr"/>
+            <a:endParaRPr lang="en-US"/>
+          </a:p>
+        </p:txBody>
+      </p:sp>
+    </p:spTree>
+    <p:extLst>
+      <p:ext uri="{BB962C8B-B14F-4D97-AF65-F5344CB8AC3E}">
+        <p14:creationId xmlns:p14="http://schemas.microsoft.com/office/powerpoint/2010/main" val="3109338109"/>
+      </p:ext>
+    </p:extLst>
+  </p:cSld>
+  <p:clrMapOvr>
+    <a:masterClrMapping/>
+  </p:clrMapOvr>
+</p:sld>
+</file>
+
 <file path=ppt/theme/theme1.xml><?xml version="1.0" encoding="utf-8"?>
-<a:theme xmlns:a="http://schemas.openxmlformats.org/drawingml/2006/main" name="Gallery">
+<a:theme xmlns:a="http://schemas.openxmlformats.org/drawingml/2006/main" name="Office Theme">
   <a:themeElements>
-    <a:clrScheme name="Gallery">
+    <a:clrScheme name="Office">
       <a:dk1>
         <a:sysClr val="windowText" lastClr="000000"/>
       </a:dk1>
@@ -4676,39 +8444,39 @@
         <a:sysClr val="window" lastClr="FFFFFF"/>
       </a:lt1>
       <a:dk2>
-        <a:srgbClr val="454545"/>
+        <a:srgbClr val="44546A"/>
       </a:dk2>
       <a:lt2>
-        <a:srgbClr val="DFDBD5"/>
+        <a:srgbClr val="E7E6E6"/>
       </a:lt2>
       <a:accent1>
-        <a:srgbClr val="B71E42"/>
+        <a:srgbClr val="4472C4"/>
       </a:accent1>
       <a:accent2>
-        <a:srgbClr val="DE478E"/>
+        <a:srgbClr val="ED7D31"/>
       </a:accent2>
       <a:accent3>
-        <a:srgbClr val="BC72F0"/>
+        <a:srgbClr val="A5A5A5"/>
       </a:accent3>
       <a:accent4>
-        <a:srgbClr val="795FAF"/>
+        <a:srgbClr val="FFC000"/>
       </a:accent4>
       <a:accent5>
-        <a:srgbClr val="586EA6"/>
+        <a:srgbClr val="5B9BD5"/>
       </a:accent5>
       <a:accent6>
-        <a:srgbClr val="6892A0"/>
+        <a:srgbClr val="70AD47"/>
       </a:accent6>
       <a:hlink>
-        <a:srgbClr val="FA2B5C"/>
+        <a:srgbClr val="0563C1"/>
       </a:hlink>
       <a:folHlink>
-        <a:srgbClr val="BC658E"/>
+        <a:srgbClr val="954F72"/>
       </a:folHlink>
     </a:clrScheme>
-    <a:fontScheme name="Gallery">
+    <a:fontScheme name="Office">
       <a:majorFont>
-        <a:latin typeface="Gill Sans MT" panose="020B0502020104020203"/>
+        <a:latin typeface="Calibri Light" panose="020F0302020204030204"/>
         <a:ea typeface=""/>
         <a:cs typeface=""/>
         <a:font script="Jpan" typeface="游ゴシック Light"/>
@@ -4741,9 +8509,26 @@
         <a:font script="Viet" typeface="Times New Roman"/>
         <a:font script="Uigh" typeface="Microsoft Uighur"/>
         <a:font script="Geor" typeface="Sylfaen"/>
+        <a:font script="Armn" typeface="Arial"/>
+        <a:font script="Bugi" typeface="Leelawadee UI"/>
+        <a:font script="Bopo" typeface="Microsoft JhengHei"/>
+        <a:font script="Java" typeface="Javanese Text"/>
+        <a:font script="Lisu" typeface="Segoe UI"/>
+        <a:font script="Mymr" typeface="Myanmar Text"/>
+        <a:font script="Nkoo" typeface="Ebrima"/>
+        <a:font script="Olck" typeface="Nirmala UI"/>
+        <a:font script="Osma" typeface="Ebrima"/>
+        <a:font script="Phag" typeface="Phagspa"/>
+        <a:font script="Syrn" typeface="Estrangelo Edessa"/>
+        <a:font script="Syrj" typeface="Estrangelo Edessa"/>
+        <a:font script="Syre" typeface="Estrangelo Edessa"/>
+        <a:font script="Sora" typeface="Nirmala UI"/>
+        <a:font script="Tale" typeface="Microsoft Tai Le"/>
+        <a:font script="Talu" typeface="Microsoft New Tai Lue"/>
+        <a:font script="Tfng" typeface="Ebrima"/>
       </a:majorFont>
       <a:minorFont>
-        <a:latin typeface="Gill Sans MT" panose="020B0502020104020203"/>
+        <a:latin typeface="Calibri" panose="020F0502020204030204"/>
         <a:ea typeface=""/>
         <a:cs typeface=""/>
         <a:font script="Jpan" typeface="游ゴシック"/>
@@ -4776,9 +8561,26 @@
         <a:font script="Viet" typeface="Arial"/>
         <a:font script="Uigh" typeface="Microsoft Uighur"/>
         <a:font script="Geor" typeface="Sylfaen"/>
+        <a:font script="Armn" typeface="Arial"/>
+        <a:font script="Bugi" typeface="Leelawadee UI"/>
+        <a:font script="Bopo" typeface="Microsoft JhengHei"/>
+        <a:font script="Java" typeface="Javanese Text"/>
+        <a:font script="Lisu" typeface="Segoe UI"/>
+        <a:font script="Mymr" typeface="Myanmar Text"/>
+        <a:font script="Nkoo" typeface="Ebrima"/>
+        <a:font script="Olck" typeface="Nirmala UI"/>
+        <a:font script="Osma" typeface="Ebrima"/>
+        <a:font script="Phag" typeface="Phagspa"/>
+        <a:font script="Syrn" typeface="Estrangelo Edessa"/>
+        <a:font script="Syrj" typeface="Estrangelo Edessa"/>
+        <a:font script="Syre" typeface="Estrangelo Edessa"/>
+        <a:font script="Sora" typeface="Nirmala UI"/>
+        <a:font script="Tale" typeface="Microsoft Tai Le"/>
+        <a:font script="Talu" typeface="Microsoft New Tai Lue"/>
+        <a:font script="Tfng" typeface="Ebrima"/>
       </a:minorFont>
     </a:fontScheme>
-    <a:fmtScheme name="Gallery">
+    <a:fmtScheme name="Office">
       <a:fillStyleLst>
         <a:solidFill>
           <a:schemeClr val="phClr"/>
@@ -4787,18 +8589,23 @@
           <a:gsLst>
             <a:gs pos="0">
               <a:schemeClr val="phClr">
-                <a:tint val="54000"/>
-                <a:alpha val="100000"/>
+                <a:lumMod val="110000"/>
                 <a:satMod val="105000"/>
-                <a:lumMod val="110000"/>
+                <a:tint val="67000"/>
+              </a:schemeClr>
+            </a:gs>
+            <a:gs pos="50000">
+              <a:schemeClr val="phClr">
+                <a:lumMod val="105000"/>
+                <a:satMod val="103000"/>
+                <a:tint val="73000"/>
               </a:schemeClr>
             </a:gs>
             <a:gs pos="100000">
               <a:schemeClr val="phClr">
-                <a:tint val="78000"/>
-                <a:alpha val="92000"/>
+                <a:lumMod val="105000"/>
                 <a:satMod val="109000"/>
-                <a:lumMod val="100000"/>
+                <a:tint val="81000"/>
               </a:schemeClr>
             </a:gs>
           </a:gsLst>
@@ -4808,23 +8615,23 @@
           <a:gsLst>
             <a:gs pos="0">
               <a:schemeClr val="phClr">
-                <a:tint val="98000"/>
-                <a:satMod val="110000"/>
-                <a:lumMod val="104000"/>
+                <a:satMod val="103000"/>
+                <a:lumMod val="102000"/>
+                <a:tint val="94000"/>
               </a:schemeClr>
             </a:gs>
-            <a:gs pos="69000">
+            <a:gs pos="50000">
               <a:schemeClr val="phClr">
-                <a:shade val="88000"/>
-                <a:satMod val="130000"/>
-                <a:lumMod val="92000"/>
+                <a:satMod val="110000"/>
+                <a:lumMod val="100000"/>
+                <a:shade val="100000"/>
               </a:schemeClr>
             </a:gs>
             <a:gs pos="100000">
               <a:schemeClr val="phClr">
+                <a:lumMod val="99000"/>
+                <a:satMod val="120000"/>
                 <a:shade val="78000"/>
-                <a:satMod val="130000"/>
-                <a:lumMod val="92000"/>
               </a:schemeClr>
             </a:gs>
           </a:gsLst>
@@ -4832,23 +8639,26 @@
         </a:gradFill>
       </a:fillStyleLst>
       <a:lnStyleLst>
-        <a:ln w="9525" cap="flat" cmpd="sng" algn="ctr">
+        <a:ln w="6350" cap="flat" cmpd="sng" algn="ctr">
           <a:solidFill>
             <a:schemeClr val="phClr"/>
           </a:solidFill>
           <a:prstDash val="solid"/>
+          <a:miter lim="800000"/>
         </a:ln>
-        <a:ln w="15875" cap="flat" cmpd="sng" algn="ctr">
+        <a:ln w="12700" cap="flat" cmpd="sng" algn="ctr">
           <a:solidFill>
             <a:schemeClr val="phClr"/>
           </a:solidFill>
           <a:prstDash val="solid"/>
+          <a:miter lim="800000"/>
         </a:ln>
-        <a:ln w="22225" cap="flat" cmpd="sng" algn="ctr">
+        <a:ln w="19050" cap="flat" cmpd="sng" algn="ctr">
           <a:solidFill>
             <a:schemeClr val="phClr"/>
           </a:solidFill>
           <a:prstDash val="solid"/>
+          <a:miter lim="800000"/>
         </a:ln>
       </a:lnStyleLst>
       <a:effectStyleLst>
@@ -4860,23 +8670,12 @@
         </a:effectStyle>
         <a:effectStyle>
           <a:effectLst>
-            <a:outerShdw blurRad="50800" dist="50800" dir="5400000" sx="96000" sy="96000" rotWithShape="0">
+            <a:outerShdw blurRad="57150" dist="19050" dir="5400000" algn="ctr" rotWithShape="0">
               <a:srgbClr val="000000">
-                <a:alpha val="48000"/>
+                <a:alpha val="63000"/>
               </a:srgbClr>
             </a:outerShdw>
           </a:effectLst>
-          <a:scene3d>
-            <a:camera prst="orthographicFront">
-              <a:rot lat="0" lon="0" rev="0"/>
-            </a:camera>
-            <a:lightRig rig="balanced" dir="t">
-              <a:rot lat="0" lon="0" rev="1080000"/>
-            </a:lightRig>
-          </a:scene3d>
-          <a:sp3d>
-            <a:bevelT w="38100" h="12700" prst="softRound"/>
-          </a:sp3d>
         </a:effectStyle>
       </a:effectStyleLst>
       <a:bgFillStyleLst>
@@ -4884,26 +8683,37 @@
           <a:schemeClr val="phClr"/>
         </a:solidFill>
         <a:solidFill>
-          <a:schemeClr val="phClr"/>
+          <a:schemeClr val="phClr">
+            <a:tint val="95000"/>
+            <a:satMod val="170000"/>
+          </a:schemeClr>
         </a:solidFill>
         <a:gradFill rotWithShape="1">
           <a:gsLst>
             <a:gs pos="0">
               <a:schemeClr val="phClr">
-                <a:tint val="94000"/>
-                <a:satMod val="80000"/>
-                <a:lumMod val="106000"/>
+                <a:tint val="93000"/>
+                <a:satMod val="150000"/>
+                <a:shade val="98000"/>
+                <a:lumMod val="102000"/>
+              </a:schemeClr>
+            </a:gs>
+            <a:gs pos="50000">
+              <a:schemeClr val="phClr">
+                <a:tint val="98000"/>
+                <a:satMod val="130000"/>
+                <a:shade val="90000"/>
+                <a:lumMod val="103000"/>
               </a:schemeClr>
             </a:gs>
             <a:gs pos="100000">
               <a:schemeClr val="phClr">
-                <a:shade val="80000"/>
+                <a:shade val="63000"/>
+                <a:satMod val="120000"/>
               </a:schemeClr>
             </a:gs>
           </a:gsLst>
-          <a:path path="circle">
-            <a:fillToRect l="50000" t="50000" r="50000" b="50000"/>
-          </a:path>
+          <a:lin ang="5400000" scaled="0"/>
         </a:gradFill>
       </a:bgFillStyleLst>
     </a:fmtScheme>
@@ -4912,7 +8722,7 @@
   <a:extraClrSchemeLst/>
   <a:extLst>
     <a:ext uri="{05A4C25C-085E-4340-85A3-A5531E510DB2}">
-      <thm15:themeFamily xmlns:thm15="http://schemas.microsoft.com/office/thememl/2012/main" name="Gallery" id="{BBFCD31E-59A1-489D-B089-A3EAD7CAE12E}" vid="{F5E91637-A7B6-4E27-B710-77DA7014EE1E}"/>
+      <thm15:themeFamily xmlns:thm15="http://schemas.microsoft.com/office/thememl/2012/main" name="Office Theme" id="{62F939B6-93AF-4DB8-9C6B-D6C7DFDC589F}" vid="{4A3C46E8-61CC-4603-A589-7422A47A8E4A}"/>
     </a:ext>
   </a:extLst>
 </a:theme>

--- a/CSCE206/src/Lab Introduction.pptx
+++ b/CSCE206/src/Lab Introduction.pptx
@@ -267,7 +267,7 @@
           <a:p>
             <a:fld id="{932A2970-94C3-014F-B116-D430E9A92F27}" type="datetimeFigureOut">
               <a:rPr lang="en-US" smtClean="0"/>
-              <a:t>1/16/20</a:t>
+              <a:t>1/22/20</a:t>
             </a:fld>
             <a:endParaRPr lang="en-US"/>
           </a:p>
@@ -465,7 +465,7 @@
           <a:p>
             <a:fld id="{932A2970-94C3-014F-B116-D430E9A92F27}" type="datetimeFigureOut">
               <a:rPr lang="en-US" smtClean="0"/>
-              <a:t>1/16/20</a:t>
+              <a:t>1/22/20</a:t>
             </a:fld>
             <a:endParaRPr lang="en-US"/>
           </a:p>
@@ -673,7 +673,7 @@
           <a:p>
             <a:fld id="{932A2970-94C3-014F-B116-D430E9A92F27}" type="datetimeFigureOut">
               <a:rPr lang="en-US" smtClean="0"/>
-              <a:t>1/16/20</a:t>
+              <a:t>1/22/20</a:t>
             </a:fld>
             <a:endParaRPr lang="en-US"/>
           </a:p>
@@ -871,7 +871,7 @@
           <a:p>
             <a:fld id="{932A2970-94C3-014F-B116-D430E9A92F27}" type="datetimeFigureOut">
               <a:rPr lang="en-US" smtClean="0"/>
-              <a:t>1/16/20</a:t>
+              <a:t>1/22/20</a:t>
             </a:fld>
             <a:endParaRPr lang="en-US"/>
           </a:p>
@@ -1146,7 +1146,7 @@
           <a:p>
             <a:fld id="{932A2970-94C3-014F-B116-D430E9A92F27}" type="datetimeFigureOut">
               <a:rPr lang="en-US" smtClean="0"/>
-              <a:t>1/16/20</a:t>
+              <a:t>1/22/20</a:t>
             </a:fld>
             <a:endParaRPr lang="en-US"/>
           </a:p>
@@ -1411,7 +1411,7 @@
           <a:p>
             <a:fld id="{932A2970-94C3-014F-B116-D430E9A92F27}" type="datetimeFigureOut">
               <a:rPr lang="en-US" smtClean="0"/>
-              <a:t>1/16/20</a:t>
+              <a:t>1/22/20</a:t>
             </a:fld>
             <a:endParaRPr lang="en-US"/>
           </a:p>
@@ -1823,7 +1823,7 @@
           <a:p>
             <a:fld id="{932A2970-94C3-014F-B116-D430E9A92F27}" type="datetimeFigureOut">
               <a:rPr lang="en-US" smtClean="0"/>
-              <a:t>1/16/20</a:t>
+              <a:t>1/22/20</a:t>
             </a:fld>
             <a:endParaRPr lang="en-US"/>
           </a:p>
@@ -1964,7 +1964,7 @@
           <a:p>
             <a:fld id="{932A2970-94C3-014F-B116-D430E9A92F27}" type="datetimeFigureOut">
               <a:rPr lang="en-US" smtClean="0"/>
-              <a:t>1/16/20</a:t>
+              <a:t>1/22/20</a:t>
             </a:fld>
             <a:endParaRPr lang="en-US"/>
           </a:p>
@@ -2077,7 +2077,7 @@
           <a:p>
             <a:fld id="{932A2970-94C3-014F-B116-D430E9A92F27}" type="datetimeFigureOut">
               <a:rPr lang="en-US" smtClean="0"/>
-              <a:t>1/16/20</a:t>
+              <a:t>1/22/20</a:t>
             </a:fld>
             <a:endParaRPr lang="en-US"/>
           </a:p>
@@ -2388,7 +2388,7 @@
           <a:p>
             <a:fld id="{932A2970-94C3-014F-B116-D430E9A92F27}" type="datetimeFigureOut">
               <a:rPr lang="en-US" smtClean="0"/>
-              <a:t>1/16/20</a:t>
+              <a:t>1/22/20</a:t>
             </a:fld>
             <a:endParaRPr lang="en-US"/>
           </a:p>
@@ -2676,7 +2676,7 @@
           <a:p>
             <a:fld id="{932A2970-94C3-014F-B116-D430E9A92F27}" type="datetimeFigureOut">
               <a:rPr lang="en-US" smtClean="0"/>
-              <a:t>1/16/20</a:t>
+              <a:t>1/22/20</a:t>
             </a:fld>
             <a:endParaRPr lang="en-US"/>
           </a:p>
@@ -2917,7 +2917,7 @@
           <a:p>
             <a:fld id="{932A2970-94C3-014F-B116-D430E9A92F27}" type="datetimeFigureOut">
               <a:rPr lang="en-US" smtClean="0"/>
-              <a:t>1/16/20</a:t>
+              <a:t>1/22/20</a:t>
             </a:fld>
             <a:endParaRPr lang="en-US"/>
           </a:p>
@@ -6555,7 +6555,7 @@
           <a:p>
             <a:r>
               <a:rPr lang="en-US" dirty="0"/>
-              <a:t>Discuss and share your coding style and debugging techniques.</a:t>
+              <a:t>Discuss your coding style and debugging techniques. Learn from peers!</a:t>
             </a:r>
           </a:p>
           <a:p>
@@ -8021,86 +8021,24 @@
             </a:pPr>
             <a:r>
               <a:rPr lang="en-US" dirty="0"/>
-              <a:t>	\\</a:t>
-            </a:r>
-            <a:r>
-              <a:rPr lang="en-US" dirty="0" err="1"/>
-              <a:t>filer.cse.tamu.edu</a:t>
-            </a:r>
-            <a:r>
-              <a:rPr lang="en-US" dirty="0"/>
-              <a:t>\</a:t>
-            </a:r>
-            <a:r>
-              <a:rPr lang="en-US" dirty="0" err="1"/>
-              <a:t>ugrads</a:t>
-            </a:r>
-            <a:r>
-              <a:rPr lang="en-US" dirty="0"/>
-              <a:t>\</a:t>
-            </a:r>
-            <a:r>
-              <a:rPr lang="en-US" b="1" dirty="0"/>
-              <a:t>#</a:t>
-            </a:r>
-            <a:r>
-              <a:rPr lang="en-US" dirty="0"/>
-              <a:t>\</a:t>
-            </a:r>
-            <a:r>
-              <a:rPr lang="en-US" b="1" dirty="0" err="1"/>
-              <a:t>yourhowdyusername</a:t>
-            </a:r>
-            <a:r>
-              <a:rPr lang="en-US" b="1" dirty="0"/>
-              <a:t> </a:t>
-            </a:r>
-            <a:endParaRPr lang="en-US" dirty="0"/>
+              <a:t>	Instructions available on the website. </a:t>
+            </a:r>
           </a:p>
           <a:p>
             <a:pPr marL="0" indent="0">
               <a:buNone/>
             </a:pPr>
             <a:r>
-              <a:rPr lang="en-US" b="1" dirty="0"/>
-              <a:t>	"#”</a:t>
-            </a:r>
-            <a:r>
               <a:rPr lang="en-US" dirty="0"/>
-              <a:t>: the first letter of your howdy username </a:t>
-            </a:r>
-          </a:p>
-          <a:p>
-            <a:pPr marL="0" indent="0">
-              <a:buNone/>
-            </a:pPr>
+              <a:t>	Please use </a:t>
+            </a:r>
+            <a:r>
+              <a:rPr lang="en-US" dirty="0" err="1"/>
+              <a:t>NetId</a:t>
+            </a:r>
             <a:r>
               <a:rPr lang="en-US" dirty="0"/>
-              <a:t>	Use </a:t>
-            </a:r>
-            <a:r>
-              <a:rPr lang="en-US" b="1" dirty="0"/>
-              <a:t>auth\</a:t>
-            </a:r>
-            <a:r>
-              <a:rPr lang="en-US" b="1" dirty="0" err="1"/>
-              <a:t>yourhowdyusername</a:t>
-            </a:r>
-            <a:r>
-              <a:rPr lang="en-US" b="1" dirty="0"/>
-              <a:t> </a:t>
-            </a:r>
-            <a:r>
-              <a:rPr lang="en-US" dirty="0"/>
-              <a:t>not </a:t>
-            </a:r>
-            <a:r>
-              <a:rPr lang="en-US" dirty="0" err="1"/>
-              <a:t>yourusername</a:t>
-            </a:r>
-            <a:r>
-              <a:rPr lang="en-US" dirty="0"/>
-              <a:t> directly </a:t>
+              <a:t> and password.</a:t>
             </a:r>
           </a:p>
           <a:p>
